--- a/reports/Tiwari_Kamath_Final.pptx
+++ b/reports/Tiwari_Kamath_Final.pptx
@@ -8,13 +8,14 @@
     <p:sldId id="257" r:id="rId2"/>
     <p:sldId id="263" r:id="rId3"/>
     <p:sldId id="259" r:id="rId4"/>
-    <p:sldId id="264" r:id="rId5"/>
+    <p:sldId id="271" r:id="rId5"/>
     <p:sldId id="266" r:id="rId6"/>
     <p:sldId id="267" r:id="rId7"/>
     <p:sldId id="261" r:id="rId8"/>
-    <p:sldId id="268" r:id="rId9"/>
-    <p:sldId id="269" r:id="rId10"/>
-    <p:sldId id="270" r:id="rId11"/>
+    <p:sldId id="272" r:id="rId9"/>
+    <p:sldId id="268" r:id="rId10"/>
+    <p:sldId id="269" r:id="rId11"/>
+    <p:sldId id="270" r:id="rId12"/>
   </p:sldIdLst>
   <p:sldSz cx="12192000" cy="6858000"/>
   <p:notesSz cx="6858000" cy="9144000"/>
@@ -121,10 +122,11 @@
             <p14:sldId id="257"/>
             <p14:sldId id="263"/>
             <p14:sldId id="259"/>
-            <p14:sldId id="264"/>
+            <p14:sldId id="271"/>
             <p14:sldId id="266"/>
             <p14:sldId id="267"/>
             <p14:sldId id="261"/>
+            <p14:sldId id="272"/>
             <p14:sldId id="268"/>
             <p14:sldId id="269"/>
             <p14:sldId id="270"/>
@@ -883,6 +885,753 @@
   <dgm:styleLbl name="revTx">
     <dgm:fillClrLst meth="repeat">
       <a:schemeClr val="lt2">
+        <a:alpha val="0"/>
+      </a:schemeClr>
+    </dgm:fillClrLst>
+    <dgm:linClrLst meth="repeat">
+      <a:schemeClr val="dk1">
+        <a:alpha val="0"/>
+      </a:schemeClr>
+    </dgm:linClrLst>
+    <dgm:effectClrLst/>
+    <dgm:txLinClrLst/>
+    <dgm:txFillClrLst meth="repeat">
+      <a:schemeClr val="tx1"/>
+    </dgm:txFillClrLst>
+    <dgm:txEffectClrLst/>
+  </dgm:styleLbl>
+</dgm:colorsDef>
+</file>
+
+<file path=ppt/diagrams/colors2.xml><?xml version="1.0" encoding="utf-8"?>
+<dgm:colorsDef xmlns:dgm="http://schemas.openxmlformats.org/drawingml/2006/diagram" xmlns:a="http://schemas.openxmlformats.org/drawingml/2006/main" uniqueId="urn:microsoft.com/office/officeart/2005/8/colors/accent1_2">
+  <dgm:title val=""/>
+  <dgm:desc val=""/>
+  <dgm:catLst>
+    <dgm:cat type="accent1" pri="11200"/>
+  </dgm:catLst>
+  <dgm:styleLbl name="node0">
+    <dgm:fillClrLst meth="repeat">
+      <a:schemeClr val="accent1"/>
+    </dgm:fillClrLst>
+    <dgm:linClrLst meth="repeat">
+      <a:schemeClr val="lt1"/>
+    </dgm:linClrLst>
+    <dgm:effectClrLst/>
+    <dgm:txLinClrLst/>
+    <dgm:txFillClrLst/>
+    <dgm:txEffectClrLst/>
+  </dgm:styleLbl>
+  <dgm:styleLbl name="alignNode1">
+    <dgm:fillClrLst meth="repeat">
+      <a:schemeClr val="accent1"/>
+    </dgm:fillClrLst>
+    <dgm:linClrLst meth="repeat">
+      <a:schemeClr val="accent1"/>
+    </dgm:linClrLst>
+    <dgm:effectClrLst/>
+    <dgm:txLinClrLst/>
+    <dgm:txFillClrLst/>
+    <dgm:txEffectClrLst/>
+  </dgm:styleLbl>
+  <dgm:styleLbl name="node1">
+    <dgm:fillClrLst meth="repeat">
+      <a:schemeClr val="accent1"/>
+    </dgm:fillClrLst>
+    <dgm:linClrLst meth="repeat">
+      <a:schemeClr val="lt1"/>
+    </dgm:linClrLst>
+    <dgm:effectClrLst/>
+    <dgm:txLinClrLst/>
+    <dgm:txFillClrLst/>
+    <dgm:txEffectClrLst/>
+  </dgm:styleLbl>
+  <dgm:styleLbl name="lnNode1">
+    <dgm:fillClrLst meth="repeat">
+      <a:schemeClr val="accent1"/>
+    </dgm:fillClrLst>
+    <dgm:linClrLst meth="repeat">
+      <a:schemeClr val="lt1"/>
+    </dgm:linClrLst>
+    <dgm:effectClrLst/>
+    <dgm:txLinClrLst/>
+    <dgm:txFillClrLst/>
+    <dgm:txEffectClrLst/>
+  </dgm:styleLbl>
+  <dgm:styleLbl name="vennNode1">
+    <dgm:fillClrLst meth="repeat">
+      <a:schemeClr val="accent1">
+        <a:alpha val="50000"/>
+      </a:schemeClr>
+    </dgm:fillClrLst>
+    <dgm:linClrLst meth="repeat">
+      <a:schemeClr val="lt1"/>
+    </dgm:linClrLst>
+    <dgm:effectClrLst/>
+    <dgm:txLinClrLst/>
+    <dgm:txFillClrLst/>
+    <dgm:txEffectClrLst/>
+  </dgm:styleLbl>
+  <dgm:styleLbl name="node2">
+    <dgm:fillClrLst meth="repeat">
+      <a:schemeClr val="accent1"/>
+    </dgm:fillClrLst>
+    <dgm:linClrLst meth="repeat">
+      <a:schemeClr val="lt1"/>
+    </dgm:linClrLst>
+    <dgm:effectClrLst/>
+    <dgm:txLinClrLst/>
+    <dgm:txFillClrLst/>
+    <dgm:txEffectClrLst/>
+  </dgm:styleLbl>
+  <dgm:styleLbl name="node3">
+    <dgm:fillClrLst meth="repeat">
+      <a:schemeClr val="accent1"/>
+    </dgm:fillClrLst>
+    <dgm:linClrLst meth="repeat">
+      <a:schemeClr val="lt1"/>
+    </dgm:linClrLst>
+    <dgm:effectClrLst/>
+    <dgm:txLinClrLst/>
+    <dgm:txFillClrLst/>
+    <dgm:txEffectClrLst/>
+  </dgm:styleLbl>
+  <dgm:styleLbl name="node4">
+    <dgm:fillClrLst meth="repeat">
+      <a:schemeClr val="accent1"/>
+    </dgm:fillClrLst>
+    <dgm:linClrLst meth="repeat">
+      <a:schemeClr val="lt1"/>
+    </dgm:linClrLst>
+    <dgm:effectClrLst/>
+    <dgm:txLinClrLst/>
+    <dgm:txFillClrLst/>
+    <dgm:txEffectClrLst/>
+  </dgm:styleLbl>
+  <dgm:styleLbl name="fgImgPlace1">
+    <dgm:fillClrLst meth="repeat">
+      <a:schemeClr val="accent1">
+        <a:tint val="50000"/>
+      </a:schemeClr>
+    </dgm:fillClrLst>
+    <dgm:linClrLst meth="repeat">
+      <a:schemeClr val="lt1"/>
+    </dgm:linClrLst>
+    <dgm:effectClrLst/>
+    <dgm:txLinClrLst/>
+    <dgm:txFillClrLst meth="repeat">
+      <a:schemeClr val="lt1"/>
+    </dgm:txFillClrLst>
+    <dgm:txEffectClrLst/>
+  </dgm:styleLbl>
+  <dgm:styleLbl name="alignImgPlace1">
+    <dgm:fillClrLst meth="repeat">
+      <a:schemeClr val="accent1">
+        <a:tint val="50000"/>
+      </a:schemeClr>
+    </dgm:fillClrLst>
+    <dgm:linClrLst meth="repeat">
+      <a:schemeClr val="lt1"/>
+    </dgm:linClrLst>
+    <dgm:effectClrLst/>
+    <dgm:txLinClrLst/>
+    <dgm:txFillClrLst meth="repeat">
+      <a:schemeClr val="lt1"/>
+    </dgm:txFillClrLst>
+    <dgm:txEffectClrLst/>
+  </dgm:styleLbl>
+  <dgm:styleLbl name="bgImgPlace1">
+    <dgm:fillClrLst meth="repeat">
+      <a:schemeClr val="accent1">
+        <a:tint val="50000"/>
+      </a:schemeClr>
+    </dgm:fillClrLst>
+    <dgm:linClrLst meth="repeat">
+      <a:schemeClr val="lt1"/>
+    </dgm:linClrLst>
+    <dgm:effectClrLst/>
+    <dgm:txLinClrLst/>
+    <dgm:txFillClrLst meth="repeat">
+      <a:schemeClr val="lt1"/>
+    </dgm:txFillClrLst>
+    <dgm:txEffectClrLst/>
+  </dgm:styleLbl>
+  <dgm:styleLbl name="sibTrans2D1">
+    <dgm:fillClrLst meth="repeat">
+      <a:schemeClr val="accent1">
+        <a:tint val="60000"/>
+      </a:schemeClr>
+    </dgm:fillClrLst>
+    <dgm:linClrLst meth="repeat">
+      <a:schemeClr val="accent1">
+        <a:tint val="60000"/>
+      </a:schemeClr>
+    </dgm:linClrLst>
+    <dgm:effectClrLst/>
+    <dgm:txLinClrLst/>
+    <dgm:txFillClrLst/>
+    <dgm:txEffectClrLst/>
+  </dgm:styleLbl>
+  <dgm:styleLbl name="fgSibTrans2D1">
+    <dgm:fillClrLst meth="repeat">
+      <a:schemeClr val="accent1">
+        <a:tint val="60000"/>
+      </a:schemeClr>
+    </dgm:fillClrLst>
+    <dgm:linClrLst meth="repeat">
+      <a:schemeClr val="accent1">
+        <a:tint val="60000"/>
+      </a:schemeClr>
+    </dgm:linClrLst>
+    <dgm:effectClrLst/>
+    <dgm:txLinClrLst/>
+    <dgm:txFillClrLst/>
+    <dgm:txEffectClrLst/>
+  </dgm:styleLbl>
+  <dgm:styleLbl name="bgSibTrans2D1">
+    <dgm:fillClrLst meth="repeat">
+      <a:schemeClr val="accent1">
+        <a:tint val="60000"/>
+      </a:schemeClr>
+    </dgm:fillClrLst>
+    <dgm:linClrLst meth="repeat">
+      <a:schemeClr val="accent1">
+        <a:tint val="60000"/>
+      </a:schemeClr>
+    </dgm:linClrLst>
+    <dgm:effectClrLst/>
+    <dgm:txLinClrLst/>
+    <dgm:txFillClrLst/>
+    <dgm:txEffectClrLst/>
+  </dgm:styleLbl>
+  <dgm:styleLbl name="sibTrans1D1">
+    <dgm:fillClrLst meth="repeat">
+      <a:schemeClr val="accent1"/>
+    </dgm:fillClrLst>
+    <dgm:linClrLst meth="repeat">
+      <a:schemeClr val="accent1"/>
+    </dgm:linClrLst>
+    <dgm:effectClrLst/>
+    <dgm:txLinClrLst/>
+    <dgm:txFillClrLst meth="repeat">
+      <a:schemeClr val="tx1"/>
+    </dgm:txFillClrLst>
+    <dgm:txEffectClrLst/>
+  </dgm:styleLbl>
+  <dgm:styleLbl name="callout">
+    <dgm:fillClrLst meth="repeat">
+      <a:schemeClr val="accent1"/>
+    </dgm:fillClrLst>
+    <dgm:linClrLst meth="repeat">
+      <a:schemeClr val="accent1">
+        <a:tint val="50000"/>
+      </a:schemeClr>
+    </dgm:linClrLst>
+    <dgm:effectClrLst/>
+    <dgm:txLinClrLst/>
+    <dgm:txFillClrLst meth="repeat">
+      <a:schemeClr val="tx1"/>
+    </dgm:txFillClrLst>
+    <dgm:txEffectClrLst/>
+  </dgm:styleLbl>
+  <dgm:styleLbl name="asst0">
+    <dgm:fillClrLst meth="repeat">
+      <a:schemeClr val="accent1"/>
+    </dgm:fillClrLst>
+    <dgm:linClrLst meth="repeat">
+      <a:schemeClr val="lt1"/>
+    </dgm:linClrLst>
+    <dgm:effectClrLst/>
+    <dgm:txLinClrLst/>
+    <dgm:txFillClrLst/>
+    <dgm:txEffectClrLst/>
+  </dgm:styleLbl>
+  <dgm:styleLbl name="asst1">
+    <dgm:fillClrLst meth="repeat">
+      <a:schemeClr val="accent1"/>
+    </dgm:fillClrLst>
+    <dgm:linClrLst meth="repeat">
+      <a:schemeClr val="lt1"/>
+    </dgm:linClrLst>
+    <dgm:effectClrLst/>
+    <dgm:txLinClrLst/>
+    <dgm:txFillClrLst/>
+    <dgm:txEffectClrLst/>
+  </dgm:styleLbl>
+  <dgm:styleLbl name="asst2">
+    <dgm:fillClrLst meth="repeat">
+      <a:schemeClr val="accent1"/>
+    </dgm:fillClrLst>
+    <dgm:linClrLst meth="repeat">
+      <a:schemeClr val="lt1"/>
+    </dgm:linClrLst>
+    <dgm:effectClrLst/>
+    <dgm:txLinClrLst/>
+    <dgm:txFillClrLst/>
+    <dgm:txEffectClrLst/>
+  </dgm:styleLbl>
+  <dgm:styleLbl name="asst3">
+    <dgm:fillClrLst meth="repeat">
+      <a:schemeClr val="accent1"/>
+    </dgm:fillClrLst>
+    <dgm:linClrLst meth="repeat">
+      <a:schemeClr val="lt1"/>
+    </dgm:linClrLst>
+    <dgm:effectClrLst/>
+    <dgm:txLinClrLst/>
+    <dgm:txFillClrLst/>
+    <dgm:txEffectClrLst/>
+  </dgm:styleLbl>
+  <dgm:styleLbl name="asst4">
+    <dgm:fillClrLst meth="repeat">
+      <a:schemeClr val="accent1"/>
+    </dgm:fillClrLst>
+    <dgm:linClrLst meth="repeat">
+      <a:schemeClr val="lt1"/>
+    </dgm:linClrLst>
+    <dgm:effectClrLst/>
+    <dgm:txLinClrLst/>
+    <dgm:txFillClrLst/>
+    <dgm:txEffectClrLst/>
+  </dgm:styleLbl>
+  <dgm:styleLbl name="parChTrans2D1">
+    <dgm:fillClrLst meth="repeat">
+      <a:schemeClr val="accent1">
+        <a:tint val="60000"/>
+      </a:schemeClr>
+    </dgm:fillClrLst>
+    <dgm:linClrLst meth="repeat">
+      <a:schemeClr val="accent1">
+        <a:tint val="60000"/>
+      </a:schemeClr>
+    </dgm:linClrLst>
+    <dgm:effectClrLst/>
+    <dgm:txLinClrLst/>
+    <dgm:txFillClrLst meth="repeat">
+      <a:schemeClr val="lt1"/>
+    </dgm:txFillClrLst>
+    <dgm:txEffectClrLst/>
+  </dgm:styleLbl>
+  <dgm:styleLbl name="parChTrans2D2">
+    <dgm:fillClrLst meth="repeat">
+      <a:schemeClr val="accent1"/>
+    </dgm:fillClrLst>
+    <dgm:linClrLst meth="repeat">
+      <a:schemeClr val="accent1"/>
+    </dgm:linClrLst>
+    <dgm:effectClrLst/>
+    <dgm:txLinClrLst/>
+    <dgm:txFillClrLst meth="repeat">
+      <a:schemeClr val="lt1"/>
+    </dgm:txFillClrLst>
+    <dgm:txEffectClrLst/>
+  </dgm:styleLbl>
+  <dgm:styleLbl name="parChTrans2D3">
+    <dgm:fillClrLst meth="repeat">
+      <a:schemeClr val="accent1"/>
+    </dgm:fillClrLst>
+    <dgm:linClrLst meth="repeat">
+      <a:schemeClr val="accent1"/>
+    </dgm:linClrLst>
+    <dgm:effectClrLst/>
+    <dgm:txLinClrLst/>
+    <dgm:txFillClrLst meth="repeat">
+      <a:schemeClr val="lt1"/>
+    </dgm:txFillClrLst>
+    <dgm:txEffectClrLst/>
+  </dgm:styleLbl>
+  <dgm:styleLbl name="parChTrans2D4">
+    <dgm:fillClrLst meth="repeat">
+      <a:schemeClr val="accent1"/>
+    </dgm:fillClrLst>
+    <dgm:linClrLst meth="repeat">
+      <a:schemeClr val="accent1"/>
+    </dgm:linClrLst>
+    <dgm:effectClrLst/>
+    <dgm:txLinClrLst/>
+    <dgm:txFillClrLst meth="repeat">
+      <a:schemeClr val="lt1"/>
+    </dgm:txFillClrLst>
+    <dgm:txEffectClrLst/>
+  </dgm:styleLbl>
+  <dgm:styleLbl name="parChTrans1D1">
+    <dgm:fillClrLst meth="repeat">
+      <a:schemeClr val="accent1"/>
+    </dgm:fillClrLst>
+    <dgm:linClrLst meth="repeat">
+      <a:schemeClr val="accent1">
+        <a:shade val="60000"/>
+      </a:schemeClr>
+    </dgm:linClrLst>
+    <dgm:effectClrLst/>
+    <dgm:txLinClrLst/>
+    <dgm:txFillClrLst meth="repeat">
+      <a:schemeClr val="tx1"/>
+    </dgm:txFillClrLst>
+    <dgm:txEffectClrLst/>
+  </dgm:styleLbl>
+  <dgm:styleLbl name="parChTrans1D2">
+    <dgm:fillClrLst meth="repeat">
+      <a:schemeClr val="accent1"/>
+    </dgm:fillClrLst>
+    <dgm:linClrLst meth="repeat">
+      <a:schemeClr val="accent1">
+        <a:shade val="60000"/>
+      </a:schemeClr>
+    </dgm:linClrLst>
+    <dgm:effectClrLst/>
+    <dgm:txLinClrLst/>
+    <dgm:txFillClrLst meth="repeat">
+      <a:schemeClr val="tx1"/>
+    </dgm:txFillClrLst>
+    <dgm:txEffectClrLst/>
+  </dgm:styleLbl>
+  <dgm:styleLbl name="parChTrans1D3">
+    <dgm:fillClrLst meth="repeat">
+      <a:schemeClr val="accent1"/>
+    </dgm:fillClrLst>
+    <dgm:linClrLst meth="repeat">
+      <a:schemeClr val="accent1">
+        <a:shade val="80000"/>
+      </a:schemeClr>
+    </dgm:linClrLst>
+    <dgm:effectClrLst/>
+    <dgm:txLinClrLst/>
+    <dgm:txFillClrLst meth="repeat">
+      <a:schemeClr val="tx1"/>
+    </dgm:txFillClrLst>
+    <dgm:txEffectClrLst/>
+  </dgm:styleLbl>
+  <dgm:styleLbl name="parChTrans1D4">
+    <dgm:fillClrLst meth="repeat">
+      <a:schemeClr val="accent1"/>
+    </dgm:fillClrLst>
+    <dgm:linClrLst meth="repeat">
+      <a:schemeClr val="accent1">
+        <a:shade val="80000"/>
+      </a:schemeClr>
+    </dgm:linClrLst>
+    <dgm:effectClrLst/>
+    <dgm:txLinClrLst/>
+    <dgm:txFillClrLst meth="repeat">
+      <a:schemeClr val="tx1"/>
+    </dgm:txFillClrLst>
+    <dgm:txEffectClrLst/>
+  </dgm:styleLbl>
+  <dgm:styleLbl name="fgAcc1">
+    <dgm:fillClrLst meth="repeat">
+      <a:schemeClr val="lt1">
+        <a:alpha val="90000"/>
+      </a:schemeClr>
+    </dgm:fillClrLst>
+    <dgm:linClrLst meth="repeat">
+      <a:schemeClr val="accent1"/>
+    </dgm:linClrLst>
+    <dgm:effectClrLst/>
+    <dgm:txLinClrLst/>
+    <dgm:txFillClrLst meth="repeat">
+      <a:schemeClr val="dk1"/>
+    </dgm:txFillClrLst>
+    <dgm:txEffectClrLst/>
+  </dgm:styleLbl>
+  <dgm:styleLbl name="conFgAcc1">
+    <dgm:fillClrLst meth="repeat">
+      <a:schemeClr val="lt1">
+        <a:alpha val="90000"/>
+      </a:schemeClr>
+    </dgm:fillClrLst>
+    <dgm:linClrLst meth="repeat">
+      <a:schemeClr val="accent1"/>
+    </dgm:linClrLst>
+    <dgm:effectClrLst/>
+    <dgm:txLinClrLst/>
+    <dgm:txFillClrLst meth="repeat">
+      <a:schemeClr val="dk1"/>
+    </dgm:txFillClrLst>
+    <dgm:txEffectClrLst/>
+  </dgm:styleLbl>
+  <dgm:styleLbl name="alignAcc1">
+    <dgm:fillClrLst meth="repeat">
+      <a:schemeClr val="lt1">
+        <a:alpha val="90000"/>
+      </a:schemeClr>
+    </dgm:fillClrLst>
+    <dgm:linClrLst meth="repeat">
+      <a:schemeClr val="accent1"/>
+    </dgm:linClrLst>
+    <dgm:effectClrLst/>
+    <dgm:txLinClrLst/>
+    <dgm:txFillClrLst meth="repeat">
+      <a:schemeClr val="dk1"/>
+    </dgm:txFillClrLst>
+    <dgm:txEffectClrLst/>
+  </dgm:styleLbl>
+  <dgm:styleLbl name="trAlignAcc1">
+    <dgm:fillClrLst meth="repeat">
+      <a:schemeClr val="lt1">
+        <a:alpha val="40000"/>
+      </a:schemeClr>
+    </dgm:fillClrLst>
+    <dgm:linClrLst meth="repeat">
+      <a:schemeClr val="accent1"/>
+    </dgm:linClrLst>
+    <dgm:effectClrLst/>
+    <dgm:txLinClrLst/>
+    <dgm:txFillClrLst meth="repeat">
+      <a:schemeClr val="dk1"/>
+    </dgm:txFillClrLst>
+    <dgm:txEffectClrLst/>
+  </dgm:styleLbl>
+  <dgm:styleLbl name="bgAcc1">
+    <dgm:fillClrLst meth="repeat">
+      <a:schemeClr val="lt1">
+        <a:alpha val="90000"/>
+      </a:schemeClr>
+    </dgm:fillClrLst>
+    <dgm:linClrLst meth="repeat">
+      <a:schemeClr val="accent1"/>
+    </dgm:linClrLst>
+    <dgm:effectClrLst/>
+    <dgm:txLinClrLst/>
+    <dgm:txFillClrLst meth="repeat">
+      <a:schemeClr val="dk1"/>
+    </dgm:txFillClrLst>
+    <dgm:txEffectClrLst/>
+  </dgm:styleLbl>
+  <dgm:styleLbl name="solidFgAcc1">
+    <dgm:fillClrLst meth="repeat">
+      <a:schemeClr val="lt1"/>
+    </dgm:fillClrLst>
+    <dgm:linClrLst meth="repeat">
+      <a:schemeClr val="accent1"/>
+    </dgm:linClrLst>
+    <dgm:effectClrLst/>
+    <dgm:txLinClrLst/>
+    <dgm:txFillClrLst meth="repeat">
+      <a:schemeClr val="dk1"/>
+    </dgm:txFillClrLst>
+    <dgm:txEffectClrLst/>
+  </dgm:styleLbl>
+  <dgm:styleLbl name="solidAlignAcc1">
+    <dgm:fillClrLst meth="repeat">
+      <a:schemeClr val="lt1"/>
+    </dgm:fillClrLst>
+    <dgm:linClrLst meth="repeat">
+      <a:schemeClr val="accent1"/>
+    </dgm:linClrLst>
+    <dgm:effectClrLst/>
+    <dgm:txLinClrLst/>
+    <dgm:txFillClrLst meth="repeat">
+      <a:schemeClr val="dk1"/>
+    </dgm:txFillClrLst>
+    <dgm:txEffectClrLst/>
+  </dgm:styleLbl>
+  <dgm:styleLbl name="solidBgAcc1">
+    <dgm:fillClrLst meth="repeat">
+      <a:schemeClr val="lt1"/>
+    </dgm:fillClrLst>
+    <dgm:linClrLst meth="repeat">
+      <a:schemeClr val="accent1"/>
+    </dgm:linClrLst>
+    <dgm:effectClrLst/>
+    <dgm:txLinClrLst/>
+    <dgm:txFillClrLst meth="repeat">
+      <a:schemeClr val="dk1"/>
+    </dgm:txFillClrLst>
+    <dgm:txEffectClrLst/>
+  </dgm:styleLbl>
+  <dgm:styleLbl name="fgAccFollowNode1">
+    <dgm:fillClrLst meth="repeat">
+      <a:schemeClr val="accent1">
+        <a:alpha val="90000"/>
+        <a:tint val="40000"/>
+      </a:schemeClr>
+    </dgm:fillClrLst>
+    <dgm:linClrLst meth="repeat">
+      <a:schemeClr val="accent1">
+        <a:alpha val="90000"/>
+        <a:tint val="40000"/>
+      </a:schemeClr>
+    </dgm:linClrLst>
+    <dgm:effectClrLst/>
+    <dgm:txLinClrLst/>
+    <dgm:txFillClrLst meth="repeat">
+      <a:schemeClr val="dk1"/>
+    </dgm:txFillClrLst>
+    <dgm:txEffectClrLst/>
+  </dgm:styleLbl>
+  <dgm:styleLbl name="alignAccFollowNode1">
+    <dgm:fillClrLst meth="repeat">
+      <a:schemeClr val="accent1">
+        <a:alpha val="90000"/>
+        <a:tint val="40000"/>
+      </a:schemeClr>
+    </dgm:fillClrLst>
+    <dgm:linClrLst meth="repeat">
+      <a:schemeClr val="accent1">
+        <a:alpha val="90000"/>
+        <a:tint val="40000"/>
+      </a:schemeClr>
+    </dgm:linClrLst>
+    <dgm:effectClrLst/>
+    <dgm:txLinClrLst/>
+    <dgm:txFillClrLst meth="repeat">
+      <a:schemeClr val="dk1"/>
+    </dgm:txFillClrLst>
+    <dgm:txEffectClrLst/>
+  </dgm:styleLbl>
+  <dgm:styleLbl name="bgAccFollowNode1">
+    <dgm:fillClrLst meth="repeat">
+      <a:schemeClr val="accent1">
+        <a:alpha val="90000"/>
+        <a:tint val="40000"/>
+      </a:schemeClr>
+    </dgm:fillClrLst>
+    <dgm:linClrLst meth="repeat">
+      <a:schemeClr val="accent1">
+        <a:alpha val="90000"/>
+        <a:tint val="40000"/>
+      </a:schemeClr>
+    </dgm:linClrLst>
+    <dgm:effectClrLst/>
+    <dgm:txLinClrLst/>
+    <dgm:txFillClrLst meth="repeat">
+      <a:schemeClr val="dk1"/>
+    </dgm:txFillClrLst>
+    <dgm:txEffectClrLst/>
+  </dgm:styleLbl>
+  <dgm:styleLbl name="fgAcc0">
+    <dgm:fillClrLst meth="repeat">
+      <a:schemeClr val="lt1">
+        <a:alpha val="90000"/>
+      </a:schemeClr>
+    </dgm:fillClrLst>
+    <dgm:linClrLst meth="repeat">
+      <a:schemeClr val="accent1"/>
+    </dgm:linClrLst>
+    <dgm:effectClrLst/>
+    <dgm:txLinClrLst/>
+    <dgm:txFillClrLst meth="repeat">
+      <a:schemeClr val="dk1"/>
+    </dgm:txFillClrLst>
+    <dgm:txEffectClrLst/>
+  </dgm:styleLbl>
+  <dgm:styleLbl name="fgAcc2">
+    <dgm:fillClrLst meth="repeat">
+      <a:schemeClr val="lt1">
+        <a:alpha val="90000"/>
+      </a:schemeClr>
+    </dgm:fillClrLst>
+    <dgm:linClrLst meth="repeat">
+      <a:schemeClr val="accent1"/>
+    </dgm:linClrLst>
+    <dgm:effectClrLst/>
+    <dgm:txLinClrLst/>
+    <dgm:txFillClrLst meth="repeat">
+      <a:schemeClr val="dk1"/>
+    </dgm:txFillClrLst>
+    <dgm:txEffectClrLst/>
+  </dgm:styleLbl>
+  <dgm:styleLbl name="fgAcc3">
+    <dgm:fillClrLst meth="repeat">
+      <a:schemeClr val="lt1">
+        <a:alpha val="90000"/>
+      </a:schemeClr>
+    </dgm:fillClrLst>
+    <dgm:linClrLst meth="repeat">
+      <a:schemeClr val="accent1"/>
+    </dgm:linClrLst>
+    <dgm:effectClrLst/>
+    <dgm:txLinClrLst/>
+    <dgm:txFillClrLst meth="repeat">
+      <a:schemeClr val="dk1"/>
+    </dgm:txFillClrLst>
+    <dgm:txEffectClrLst/>
+  </dgm:styleLbl>
+  <dgm:styleLbl name="fgAcc4">
+    <dgm:fillClrLst meth="repeat">
+      <a:schemeClr val="lt1">
+        <a:alpha val="90000"/>
+      </a:schemeClr>
+    </dgm:fillClrLst>
+    <dgm:linClrLst meth="repeat">
+      <a:schemeClr val="accent1"/>
+    </dgm:linClrLst>
+    <dgm:effectClrLst/>
+    <dgm:txLinClrLst/>
+    <dgm:txFillClrLst meth="repeat">
+      <a:schemeClr val="dk1"/>
+    </dgm:txFillClrLst>
+    <dgm:txEffectClrLst/>
+  </dgm:styleLbl>
+  <dgm:styleLbl name="bgShp">
+    <dgm:fillClrLst meth="repeat">
+      <a:schemeClr val="accent1">
+        <a:tint val="40000"/>
+      </a:schemeClr>
+    </dgm:fillClrLst>
+    <dgm:linClrLst meth="repeat">
+      <a:schemeClr val="accent1"/>
+    </dgm:linClrLst>
+    <dgm:effectClrLst/>
+    <dgm:txLinClrLst/>
+    <dgm:txFillClrLst meth="repeat">
+      <a:schemeClr val="dk1"/>
+    </dgm:txFillClrLst>
+    <dgm:txEffectClrLst/>
+  </dgm:styleLbl>
+  <dgm:styleLbl name="dkBgShp">
+    <dgm:fillClrLst meth="repeat">
+      <a:schemeClr val="accent1">
+        <a:shade val="80000"/>
+      </a:schemeClr>
+    </dgm:fillClrLst>
+    <dgm:linClrLst meth="repeat">
+      <a:schemeClr val="accent1"/>
+    </dgm:linClrLst>
+    <dgm:effectClrLst/>
+    <dgm:txLinClrLst/>
+    <dgm:txFillClrLst meth="repeat">
+      <a:schemeClr val="lt1"/>
+    </dgm:txFillClrLst>
+    <dgm:txEffectClrLst/>
+  </dgm:styleLbl>
+  <dgm:styleLbl name="trBgShp">
+    <dgm:fillClrLst meth="repeat">
+      <a:schemeClr val="accent1">
+        <a:tint val="50000"/>
+        <a:alpha val="40000"/>
+      </a:schemeClr>
+    </dgm:fillClrLst>
+    <dgm:linClrLst meth="repeat">
+      <a:schemeClr val="accent1"/>
+    </dgm:linClrLst>
+    <dgm:effectClrLst/>
+    <dgm:txLinClrLst/>
+    <dgm:txFillClrLst meth="repeat">
+      <a:schemeClr val="lt1"/>
+    </dgm:txFillClrLst>
+    <dgm:txEffectClrLst/>
+  </dgm:styleLbl>
+  <dgm:styleLbl name="fgShp">
+    <dgm:fillClrLst meth="repeat">
+      <a:schemeClr val="accent1">
+        <a:tint val="60000"/>
+      </a:schemeClr>
+    </dgm:fillClrLst>
+    <dgm:linClrLst meth="repeat">
+      <a:schemeClr val="lt1"/>
+    </dgm:linClrLst>
+    <dgm:effectClrLst/>
+    <dgm:txLinClrLst/>
+    <dgm:txFillClrLst meth="repeat">
+      <a:schemeClr val="dk1"/>
+    </dgm:txFillClrLst>
+    <dgm:txEffectClrLst/>
+  </dgm:styleLbl>
+  <dgm:styleLbl name="revTx">
+    <dgm:fillClrLst meth="repeat">
+      <a:schemeClr val="lt1">
         <a:alpha val="0"/>
       </a:schemeClr>
     </dgm:fillClrLst>
@@ -1229,6 +1978,335 @@
   <dgm:extLst>
     <a:ext uri="http://schemas.microsoft.com/office/drawing/2008/diagram">
       <dsp:dataModelExt xmlns:dsp="http://schemas.microsoft.com/office/drawing/2008/diagram" relId="rId7" minVer="http://schemas.openxmlformats.org/drawingml/2006/diagram"/>
+    </a:ext>
+  </dgm:extLst>
+</dgm:dataModel>
+</file>
+
+<file path=ppt/diagrams/data2.xml><?xml version="1.0" encoding="utf-8"?>
+<dgm:dataModel xmlns:dgm="http://schemas.openxmlformats.org/drawingml/2006/diagram" xmlns:a="http://schemas.openxmlformats.org/drawingml/2006/main">
+  <dgm:ptLst>
+    <dgm:pt modelId="{CE40DB37-3123-4CD6-BE51-B0364C92C71B}" type="doc">
+      <dgm:prSet loTypeId="urn:microsoft.com/office/officeart/2018/2/layout/IconVerticalSolidList" loCatId="icon" qsTypeId="urn:microsoft.com/office/officeart/2005/8/quickstyle/simple1" qsCatId="simple" csTypeId="urn:microsoft.com/office/officeart/2005/8/colors/accent1_2" csCatId="accent1" phldr="1"/>
+      <dgm:spPr/>
+      <dgm:t>
+        <a:bodyPr/>
+        <a:lstStyle/>
+        <a:p>
+          <a:endParaRPr lang="en-US"/>
+        </a:p>
+      </dgm:t>
+    </dgm:pt>
+    <dgm:pt modelId="{5F94255D-EF16-4150-9410-3B78AED1F75E}">
+      <dgm:prSet/>
+      <dgm:spPr/>
+      <dgm:t>
+        <a:bodyPr/>
+        <a:lstStyle/>
+        <a:p>
+          <a:pPr>
+            <a:lnSpc>
+              <a:spcPct val="100000"/>
+            </a:lnSpc>
+          </a:pPr>
+          <a:r>
+            <a:rPr lang="en-US"/>
+            <a:t>We do not know the reasons for which the LLM is not providing the correct transformations.</a:t>
+          </a:r>
+        </a:p>
+      </dgm:t>
+    </dgm:pt>
+    <dgm:pt modelId="{91B6BB61-EF8B-491B-9360-5012672D29FB}" type="parTrans" cxnId="{9AF25B3E-F38D-4F6C-ABD2-F9B16C65DB6B}">
+      <dgm:prSet/>
+      <dgm:spPr/>
+      <dgm:t>
+        <a:bodyPr/>
+        <a:lstStyle/>
+        <a:p>
+          <a:endParaRPr lang="en-US"/>
+        </a:p>
+      </dgm:t>
+    </dgm:pt>
+    <dgm:pt modelId="{1AF7EB16-571C-44E6-9D68-D0F3EEDC1E13}" type="sibTrans" cxnId="{9AF25B3E-F38D-4F6C-ABD2-F9B16C65DB6B}">
+      <dgm:prSet/>
+      <dgm:spPr/>
+      <dgm:t>
+        <a:bodyPr/>
+        <a:lstStyle/>
+        <a:p>
+          <a:endParaRPr lang="en-US"/>
+        </a:p>
+      </dgm:t>
+    </dgm:pt>
+    <dgm:pt modelId="{B168B6DF-4C2B-4A44-8370-66C6542048E9}">
+      <dgm:prSet/>
+      <dgm:spPr/>
+      <dgm:t>
+        <a:bodyPr/>
+        <a:lstStyle/>
+        <a:p>
+          <a:pPr>
+            <a:lnSpc>
+              <a:spcPct val="100000"/>
+            </a:lnSpc>
+          </a:pPr>
+          <a:r>
+            <a:rPr lang="en-US"/>
+            <a:t>We can investigate this further and try to find the proper reason for these anomalies. </a:t>
+          </a:r>
+        </a:p>
+      </dgm:t>
+    </dgm:pt>
+    <dgm:pt modelId="{C1B683F3-93A0-473A-A13C-DF7D9BE3490D}" type="parTrans" cxnId="{A47F4451-A984-410E-B4B5-FC28F9FBC003}">
+      <dgm:prSet/>
+      <dgm:spPr/>
+      <dgm:t>
+        <a:bodyPr/>
+        <a:lstStyle/>
+        <a:p>
+          <a:endParaRPr lang="en-US"/>
+        </a:p>
+      </dgm:t>
+    </dgm:pt>
+    <dgm:pt modelId="{702061D5-971C-42F2-980C-CD379A9702F5}" type="sibTrans" cxnId="{A47F4451-A984-410E-B4B5-FC28F9FBC003}">
+      <dgm:prSet/>
+      <dgm:spPr/>
+      <dgm:t>
+        <a:bodyPr/>
+        <a:lstStyle/>
+        <a:p>
+          <a:endParaRPr lang="en-US"/>
+        </a:p>
+      </dgm:t>
+    </dgm:pt>
+    <dgm:pt modelId="{6BF13466-11DC-4832-8FBC-1E6A99B82CBD}">
+      <dgm:prSet/>
+      <dgm:spPr/>
+      <dgm:t>
+        <a:bodyPr/>
+        <a:lstStyle/>
+        <a:p>
+          <a:pPr>
+            <a:lnSpc>
+              <a:spcPct val="100000"/>
+            </a:lnSpc>
+          </a:pPr>
+          <a:r>
+            <a:rPr lang="en-US"/>
+            <a:t>Once we figure out the reason, we can then attempt to fix those, either by prompt engineering, or other means.</a:t>
+          </a:r>
+        </a:p>
+      </dgm:t>
+    </dgm:pt>
+    <dgm:pt modelId="{17CF82A0-D432-434D-8D76-9F19B1826CA1}" type="parTrans" cxnId="{5531F8A8-AF71-4852-9DC9-87B2D5BC9793}">
+      <dgm:prSet/>
+      <dgm:spPr/>
+      <dgm:t>
+        <a:bodyPr/>
+        <a:lstStyle/>
+        <a:p>
+          <a:endParaRPr lang="en-US"/>
+        </a:p>
+      </dgm:t>
+    </dgm:pt>
+    <dgm:pt modelId="{8A20A8C5-FC21-4F9C-B24B-6D502BC2D6C4}" type="sibTrans" cxnId="{5531F8A8-AF71-4852-9DC9-87B2D5BC9793}">
+      <dgm:prSet/>
+      <dgm:spPr/>
+      <dgm:t>
+        <a:bodyPr/>
+        <a:lstStyle/>
+        <a:p>
+          <a:endParaRPr lang="en-US"/>
+        </a:p>
+      </dgm:t>
+    </dgm:pt>
+    <dgm:pt modelId="{641CF73E-B78F-447D-B035-3EAE94EFE91D}" type="pres">
+      <dgm:prSet presAssocID="{CE40DB37-3123-4CD6-BE51-B0364C92C71B}" presName="root" presStyleCnt="0">
+        <dgm:presLayoutVars>
+          <dgm:dir/>
+          <dgm:resizeHandles val="exact"/>
+        </dgm:presLayoutVars>
+      </dgm:prSet>
+      <dgm:spPr/>
+    </dgm:pt>
+    <dgm:pt modelId="{61B548CA-AE62-494D-804E-1EB59FD4CD3B}" type="pres">
+      <dgm:prSet presAssocID="{5F94255D-EF16-4150-9410-3B78AED1F75E}" presName="compNode" presStyleCnt="0"/>
+      <dgm:spPr/>
+    </dgm:pt>
+    <dgm:pt modelId="{AB197F07-9EC6-49C3-8F57-DFC8C557D0CA}" type="pres">
+      <dgm:prSet presAssocID="{5F94255D-EF16-4150-9410-3B78AED1F75E}" presName="bgRect" presStyleLbl="bgShp" presStyleIdx="0" presStyleCnt="3"/>
+      <dgm:spPr/>
+    </dgm:pt>
+    <dgm:pt modelId="{F156B02E-3E7A-4CF4-8B0A-FED215185D5C}" type="pres">
+      <dgm:prSet presAssocID="{5F94255D-EF16-4150-9410-3B78AED1F75E}" presName="iconRect" presStyleLbl="node1" presStyleIdx="0" presStyleCnt="3"/>
+      <dgm:spPr>
+        <a:blipFill>
+          <a:blip xmlns:r="http://schemas.openxmlformats.org/officeDocument/2006/relationships" r:embed="rId1">
+            <a:extLst>
+              <a:ext uri="{28A0092B-C50C-407E-A947-70E740481C1C}">
+                <a14:useLocalDpi xmlns:a14="http://schemas.microsoft.com/office/drawing/2010/main" val="0"/>
+              </a:ext>
+              <a:ext uri="{96DAC541-7B7A-43D3-8B79-37D633B846F1}">
+                <asvg:svgBlip xmlns:asvg="http://schemas.microsoft.com/office/drawing/2016/SVG/main" r:embed="rId2"/>
+              </a:ext>
+            </a:extLst>
+          </a:blip>
+          <a:stretch>
+            <a:fillRect/>
+          </a:stretch>
+        </a:blipFill>
+      </dgm:spPr>
+      <dgm:extLst>
+        <a:ext uri="{E40237B7-FDA0-4F09-8148-C483321AD2D9}">
+          <dgm14:cNvPr xmlns:dgm14="http://schemas.microsoft.com/office/drawing/2010/diagram" id="0" name="" descr="Drawing Compass"/>
+        </a:ext>
+      </dgm:extLst>
+    </dgm:pt>
+    <dgm:pt modelId="{6DC7EC26-F6C5-4593-B4B7-7EBE681E15FC}" type="pres">
+      <dgm:prSet presAssocID="{5F94255D-EF16-4150-9410-3B78AED1F75E}" presName="spaceRect" presStyleCnt="0"/>
+      <dgm:spPr/>
+    </dgm:pt>
+    <dgm:pt modelId="{FDAB0C1A-10F8-460C-9FBF-AC34F8729F88}" type="pres">
+      <dgm:prSet presAssocID="{5F94255D-EF16-4150-9410-3B78AED1F75E}" presName="parTx" presStyleLbl="revTx" presStyleIdx="0" presStyleCnt="3">
+        <dgm:presLayoutVars>
+          <dgm:chMax val="0"/>
+          <dgm:chPref val="0"/>
+        </dgm:presLayoutVars>
+      </dgm:prSet>
+      <dgm:spPr/>
+    </dgm:pt>
+    <dgm:pt modelId="{3B6538E4-50D9-419D-9217-79512A8120CA}" type="pres">
+      <dgm:prSet presAssocID="{1AF7EB16-571C-44E6-9D68-D0F3EEDC1E13}" presName="sibTrans" presStyleCnt="0"/>
+      <dgm:spPr/>
+    </dgm:pt>
+    <dgm:pt modelId="{74EAF7BD-7320-4FA0-B3B9-9369DEFF17AD}" type="pres">
+      <dgm:prSet presAssocID="{B168B6DF-4C2B-4A44-8370-66C6542048E9}" presName="compNode" presStyleCnt="0"/>
+      <dgm:spPr/>
+    </dgm:pt>
+    <dgm:pt modelId="{C10BED90-5E21-4ED3-AA72-A5579E8EC088}" type="pres">
+      <dgm:prSet presAssocID="{B168B6DF-4C2B-4A44-8370-66C6542048E9}" presName="bgRect" presStyleLbl="bgShp" presStyleIdx="1" presStyleCnt="3"/>
+      <dgm:spPr/>
+    </dgm:pt>
+    <dgm:pt modelId="{A7E8C2F4-0C03-4F81-9B69-2C28C0498B94}" type="pres">
+      <dgm:prSet presAssocID="{B168B6DF-4C2B-4A44-8370-66C6542048E9}" presName="iconRect" presStyleLbl="node1" presStyleIdx="1" presStyleCnt="3"/>
+      <dgm:spPr>
+        <a:blipFill>
+          <a:blip xmlns:r="http://schemas.openxmlformats.org/officeDocument/2006/relationships" r:embed="rId3">
+            <a:extLst>
+              <a:ext uri="{28A0092B-C50C-407E-A947-70E740481C1C}">
+                <a14:useLocalDpi xmlns:a14="http://schemas.microsoft.com/office/drawing/2010/main" val="0"/>
+              </a:ext>
+              <a:ext uri="{96DAC541-7B7A-43D3-8B79-37D633B846F1}">
+                <asvg:svgBlip xmlns:asvg="http://schemas.microsoft.com/office/drawing/2016/SVG/main" r:embed="rId4"/>
+              </a:ext>
+            </a:extLst>
+          </a:blip>
+          <a:stretch>
+            <a:fillRect/>
+          </a:stretch>
+        </a:blipFill>
+      </dgm:spPr>
+      <dgm:extLst>
+        <a:ext uri="{E40237B7-FDA0-4F09-8148-C483321AD2D9}">
+          <dgm14:cNvPr xmlns:dgm14="http://schemas.microsoft.com/office/drawing/2010/diagram" id="0" name="" descr="Microscope"/>
+        </a:ext>
+      </dgm:extLst>
+    </dgm:pt>
+    <dgm:pt modelId="{6CD824C0-06DC-41DC-9176-A3A90D5A81A1}" type="pres">
+      <dgm:prSet presAssocID="{B168B6DF-4C2B-4A44-8370-66C6542048E9}" presName="spaceRect" presStyleCnt="0"/>
+      <dgm:spPr/>
+    </dgm:pt>
+    <dgm:pt modelId="{D49B1670-6B3F-490D-9CAF-8040FBCA2770}" type="pres">
+      <dgm:prSet presAssocID="{B168B6DF-4C2B-4A44-8370-66C6542048E9}" presName="parTx" presStyleLbl="revTx" presStyleIdx="1" presStyleCnt="3">
+        <dgm:presLayoutVars>
+          <dgm:chMax val="0"/>
+          <dgm:chPref val="0"/>
+        </dgm:presLayoutVars>
+      </dgm:prSet>
+      <dgm:spPr/>
+    </dgm:pt>
+    <dgm:pt modelId="{6582F741-5C1C-4504-9F15-F6712E4F1FCC}" type="pres">
+      <dgm:prSet presAssocID="{702061D5-971C-42F2-980C-CD379A9702F5}" presName="sibTrans" presStyleCnt="0"/>
+      <dgm:spPr/>
+    </dgm:pt>
+    <dgm:pt modelId="{E313ACE9-1A9B-402C-98CC-9AA85438CFF1}" type="pres">
+      <dgm:prSet presAssocID="{6BF13466-11DC-4832-8FBC-1E6A99B82CBD}" presName="compNode" presStyleCnt="0"/>
+      <dgm:spPr/>
+    </dgm:pt>
+    <dgm:pt modelId="{CC914B6C-D6D4-4ACD-B5C4-49088D464385}" type="pres">
+      <dgm:prSet presAssocID="{6BF13466-11DC-4832-8FBC-1E6A99B82CBD}" presName="bgRect" presStyleLbl="bgShp" presStyleIdx="2" presStyleCnt="3"/>
+      <dgm:spPr/>
+    </dgm:pt>
+    <dgm:pt modelId="{DC7689DF-2C12-435C-8AD4-083CA3984880}" type="pres">
+      <dgm:prSet presAssocID="{6BF13466-11DC-4832-8FBC-1E6A99B82CBD}" presName="iconRect" presStyleLbl="node1" presStyleIdx="2" presStyleCnt="3"/>
+      <dgm:spPr>
+        <a:blipFill>
+          <a:blip xmlns:r="http://schemas.openxmlformats.org/officeDocument/2006/relationships" r:embed="rId5">
+            <a:extLst>
+              <a:ext uri="{28A0092B-C50C-407E-A947-70E740481C1C}">
+                <a14:useLocalDpi xmlns:a14="http://schemas.microsoft.com/office/drawing/2010/main" val="0"/>
+              </a:ext>
+              <a:ext uri="{96DAC541-7B7A-43D3-8B79-37D633B846F1}">
+                <asvg:svgBlip xmlns:asvg="http://schemas.microsoft.com/office/drawing/2016/SVG/main" r:embed="rId6"/>
+              </a:ext>
+            </a:extLst>
+          </a:blip>
+          <a:stretch>
+            <a:fillRect/>
+          </a:stretch>
+        </a:blipFill>
+      </dgm:spPr>
+      <dgm:extLst>
+        <a:ext uri="{E40237B7-FDA0-4F09-8148-C483321AD2D9}">
+          <dgm14:cNvPr xmlns:dgm14="http://schemas.microsoft.com/office/drawing/2010/diagram" id="0" name="" descr="Bulldozer"/>
+        </a:ext>
+      </dgm:extLst>
+    </dgm:pt>
+    <dgm:pt modelId="{8022CC60-0E2D-48F2-80A4-CB5FC0A33C22}" type="pres">
+      <dgm:prSet presAssocID="{6BF13466-11DC-4832-8FBC-1E6A99B82CBD}" presName="spaceRect" presStyleCnt="0"/>
+      <dgm:spPr/>
+    </dgm:pt>
+    <dgm:pt modelId="{A966F53A-AB05-47B6-B5D1-DA105D2473F2}" type="pres">
+      <dgm:prSet presAssocID="{6BF13466-11DC-4832-8FBC-1E6A99B82CBD}" presName="parTx" presStyleLbl="revTx" presStyleIdx="2" presStyleCnt="3">
+        <dgm:presLayoutVars>
+          <dgm:chMax val="0"/>
+          <dgm:chPref val="0"/>
+        </dgm:presLayoutVars>
+      </dgm:prSet>
+      <dgm:spPr/>
+    </dgm:pt>
+  </dgm:ptLst>
+  <dgm:cxnLst>
+    <dgm:cxn modelId="{9AF25B3E-F38D-4F6C-ABD2-F9B16C65DB6B}" srcId="{CE40DB37-3123-4CD6-BE51-B0364C92C71B}" destId="{5F94255D-EF16-4150-9410-3B78AED1F75E}" srcOrd="0" destOrd="0" parTransId="{91B6BB61-EF8B-491B-9360-5012672D29FB}" sibTransId="{1AF7EB16-571C-44E6-9D68-D0F3EEDC1E13}"/>
+    <dgm:cxn modelId="{A47F4451-A984-410E-B4B5-FC28F9FBC003}" srcId="{CE40DB37-3123-4CD6-BE51-B0364C92C71B}" destId="{B168B6DF-4C2B-4A44-8370-66C6542048E9}" srcOrd="1" destOrd="0" parTransId="{C1B683F3-93A0-473A-A13C-DF7D9BE3490D}" sibTransId="{702061D5-971C-42F2-980C-CD379A9702F5}"/>
+    <dgm:cxn modelId="{4156F574-DE50-482A-9571-9F1A394AEDD1}" type="presOf" srcId="{5F94255D-EF16-4150-9410-3B78AED1F75E}" destId="{FDAB0C1A-10F8-460C-9FBF-AC34F8729F88}" srcOrd="0" destOrd="0" presId="urn:microsoft.com/office/officeart/2018/2/layout/IconVerticalSolidList"/>
+    <dgm:cxn modelId="{F25DFDA7-75C6-4D81-8A86-14C903AE5B48}" type="presOf" srcId="{B168B6DF-4C2B-4A44-8370-66C6542048E9}" destId="{D49B1670-6B3F-490D-9CAF-8040FBCA2770}" srcOrd="0" destOrd="0" presId="urn:microsoft.com/office/officeart/2018/2/layout/IconVerticalSolidList"/>
+    <dgm:cxn modelId="{5531F8A8-AF71-4852-9DC9-87B2D5BC9793}" srcId="{CE40DB37-3123-4CD6-BE51-B0364C92C71B}" destId="{6BF13466-11DC-4832-8FBC-1E6A99B82CBD}" srcOrd="2" destOrd="0" parTransId="{17CF82A0-D432-434D-8D76-9F19B1826CA1}" sibTransId="{8A20A8C5-FC21-4F9C-B24B-6D502BC2D6C4}"/>
+    <dgm:cxn modelId="{8FB859D9-3F9B-48BB-95A4-572A243F8D96}" type="presOf" srcId="{CE40DB37-3123-4CD6-BE51-B0364C92C71B}" destId="{641CF73E-B78F-447D-B035-3EAE94EFE91D}" srcOrd="0" destOrd="0" presId="urn:microsoft.com/office/officeart/2018/2/layout/IconVerticalSolidList"/>
+    <dgm:cxn modelId="{B6973FE5-7DC9-4741-B021-573311454231}" type="presOf" srcId="{6BF13466-11DC-4832-8FBC-1E6A99B82CBD}" destId="{A966F53A-AB05-47B6-B5D1-DA105D2473F2}" srcOrd="0" destOrd="0" presId="urn:microsoft.com/office/officeart/2018/2/layout/IconVerticalSolidList"/>
+    <dgm:cxn modelId="{57C93989-B0A8-4609-9750-4B5C82ED12D7}" type="presParOf" srcId="{641CF73E-B78F-447D-B035-3EAE94EFE91D}" destId="{61B548CA-AE62-494D-804E-1EB59FD4CD3B}" srcOrd="0" destOrd="0" presId="urn:microsoft.com/office/officeart/2018/2/layout/IconVerticalSolidList"/>
+    <dgm:cxn modelId="{7F778C07-F047-41DA-9C64-DD82D03D5607}" type="presParOf" srcId="{61B548CA-AE62-494D-804E-1EB59FD4CD3B}" destId="{AB197F07-9EC6-49C3-8F57-DFC8C557D0CA}" srcOrd="0" destOrd="0" presId="urn:microsoft.com/office/officeart/2018/2/layout/IconVerticalSolidList"/>
+    <dgm:cxn modelId="{DAF133EA-A9B9-41B6-BA2B-97E411A83C24}" type="presParOf" srcId="{61B548CA-AE62-494D-804E-1EB59FD4CD3B}" destId="{F156B02E-3E7A-4CF4-8B0A-FED215185D5C}" srcOrd="1" destOrd="0" presId="urn:microsoft.com/office/officeart/2018/2/layout/IconVerticalSolidList"/>
+    <dgm:cxn modelId="{A4C49848-81FA-4ACD-899D-67393221EDBE}" type="presParOf" srcId="{61B548CA-AE62-494D-804E-1EB59FD4CD3B}" destId="{6DC7EC26-F6C5-4593-B4B7-7EBE681E15FC}" srcOrd="2" destOrd="0" presId="urn:microsoft.com/office/officeart/2018/2/layout/IconVerticalSolidList"/>
+    <dgm:cxn modelId="{38369F6D-B1E8-465B-AB0E-8C3F9EDE76C3}" type="presParOf" srcId="{61B548CA-AE62-494D-804E-1EB59FD4CD3B}" destId="{FDAB0C1A-10F8-460C-9FBF-AC34F8729F88}" srcOrd="3" destOrd="0" presId="urn:microsoft.com/office/officeart/2018/2/layout/IconVerticalSolidList"/>
+    <dgm:cxn modelId="{E539C73E-5D57-47CC-821D-34D819AE2F7C}" type="presParOf" srcId="{641CF73E-B78F-447D-B035-3EAE94EFE91D}" destId="{3B6538E4-50D9-419D-9217-79512A8120CA}" srcOrd="1" destOrd="0" presId="urn:microsoft.com/office/officeart/2018/2/layout/IconVerticalSolidList"/>
+    <dgm:cxn modelId="{764382D1-D9CE-4623-8EE5-37EEF8826318}" type="presParOf" srcId="{641CF73E-B78F-447D-B035-3EAE94EFE91D}" destId="{74EAF7BD-7320-4FA0-B3B9-9369DEFF17AD}" srcOrd="2" destOrd="0" presId="urn:microsoft.com/office/officeart/2018/2/layout/IconVerticalSolidList"/>
+    <dgm:cxn modelId="{63354A29-F0FF-4B6C-8C39-0DC8EF221A21}" type="presParOf" srcId="{74EAF7BD-7320-4FA0-B3B9-9369DEFF17AD}" destId="{C10BED90-5E21-4ED3-AA72-A5579E8EC088}" srcOrd="0" destOrd="0" presId="urn:microsoft.com/office/officeart/2018/2/layout/IconVerticalSolidList"/>
+    <dgm:cxn modelId="{7A2D99AB-ABDE-478D-9238-E21B28421A4B}" type="presParOf" srcId="{74EAF7BD-7320-4FA0-B3B9-9369DEFF17AD}" destId="{A7E8C2F4-0C03-4F81-9B69-2C28C0498B94}" srcOrd="1" destOrd="0" presId="urn:microsoft.com/office/officeart/2018/2/layout/IconVerticalSolidList"/>
+    <dgm:cxn modelId="{5E3D13EF-52D5-4E1F-ACBF-D15E365A1D79}" type="presParOf" srcId="{74EAF7BD-7320-4FA0-B3B9-9369DEFF17AD}" destId="{6CD824C0-06DC-41DC-9176-A3A90D5A81A1}" srcOrd="2" destOrd="0" presId="urn:microsoft.com/office/officeart/2018/2/layout/IconVerticalSolidList"/>
+    <dgm:cxn modelId="{6425A45D-717F-473F-AEA6-5B3561D05BCD}" type="presParOf" srcId="{74EAF7BD-7320-4FA0-B3B9-9369DEFF17AD}" destId="{D49B1670-6B3F-490D-9CAF-8040FBCA2770}" srcOrd="3" destOrd="0" presId="urn:microsoft.com/office/officeart/2018/2/layout/IconVerticalSolidList"/>
+    <dgm:cxn modelId="{2E189083-C39E-4E00-B38C-2350FDF70D30}" type="presParOf" srcId="{641CF73E-B78F-447D-B035-3EAE94EFE91D}" destId="{6582F741-5C1C-4504-9F15-F6712E4F1FCC}" srcOrd="3" destOrd="0" presId="urn:microsoft.com/office/officeart/2018/2/layout/IconVerticalSolidList"/>
+    <dgm:cxn modelId="{7847E897-AF17-4284-B781-F99A3E71299E}" type="presParOf" srcId="{641CF73E-B78F-447D-B035-3EAE94EFE91D}" destId="{E313ACE9-1A9B-402C-98CC-9AA85438CFF1}" srcOrd="4" destOrd="0" presId="urn:microsoft.com/office/officeart/2018/2/layout/IconVerticalSolidList"/>
+    <dgm:cxn modelId="{0E29C922-F951-402E-935D-E65A1DA1E72D}" type="presParOf" srcId="{E313ACE9-1A9B-402C-98CC-9AA85438CFF1}" destId="{CC914B6C-D6D4-4ACD-B5C4-49088D464385}" srcOrd="0" destOrd="0" presId="urn:microsoft.com/office/officeart/2018/2/layout/IconVerticalSolidList"/>
+    <dgm:cxn modelId="{922E8581-C5F3-450A-A0E9-F50D57C70552}" type="presParOf" srcId="{E313ACE9-1A9B-402C-98CC-9AA85438CFF1}" destId="{DC7689DF-2C12-435C-8AD4-083CA3984880}" srcOrd="1" destOrd="0" presId="urn:microsoft.com/office/officeart/2018/2/layout/IconVerticalSolidList"/>
+    <dgm:cxn modelId="{EE5D4A7E-CC84-4F01-B595-F77C502F4722}" type="presParOf" srcId="{E313ACE9-1A9B-402C-98CC-9AA85438CFF1}" destId="{8022CC60-0E2D-48F2-80A4-CB5FC0A33C22}" srcOrd="2" destOrd="0" presId="urn:microsoft.com/office/officeart/2018/2/layout/IconVerticalSolidList"/>
+    <dgm:cxn modelId="{DE91913A-06DA-4CF8-BFD2-45A6440A0AF7}" type="presParOf" srcId="{E313ACE9-1A9B-402C-98CC-9AA85438CFF1}" destId="{A966F53A-AB05-47B6-B5D1-DA105D2473F2}" srcOrd="3" destOrd="0" presId="urn:microsoft.com/office/officeart/2018/2/layout/IconVerticalSolidList"/>
+  </dgm:cxnLst>
+  <dgm:bg/>
+  <dgm:whole/>
+  <dgm:extLst>
+    <a:ext uri="http://schemas.microsoft.com/office/drawing/2008/diagram">
+      <dsp:dataModelExt xmlns:dsp="http://schemas.microsoft.com/office/drawing/2008/diagram" relId="rId6" minVer="http://schemas.openxmlformats.org/drawingml/2006/diagram"/>
     </a:ext>
   </dgm:extLst>
 </dgm:dataModel>
@@ -1576,6 +2654,495 @@
 </dsp:drawing>
 </file>
 
+<file path=ppt/diagrams/drawing2.xml><?xml version="1.0" encoding="utf-8"?>
+<dsp:drawing xmlns:dgm="http://schemas.openxmlformats.org/drawingml/2006/diagram" xmlns:dsp="http://schemas.microsoft.com/office/drawing/2008/diagram" xmlns:a="http://schemas.openxmlformats.org/drawingml/2006/main">
+  <dsp:spTree>
+    <dsp:nvGrpSpPr>
+      <dsp:cNvPr id="0" name=""/>
+      <dsp:cNvGrpSpPr/>
+    </dsp:nvGrpSpPr>
+    <dsp:grpSpPr/>
+    <dsp:sp modelId="{AB197F07-9EC6-49C3-8F57-DFC8C557D0CA}">
+      <dsp:nvSpPr>
+        <dsp:cNvPr id="0" name=""/>
+        <dsp:cNvSpPr/>
+      </dsp:nvSpPr>
+      <dsp:spPr>
+        <a:xfrm>
+          <a:off x="0" y="553"/>
+          <a:ext cx="5212080" cy="1295288"/>
+        </a:xfrm>
+        <a:prstGeom prst="roundRect">
+          <a:avLst>
+            <a:gd name="adj" fmla="val 10000"/>
+          </a:avLst>
+        </a:prstGeom>
+        <a:solidFill>
+          <a:schemeClr val="accent1">
+            <a:tint val="40000"/>
+            <a:hueOff val="0"/>
+            <a:satOff val="0"/>
+            <a:lumOff val="0"/>
+            <a:alphaOff val="0"/>
+          </a:schemeClr>
+        </a:solidFill>
+        <a:ln>
+          <a:noFill/>
+        </a:ln>
+        <a:effectLst/>
+      </dsp:spPr>
+      <dsp:style>
+        <a:lnRef idx="0">
+          <a:scrgbClr r="0" g="0" b="0"/>
+        </a:lnRef>
+        <a:fillRef idx="1">
+          <a:scrgbClr r="0" g="0" b="0"/>
+        </a:fillRef>
+        <a:effectRef idx="0">
+          <a:scrgbClr r="0" g="0" b="0"/>
+        </a:effectRef>
+        <a:fontRef idx="minor"/>
+      </dsp:style>
+    </dsp:sp>
+    <dsp:sp modelId="{F156B02E-3E7A-4CF4-8B0A-FED215185D5C}">
+      <dsp:nvSpPr>
+        <dsp:cNvPr id="0" name=""/>
+        <dsp:cNvSpPr/>
+      </dsp:nvSpPr>
+      <dsp:spPr>
+        <a:xfrm>
+          <a:off x="391824" y="291993"/>
+          <a:ext cx="712408" cy="712408"/>
+        </a:xfrm>
+        <a:prstGeom prst="rect">
+          <a:avLst/>
+        </a:prstGeom>
+        <a:blipFill>
+          <a:blip xmlns:r="http://schemas.openxmlformats.org/officeDocument/2006/relationships" r:embed="rId1">
+            <a:extLst>
+              <a:ext uri="{28A0092B-C50C-407E-A947-70E740481C1C}">
+                <a14:useLocalDpi xmlns:a14="http://schemas.microsoft.com/office/drawing/2010/main" val="0"/>
+              </a:ext>
+              <a:ext uri="{96DAC541-7B7A-43D3-8B79-37D633B846F1}">
+                <asvg:svgBlip xmlns:asvg="http://schemas.microsoft.com/office/drawing/2016/SVG/main" r:embed="rId2"/>
+              </a:ext>
+            </a:extLst>
+          </a:blip>
+          <a:stretch>
+            <a:fillRect/>
+          </a:stretch>
+        </a:blipFill>
+        <a:ln w="12700" cap="flat" cmpd="sng" algn="ctr">
+          <a:solidFill>
+            <a:schemeClr val="lt1">
+              <a:hueOff val="0"/>
+              <a:satOff val="0"/>
+              <a:lumOff val="0"/>
+              <a:alphaOff val="0"/>
+            </a:schemeClr>
+          </a:solidFill>
+          <a:prstDash val="solid"/>
+          <a:miter lim="800000"/>
+        </a:ln>
+        <a:effectLst/>
+      </dsp:spPr>
+      <dsp:style>
+        <a:lnRef idx="2">
+          <a:scrgbClr r="0" g="0" b="0"/>
+        </a:lnRef>
+        <a:fillRef idx="1">
+          <a:scrgbClr r="0" g="0" b="0"/>
+        </a:fillRef>
+        <a:effectRef idx="0">
+          <a:scrgbClr r="0" g="0" b="0"/>
+        </a:effectRef>
+        <a:fontRef idx="minor">
+          <a:schemeClr val="lt1"/>
+        </a:fontRef>
+      </dsp:style>
+    </dsp:sp>
+    <dsp:sp modelId="{FDAB0C1A-10F8-460C-9FBF-AC34F8729F88}">
+      <dsp:nvSpPr>
+        <dsp:cNvPr id="0" name=""/>
+        <dsp:cNvSpPr/>
+      </dsp:nvSpPr>
+      <dsp:spPr>
+        <a:xfrm>
+          <a:off x="1496057" y="553"/>
+          <a:ext cx="3716022" cy="1295288"/>
+        </a:xfrm>
+        <a:prstGeom prst="rect">
+          <a:avLst/>
+        </a:prstGeom>
+        <a:noFill/>
+        <a:ln>
+          <a:noFill/>
+        </a:ln>
+        <a:effectLst/>
+      </dsp:spPr>
+      <dsp:style>
+        <a:lnRef idx="0">
+          <a:scrgbClr r="0" g="0" b="0"/>
+        </a:lnRef>
+        <a:fillRef idx="0">
+          <a:scrgbClr r="0" g="0" b="0"/>
+        </a:fillRef>
+        <a:effectRef idx="0">
+          <a:scrgbClr r="0" g="0" b="0"/>
+        </a:effectRef>
+        <a:fontRef idx="minor"/>
+      </dsp:style>
+      <dsp:txBody>
+        <a:bodyPr spcFirstLastPara="0" vert="horz" wrap="square" lIns="137085" tIns="137085" rIns="137085" bIns="137085" numCol="1" spcCol="1270" anchor="ctr" anchorCtr="0">
+          <a:noAutofit/>
+        </a:bodyPr>
+        <a:lstStyle/>
+        <a:p>
+          <a:pPr marL="0" lvl="0" indent="0" algn="l" defTabSz="711200">
+            <a:lnSpc>
+              <a:spcPct val="100000"/>
+            </a:lnSpc>
+            <a:spcBef>
+              <a:spcPct val="0"/>
+            </a:spcBef>
+            <a:spcAft>
+              <a:spcPct val="35000"/>
+            </a:spcAft>
+            <a:buNone/>
+          </a:pPr>
+          <a:r>
+            <a:rPr lang="en-US" sz="1600" kern="1200"/>
+            <a:t>We do not know the reasons for which the LLM is not providing the correct transformations.</a:t>
+          </a:r>
+        </a:p>
+      </dsp:txBody>
+      <dsp:txXfrm>
+        <a:off x="1496057" y="553"/>
+        <a:ext cx="3716022" cy="1295288"/>
+      </dsp:txXfrm>
+    </dsp:sp>
+    <dsp:sp modelId="{C10BED90-5E21-4ED3-AA72-A5579E8EC088}">
+      <dsp:nvSpPr>
+        <dsp:cNvPr id="0" name=""/>
+        <dsp:cNvSpPr/>
+      </dsp:nvSpPr>
+      <dsp:spPr>
+        <a:xfrm>
+          <a:off x="0" y="1619663"/>
+          <a:ext cx="5212080" cy="1295288"/>
+        </a:xfrm>
+        <a:prstGeom prst="roundRect">
+          <a:avLst>
+            <a:gd name="adj" fmla="val 10000"/>
+          </a:avLst>
+        </a:prstGeom>
+        <a:solidFill>
+          <a:schemeClr val="accent1">
+            <a:tint val="40000"/>
+            <a:hueOff val="0"/>
+            <a:satOff val="0"/>
+            <a:lumOff val="0"/>
+            <a:alphaOff val="0"/>
+          </a:schemeClr>
+        </a:solidFill>
+        <a:ln>
+          <a:noFill/>
+        </a:ln>
+        <a:effectLst/>
+      </dsp:spPr>
+      <dsp:style>
+        <a:lnRef idx="0">
+          <a:scrgbClr r="0" g="0" b="0"/>
+        </a:lnRef>
+        <a:fillRef idx="1">
+          <a:scrgbClr r="0" g="0" b="0"/>
+        </a:fillRef>
+        <a:effectRef idx="0">
+          <a:scrgbClr r="0" g="0" b="0"/>
+        </a:effectRef>
+        <a:fontRef idx="minor"/>
+      </dsp:style>
+    </dsp:sp>
+    <dsp:sp modelId="{A7E8C2F4-0C03-4F81-9B69-2C28C0498B94}">
+      <dsp:nvSpPr>
+        <dsp:cNvPr id="0" name=""/>
+        <dsp:cNvSpPr/>
+      </dsp:nvSpPr>
+      <dsp:spPr>
+        <a:xfrm>
+          <a:off x="391824" y="1911103"/>
+          <a:ext cx="712408" cy="712408"/>
+        </a:xfrm>
+        <a:prstGeom prst="rect">
+          <a:avLst/>
+        </a:prstGeom>
+        <a:blipFill>
+          <a:blip xmlns:r="http://schemas.openxmlformats.org/officeDocument/2006/relationships" r:embed="rId3">
+            <a:extLst>
+              <a:ext uri="{28A0092B-C50C-407E-A947-70E740481C1C}">
+                <a14:useLocalDpi xmlns:a14="http://schemas.microsoft.com/office/drawing/2010/main" val="0"/>
+              </a:ext>
+              <a:ext uri="{96DAC541-7B7A-43D3-8B79-37D633B846F1}">
+                <asvg:svgBlip xmlns:asvg="http://schemas.microsoft.com/office/drawing/2016/SVG/main" r:embed="rId4"/>
+              </a:ext>
+            </a:extLst>
+          </a:blip>
+          <a:stretch>
+            <a:fillRect/>
+          </a:stretch>
+        </a:blipFill>
+        <a:ln w="12700" cap="flat" cmpd="sng" algn="ctr">
+          <a:solidFill>
+            <a:schemeClr val="lt1">
+              <a:hueOff val="0"/>
+              <a:satOff val="0"/>
+              <a:lumOff val="0"/>
+              <a:alphaOff val="0"/>
+            </a:schemeClr>
+          </a:solidFill>
+          <a:prstDash val="solid"/>
+          <a:miter lim="800000"/>
+        </a:ln>
+        <a:effectLst/>
+      </dsp:spPr>
+      <dsp:style>
+        <a:lnRef idx="2">
+          <a:scrgbClr r="0" g="0" b="0"/>
+        </a:lnRef>
+        <a:fillRef idx="1">
+          <a:scrgbClr r="0" g="0" b="0"/>
+        </a:fillRef>
+        <a:effectRef idx="0">
+          <a:scrgbClr r="0" g="0" b="0"/>
+        </a:effectRef>
+        <a:fontRef idx="minor">
+          <a:schemeClr val="lt1"/>
+        </a:fontRef>
+      </dsp:style>
+    </dsp:sp>
+    <dsp:sp modelId="{D49B1670-6B3F-490D-9CAF-8040FBCA2770}">
+      <dsp:nvSpPr>
+        <dsp:cNvPr id="0" name=""/>
+        <dsp:cNvSpPr/>
+      </dsp:nvSpPr>
+      <dsp:spPr>
+        <a:xfrm>
+          <a:off x="1496057" y="1619663"/>
+          <a:ext cx="3716022" cy="1295288"/>
+        </a:xfrm>
+        <a:prstGeom prst="rect">
+          <a:avLst/>
+        </a:prstGeom>
+        <a:noFill/>
+        <a:ln>
+          <a:noFill/>
+        </a:ln>
+        <a:effectLst/>
+      </dsp:spPr>
+      <dsp:style>
+        <a:lnRef idx="0">
+          <a:scrgbClr r="0" g="0" b="0"/>
+        </a:lnRef>
+        <a:fillRef idx="0">
+          <a:scrgbClr r="0" g="0" b="0"/>
+        </a:fillRef>
+        <a:effectRef idx="0">
+          <a:scrgbClr r="0" g="0" b="0"/>
+        </a:effectRef>
+        <a:fontRef idx="minor"/>
+      </dsp:style>
+      <dsp:txBody>
+        <a:bodyPr spcFirstLastPara="0" vert="horz" wrap="square" lIns="137085" tIns="137085" rIns="137085" bIns="137085" numCol="1" spcCol="1270" anchor="ctr" anchorCtr="0">
+          <a:noAutofit/>
+        </a:bodyPr>
+        <a:lstStyle/>
+        <a:p>
+          <a:pPr marL="0" lvl="0" indent="0" algn="l" defTabSz="711200">
+            <a:lnSpc>
+              <a:spcPct val="100000"/>
+            </a:lnSpc>
+            <a:spcBef>
+              <a:spcPct val="0"/>
+            </a:spcBef>
+            <a:spcAft>
+              <a:spcPct val="35000"/>
+            </a:spcAft>
+            <a:buNone/>
+          </a:pPr>
+          <a:r>
+            <a:rPr lang="en-US" sz="1600" kern="1200"/>
+            <a:t>We can investigate this further and try to find the proper reason for these anomalies. </a:t>
+          </a:r>
+        </a:p>
+      </dsp:txBody>
+      <dsp:txXfrm>
+        <a:off x="1496057" y="1619663"/>
+        <a:ext cx="3716022" cy="1295288"/>
+      </dsp:txXfrm>
+    </dsp:sp>
+    <dsp:sp modelId="{CC914B6C-D6D4-4ACD-B5C4-49088D464385}">
+      <dsp:nvSpPr>
+        <dsp:cNvPr id="0" name=""/>
+        <dsp:cNvSpPr/>
+      </dsp:nvSpPr>
+      <dsp:spPr>
+        <a:xfrm>
+          <a:off x="0" y="3238774"/>
+          <a:ext cx="5212080" cy="1295288"/>
+        </a:xfrm>
+        <a:prstGeom prst="roundRect">
+          <a:avLst>
+            <a:gd name="adj" fmla="val 10000"/>
+          </a:avLst>
+        </a:prstGeom>
+        <a:solidFill>
+          <a:schemeClr val="accent1">
+            <a:tint val="40000"/>
+            <a:hueOff val="0"/>
+            <a:satOff val="0"/>
+            <a:lumOff val="0"/>
+            <a:alphaOff val="0"/>
+          </a:schemeClr>
+        </a:solidFill>
+        <a:ln>
+          <a:noFill/>
+        </a:ln>
+        <a:effectLst/>
+      </dsp:spPr>
+      <dsp:style>
+        <a:lnRef idx="0">
+          <a:scrgbClr r="0" g="0" b="0"/>
+        </a:lnRef>
+        <a:fillRef idx="1">
+          <a:scrgbClr r="0" g="0" b="0"/>
+        </a:fillRef>
+        <a:effectRef idx="0">
+          <a:scrgbClr r="0" g="0" b="0"/>
+        </a:effectRef>
+        <a:fontRef idx="minor"/>
+      </dsp:style>
+    </dsp:sp>
+    <dsp:sp modelId="{DC7689DF-2C12-435C-8AD4-083CA3984880}">
+      <dsp:nvSpPr>
+        <dsp:cNvPr id="0" name=""/>
+        <dsp:cNvSpPr/>
+      </dsp:nvSpPr>
+      <dsp:spPr>
+        <a:xfrm>
+          <a:off x="391824" y="3530214"/>
+          <a:ext cx="712408" cy="712408"/>
+        </a:xfrm>
+        <a:prstGeom prst="rect">
+          <a:avLst/>
+        </a:prstGeom>
+        <a:blipFill>
+          <a:blip xmlns:r="http://schemas.openxmlformats.org/officeDocument/2006/relationships" r:embed="rId5">
+            <a:extLst>
+              <a:ext uri="{28A0092B-C50C-407E-A947-70E740481C1C}">
+                <a14:useLocalDpi xmlns:a14="http://schemas.microsoft.com/office/drawing/2010/main" val="0"/>
+              </a:ext>
+              <a:ext uri="{96DAC541-7B7A-43D3-8B79-37D633B846F1}">
+                <asvg:svgBlip xmlns:asvg="http://schemas.microsoft.com/office/drawing/2016/SVG/main" r:embed="rId6"/>
+              </a:ext>
+            </a:extLst>
+          </a:blip>
+          <a:stretch>
+            <a:fillRect/>
+          </a:stretch>
+        </a:blipFill>
+        <a:ln w="12700" cap="flat" cmpd="sng" algn="ctr">
+          <a:solidFill>
+            <a:schemeClr val="lt1">
+              <a:hueOff val="0"/>
+              <a:satOff val="0"/>
+              <a:lumOff val="0"/>
+              <a:alphaOff val="0"/>
+            </a:schemeClr>
+          </a:solidFill>
+          <a:prstDash val="solid"/>
+          <a:miter lim="800000"/>
+        </a:ln>
+        <a:effectLst/>
+      </dsp:spPr>
+      <dsp:style>
+        <a:lnRef idx="2">
+          <a:scrgbClr r="0" g="0" b="0"/>
+        </a:lnRef>
+        <a:fillRef idx="1">
+          <a:scrgbClr r="0" g="0" b="0"/>
+        </a:fillRef>
+        <a:effectRef idx="0">
+          <a:scrgbClr r="0" g="0" b="0"/>
+        </a:effectRef>
+        <a:fontRef idx="minor">
+          <a:schemeClr val="lt1"/>
+        </a:fontRef>
+      </dsp:style>
+    </dsp:sp>
+    <dsp:sp modelId="{A966F53A-AB05-47B6-B5D1-DA105D2473F2}">
+      <dsp:nvSpPr>
+        <dsp:cNvPr id="0" name=""/>
+        <dsp:cNvSpPr/>
+      </dsp:nvSpPr>
+      <dsp:spPr>
+        <a:xfrm>
+          <a:off x="1496057" y="3238774"/>
+          <a:ext cx="3716022" cy="1295288"/>
+        </a:xfrm>
+        <a:prstGeom prst="rect">
+          <a:avLst/>
+        </a:prstGeom>
+        <a:noFill/>
+        <a:ln>
+          <a:noFill/>
+        </a:ln>
+        <a:effectLst/>
+      </dsp:spPr>
+      <dsp:style>
+        <a:lnRef idx="0">
+          <a:scrgbClr r="0" g="0" b="0"/>
+        </a:lnRef>
+        <a:fillRef idx="0">
+          <a:scrgbClr r="0" g="0" b="0"/>
+        </a:fillRef>
+        <a:effectRef idx="0">
+          <a:scrgbClr r="0" g="0" b="0"/>
+        </a:effectRef>
+        <a:fontRef idx="minor"/>
+      </dsp:style>
+      <dsp:txBody>
+        <a:bodyPr spcFirstLastPara="0" vert="horz" wrap="square" lIns="137085" tIns="137085" rIns="137085" bIns="137085" numCol="1" spcCol="1270" anchor="ctr" anchorCtr="0">
+          <a:noAutofit/>
+        </a:bodyPr>
+        <a:lstStyle/>
+        <a:p>
+          <a:pPr marL="0" lvl="0" indent="0" algn="l" defTabSz="711200">
+            <a:lnSpc>
+              <a:spcPct val="100000"/>
+            </a:lnSpc>
+            <a:spcBef>
+              <a:spcPct val="0"/>
+            </a:spcBef>
+            <a:spcAft>
+              <a:spcPct val="35000"/>
+            </a:spcAft>
+            <a:buNone/>
+          </a:pPr>
+          <a:r>
+            <a:rPr lang="en-US" sz="1600" kern="1200"/>
+            <a:t>Once we figure out the reason, we can then attempt to fix those, either by prompt engineering, or other means.</a:t>
+          </a:r>
+        </a:p>
+      </dsp:txBody>
+      <dsp:txXfrm>
+        <a:off x="1496057" y="3238774"/>
+        <a:ext cx="3716022" cy="1295288"/>
+      </dsp:txXfrm>
+    </dsp:sp>
+  </dsp:spTree>
+</dsp:drawing>
+</file>
+
 <file path=ppt/diagrams/layout1.xml><?xml version="1.0" encoding="utf-8"?>
 <dgm:layoutDef xmlns:dgm="http://schemas.openxmlformats.org/drawingml/2006/diagram" xmlns:a="http://schemas.openxmlformats.org/drawingml/2006/main" uniqueId="urn:microsoft.com/office/officeart/2018/2/layout/IconLabelList">
   <dgm:title val="Icon Label List"/>
@@ -1766,7 +3333,1335 @@
 </dgm:layoutDef>
 </file>
 
+<file path=ppt/diagrams/layout2.xml><?xml version="1.0" encoding="utf-8"?>
+<dgm:layoutDef xmlns:dgm="http://schemas.openxmlformats.org/drawingml/2006/diagram" xmlns:a="http://schemas.openxmlformats.org/drawingml/2006/main" uniqueId="urn:microsoft.com/office/officeart/2018/2/layout/IconVerticalSolidList">
+  <dgm:title val="Icon Vertical Solid List"/>
+  <dgm:desc val="Use to show a series of visuals from top to bottom with Level 1 or Level 1 and Level 2 text grouped in a shape. Works best with icons or small pictures with lengthier descriptions."/>
+  <dgm:catLst>
+    <dgm:cat type="icon" pri="500"/>
+  </dgm:catLst>
+  <dgm:sampData useDef="1">
+    <dgm:dataModel>
+      <dgm:ptLst/>
+      <dgm:bg/>
+      <dgm:whole/>
+    </dgm:dataModel>
+  </dgm:sampData>
+  <dgm:styleData useDef="1">
+    <dgm:dataModel>
+      <dgm:ptLst/>
+      <dgm:bg/>
+      <dgm:whole/>
+    </dgm:dataModel>
+  </dgm:styleData>
+  <dgm:clrData useDef="1">
+    <dgm:dataModel>
+      <dgm:ptLst/>
+      <dgm:bg/>
+      <dgm:whole/>
+    </dgm:dataModel>
+  </dgm:clrData>
+  <dgm:layoutNode name="root">
+    <dgm:varLst>
+      <dgm:dir/>
+      <dgm:resizeHandles val="exact"/>
+    </dgm:varLst>
+    <dgm:choose name="Name0">
+      <dgm:if name="Name1" axis="self" func="var" arg="dir" op="equ" val="norm">
+        <dgm:alg type="lin">
+          <dgm:param type="linDir" val="fromT"/>
+          <dgm:param type="nodeHorzAlign" val="l"/>
+        </dgm:alg>
+      </dgm:if>
+      <dgm:else name="Name2">
+        <dgm:alg type="lin">
+          <dgm:param type="linDir" val="fromT"/>
+          <dgm:param type="nodeHorzAlign" val="r"/>
+        </dgm:alg>
+      </dgm:else>
+    </dgm:choose>
+    <dgm:shape xmlns:r="http://schemas.openxmlformats.org/officeDocument/2006/relationships" r:blip="">
+      <dgm:adjLst/>
+    </dgm:shape>
+    <dgm:presOf/>
+    <dgm:choose name="Name3">
+      <dgm:if name="Name4" axis="ch" ptType="node" func="cnt" op="lte" val="3">
+        <dgm:constrLst>
+          <dgm:constr type="h" for="ch" forName="compNode" refType="h" fact="0.3"/>
+          <dgm:constr type="w" for="ch" forName="compNode" refType="w"/>
+          <dgm:constr type="h" for="ch" forName="sibTrans" refType="h" refFor="ch" refForName="compNode" fact="0.25"/>
+          <dgm:constr type="primFontSz" for="des" forName="parTx" val="25"/>
+          <dgm:constr type="primFontSz" for="des" forName="desTx" refType="primFontSz" refFor="des" refForName="parTx" op="lte" fact="0.75"/>
+          <dgm:constr type="h" for="des" forName="compNode" op="equ"/>
+          <dgm:constr type="h" for="des" forName="bgRect" op="equ"/>
+          <dgm:constr type="h" for="des" forName="iconRect" op="equ"/>
+          <dgm:constr type="w" for="des" forName="iconRect" op="equ"/>
+          <dgm:constr type="h" for="des" forName="spaceRect" op="equ"/>
+          <dgm:constr type="h" for="des" forName="parTx" op="equ"/>
+          <dgm:constr type="h" for="des" forName="desTx" op="equ"/>
+        </dgm:constrLst>
+      </dgm:if>
+      <dgm:if name="Name5" axis="ch" ptType="node" func="cnt" op="lte" val="4">
+        <dgm:constrLst>
+          <dgm:constr type="h" for="ch" forName="compNode" refType="h" fact="0.3"/>
+          <dgm:constr type="w" for="ch" forName="compNode" refType="w"/>
+          <dgm:constr type="h" for="ch" forName="sibTrans" refType="h" refFor="ch" refForName="compNode" fact="0.25"/>
+          <dgm:constr type="primFontSz" for="des" forName="parTx" val="22"/>
+          <dgm:constr type="primFontSz" for="des" forName="desTx" refType="primFontSz" refFor="des" refForName="parTx" op="lte" fact="0.75"/>
+          <dgm:constr type="h" for="des" forName="compNode" op="equ"/>
+          <dgm:constr type="h" for="des" forName="bgRect" op="equ"/>
+          <dgm:constr type="h" for="des" forName="iconRect" op="equ"/>
+          <dgm:constr type="w" for="des" forName="iconRect" op="equ"/>
+          <dgm:constr type="h" for="des" forName="spaceRect" op="equ"/>
+          <dgm:constr type="h" for="des" forName="parTx" op="equ"/>
+          <dgm:constr type="h" for="des" forName="desTx" op="equ"/>
+        </dgm:constrLst>
+      </dgm:if>
+      <dgm:if name="Name6" axis="ch" ptType="node" func="cnt" op="lte" val="6">
+        <dgm:constrLst>
+          <dgm:constr type="h" for="ch" forName="compNode" refType="h" fact="0.3"/>
+          <dgm:constr type="w" for="ch" forName="compNode" refType="w"/>
+          <dgm:constr type="h" for="ch" forName="sibTrans" refType="h" refFor="ch" refForName="compNode" fact="0.25"/>
+          <dgm:constr type="primFontSz" for="des" forName="parTx" val="19"/>
+          <dgm:constr type="primFontSz" for="des" forName="desTx" refType="primFontSz" refFor="des" refForName="parTx" op="lte" fact="0.75"/>
+          <dgm:constr type="h" for="des" forName="compNode" op="equ"/>
+          <dgm:constr type="h" for="des" forName="bgRect" op="equ"/>
+          <dgm:constr type="h" for="des" forName="iconRect" op="equ"/>
+          <dgm:constr type="w" for="des" forName="iconRect" op="equ"/>
+          <dgm:constr type="h" for="des" forName="spaceRect" op="equ"/>
+          <dgm:constr type="h" for="des" forName="parTx" op="equ"/>
+          <dgm:constr type="h" for="des" forName="desTx" op="equ"/>
+        </dgm:constrLst>
+      </dgm:if>
+      <dgm:else name="Name7">
+        <dgm:constrLst>
+          <dgm:constr type="h" for="ch" forName="compNode" refType="h" fact="0.3"/>
+          <dgm:constr type="w" for="ch" forName="compNode" refType="w"/>
+          <dgm:constr type="h" for="ch" forName="sibTrans" refType="h" refFor="ch" refForName="compNode" fact="0.25"/>
+          <dgm:constr type="primFontSz" for="des" forName="parTx" val="16"/>
+          <dgm:constr type="primFontSz" for="des" forName="desTx" refType="primFontSz" refFor="des" refForName="parTx" op="lte" fact="0.75"/>
+          <dgm:constr type="h" for="des" forName="compNode" op="equ"/>
+          <dgm:constr type="h" for="des" forName="bgRect" op="equ"/>
+          <dgm:constr type="h" for="des" forName="iconRect" op="equ"/>
+          <dgm:constr type="w" for="des" forName="iconRect" op="equ"/>
+          <dgm:constr type="h" for="des" forName="spaceRect" op="equ"/>
+          <dgm:constr type="h" for="des" forName="parTx" op="equ"/>
+          <dgm:constr type="h" for="des" forName="desTx" op="equ"/>
+        </dgm:constrLst>
+      </dgm:else>
+    </dgm:choose>
+    <dgm:ruleLst>
+      <dgm:rule type="h" for="ch" forName="compNode" val="0" fact="NaN" max="NaN"/>
+    </dgm:ruleLst>
+    <dgm:forEach name="Name8" axis="ch" ptType="node">
+      <dgm:layoutNode name="compNode">
+        <dgm:alg type="composite"/>
+        <dgm:shape xmlns:r="http://schemas.openxmlformats.org/officeDocument/2006/relationships" r:blip="">
+          <dgm:adjLst/>
+        </dgm:shape>
+        <dgm:presOf axis="self"/>
+        <dgm:choose name="Name9">
+          <dgm:if name="Name10" axis="ch" ptType="node" func="cnt" op="gte" val="1">
+            <dgm:constrLst>
+              <dgm:constr type="w" for="ch" forName="bgRect" refType="w"/>
+              <dgm:constr type="h" for="ch" forName="bgRect" refType="h"/>
+              <dgm:constr type="l" for="ch" forName="bgRect"/>
+              <dgm:constr type="t" for="ch" forName="bgRect"/>
+              <dgm:constr type="h" for="ch" forName="iconRect" refType="h" fact="0.55"/>
+              <dgm:constr type="w" for="ch" forName="iconRect" refType="h" refFor="ch" refForName="iconRect"/>
+              <dgm:constr type="l" for="ch" forName="iconRect" refType="h" refFor="ch" refForName="iconRect" fact="0.55"/>
+              <dgm:constr type="ctrY" for="ch" forName="iconRect" refType="ctrY" refFor="ch" refForName="bgRect"/>
+              <dgm:constr type="w" for="ch" forName="spaceRect" refType="l" refFor="ch" refForName="iconRect"/>
+              <dgm:constr type="h" for="ch" forName="spaceRect" refType="h"/>
+              <dgm:constr type="l" for="ch" forName="spaceRect" refType="r" refFor="ch" refForName="iconRect"/>
+              <dgm:constr type="t" for="ch" forName="spaceRect"/>
+              <dgm:constr type="w" for="ch" forName="parTx" refType="w" fact="0.45"/>
+              <dgm:constr type="h" for="ch" forName="parTx" refType="h"/>
+              <dgm:constr type="l" for="ch" forName="parTx" refType="r" refFor="ch" refForName="spaceRect"/>
+              <dgm:constr type="t" for="ch" forName="parTx"/>
+              <dgm:constr type="h" for="ch" forName="desTx" refType="h"/>
+              <dgm:constr type="l" for="ch" forName="desTx" refType="r" refFor="ch" refForName="parTx"/>
+              <dgm:constr type="t" for="ch" forName="desTx"/>
+            </dgm:constrLst>
+          </dgm:if>
+          <dgm:else name="Name11">
+            <dgm:constrLst>
+              <dgm:constr type="w" for="ch" forName="bgRect" refType="w"/>
+              <dgm:constr type="h" for="ch" forName="bgRect" refType="h"/>
+              <dgm:constr type="l" for="ch" forName="bgRect"/>
+              <dgm:constr type="t" for="ch" forName="bgRect"/>
+              <dgm:constr type="h" for="ch" forName="iconRect" refType="h" fact="0.55"/>
+              <dgm:constr type="w" for="ch" forName="iconRect" refType="h" refFor="ch" refForName="iconRect"/>
+              <dgm:constr type="l" for="ch" forName="iconRect" refType="h" refFor="ch" refForName="iconRect" fact="0.55"/>
+              <dgm:constr type="ctrY" for="ch" forName="iconRect" refType="ctrY" refFor="ch" refForName="bgRect"/>
+              <dgm:constr type="w" for="ch" forName="spaceRect" refType="l" refFor="ch" refForName="iconRect"/>
+              <dgm:constr type="h" for="ch" forName="spaceRect" refType="h"/>
+              <dgm:constr type="l" for="ch" forName="spaceRect" refType="r" refFor="ch" refForName="iconRect"/>
+              <dgm:constr type="t" for="ch" forName="spaceRect"/>
+              <dgm:constr type="h" for="ch" forName="parTx" refType="h"/>
+              <dgm:constr type="l" for="ch" forName="parTx" refType="r" refFor="ch" refForName="spaceRect"/>
+              <dgm:constr type="t" for="ch" forName="parTx"/>
+            </dgm:constrLst>
+          </dgm:else>
+        </dgm:choose>
+        <dgm:ruleLst>
+          <dgm:rule type="h" val="INF" fact="NaN" max="NaN"/>
+        </dgm:ruleLst>
+        <dgm:layoutNode name="bgRect" styleLbl="bgShp">
+          <dgm:alg type="sp"/>
+          <dgm:shape xmlns:r="http://schemas.openxmlformats.org/officeDocument/2006/relationships" type="roundRect" r:blip="">
+            <dgm:adjLst>
+              <dgm:adj idx="1" val="0.1"/>
+            </dgm:adjLst>
+          </dgm:shape>
+          <dgm:presOf/>
+          <dgm:constrLst/>
+          <dgm:ruleLst/>
+        </dgm:layoutNode>
+        <dgm:layoutNode name="iconRect" styleLbl="node1">
+          <dgm:alg type="sp"/>
+          <dgm:shape xmlns:r="http://schemas.openxmlformats.org/officeDocument/2006/relationships" type="rect" r:blip="" blipPhldr="1">
+            <dgm:adjLst/>
+          </dgm:shape>
+          <dgm:presOf/>
+          <dgm:constrLst/>
+          <dgm:ruleLst/>
+        </dgm:layoutNode>
+        <dgm:layoutNode name="spaceRect">
+          <dgm:alg type="sp"/>
+          <dgm:shape xmlns:r="http://schemas.openxmlformats.org/officeDocument/2006/relationships" r:blip="">
+            <dgm:adjLst/>
+          </dgm:shape>
+          <dgm:presOf/>
+          <dgm:constrLst/>
+          <dgm:ruleLst/>
+        </dgm:layoutNode>
+        <dgm:layoutNode name="parTx" styleLbl="revTx">
+          <dgm:varLst>
+            <dgm:chMax val="0"/>
+            <dgm:chPref val="0"/>
+          </dgm:varLst>
+          <dgm:alg type="tx">
+            <dgm:param type="txAnchorVert" val="mid"/>
+            <dgm:param type="parTxLTRAlign" val="l"/>
+            <dgm:param type="shpTxLTRAlignCh" val="l"/>
+            <dgm:param type="parTxRTLAlign" val="r"/>
+            <dgm:param type="shpTxRTLAlignCh" val="r"/>
+          </dgm:alg>
+          <dgm:shape xmlns:r="http://schemas.openxmlformats.org/officeDocument/2006/relationships" type="rect" r:blip="">
+            <dgm:adjLst/>
+          </dgm:shape>
+          <dgm:presOf axis="self" ptType="node"/>
+          <dgm:constrLst>
+            <dgm:constr type="lMarg" refType="h" fact="0.3"/>
+            <dgm:constr type="rMarg" refType="h" fact="0.3"/>
+            <dgm:constr type="tMarg" refType="h" fact="0.3"/>
+            <dgm:constr type="bMarg" refType="h" fact="0.3"/>
+          </dgm:constrLst>
+          <dgm:ruleLst>
+            <dgm:rule type="primFontSz" val="14" fact="NaN" max="NaN"/>
+            <dgm:rule type="h" val="INF" fact="NaN" max="NaN"/>
+          </dgm:ruleLst>
+        </dgm:layoutNode>
+        <dgm:choose name="Name12">
+          <dgm:if name="Name13" axis="ch" ptType="node" func="cnt" op="gte" val="1">
+            <dgm:layoutNode name="desTx" styleLbl="revTx">
+              <dgm:varLst/>
+              <dgm:alg type="tx">
+                <dgm:param type="txAnchorVertCh" val="mid"/>
+                <dgm:param type="parTxLTRAlign" val="l"/>
+                <dgm:param type="shpTxLTRAlignCh" val="l"/>
+                <dgm:param type="parTxRTLAlign" val="r"/>
+                <dgm:param type="shpTxRTLAlignCh" val="r"/>
+                <dgm:param type="stBulletLvl" val="0"/>
+              </dgm:alg>
+              <dgm:shape xmlns:r="http://schemas.openxmlformats.org/officeDocument/2006/relationships" type="rect" r:blip="">
+                <dgm:adjLst/>
+              </dgm:shape>
+              <dgm:presOf axis="des" ptType="node"/>
+              <dgm:constrLst>
+                <dgm:constr type="primFontSz" val="18"/>
+                <dgm:constr type="secFontSz" refType="primFontSz"/>
+                <dgm:constr type="lMarg" refType="h" fact="0.3"/>
+                <dgm:constr type="rMarg" refType="h" fact="0.3"/>
+                <dgm:constr type="tMarg" refType="h" fact="0.3"/>
+                <dgm:constr type="bMarg" refType="h" fact="0.3"/>
+              </dgm:constrLst>
+              <dgm:ruleLst>
+                <dgm:rule type="primFontSz" val="11" fact="NaN" max="NaN"/>
+              </dgm:ruleLst>
+            </dgm:layoutNode>
+          </dgm:if>
+          <dgm:else name="Name14"/>
+        </dgm:choose>
+      </dgm:layoutNode>
+      <dgm:forEach name="Name15" axis="followSib" ptType="sibTrans" cnt="1">
+        <dgm:layoutNode name="sibTrans">
+          <dgm:alg type="sp"/>
+          <dgm:shape xmlns:r="http://schemas.openxmlformats.org/officeDocument/2006/relationships" r:blip="">
+            <dgm:adjLst/>
+          </dgm:shape>
+          <dgm:presOf axis="self"/>
+          <dgm:constrLst/>
+          <dgm:ruleLst/>
+        </dgm:layoutNode>
+      </dgm:forEach>
+    </dgm:forEach>
+  </dgm:layoutNode>
+  <dgm:extLst>
+    <a:ext uri="{68A01E43-0DF5-4B5B-8FA6-DAF915123BFB}">
+      <dgm1612:lstStyle xmlns:dgm1612="http://schemas.microsoft.com/office/drawing/2016/12/diagram">
+        <a:lvl1pPr>
+          <a:lnSpc>
+            <a:spcPct val="100000"/>
+          </a:lnSpc>
+        </a:lvl1pPr>
+        <a:lvl2pPr>
+          <a:lnSpc>
+            <a:spcPct val="100000"/>
+          </a:lnSpc>
+        </a:lvl2pPr>
+      </dgm1612:lstStyle>
+    </a:ext>
+  </dgm:extLst>
+</dgm:layoutDef>
+</file>
+
 <file path=ppt/diagrams/quickStyle1.xml><?xml version="1.0" encoding="utf-8"?>
+<dgm:styleDef xmlns:dgm="http://schemas.openxmlformats.org/drawingml/2006/diagram" xmlns:a="http://schemas.openxmlformats.org/drawingml/2006/main" uniqueId="urn:microsoft.com/office/officeart/2005/8/quickstyle/simple1">
+  <dgm:title val=""/>
+  <dgm:desc val=""/>
+  <dgm:catLst>
+    <dgm:cat type="simple" pri="10100"/>
+  </dgm:catLst>
+  <dgm:scene3d>
+    <a:camera prst="orthographicFront"/>
+    <a:lightRig rig="threePt" dir="t"/>
+  </dgm:scene3d>
+  <dgm:styleLbl name="node0">
+    <dgm:scene3d>
+      <a:camera prst="orthographicFront"/>
+      <a:lightRig rig="threePt" dir="t"/>
+    </dgm:scene3d>
+    <dgm:sp3d/>
+    <dgm:txPr/>
+    <dgm:style>
+      <a:lnRef idx="2">
+        <a:scrgbClr r="0" g="0" b="0"/>
+      </a:lnRef>
+      <a:fillRef idx="1">
+        <a:scrgbClr r="0" g="0" b="0"/>
+      </a:fillRef>
+      <a:effectRef idx="0">
+        <a:scrgbClr r="0" g="0" b="0"/>
+      </a:effectRef>
+      <a:fontRef idx="minor">
+        <a:schemeClr val="lt1"/>
+      </a:fontRef>
+    </dgm:style>
+  </dgm:styleLbl>
+  <dgm:styleLbl name="lnNode1">
+    <dgm:scene3d>
+      <a:camera prst="orthographicFront"/>
+      <a:lightRig rig="threePt" dir="t"/>
+    </dgm:scene3d>
+    <dgm:sp3d/>
+    <dgm:txPr/>
+    <dgm:style>
+      <a:lnRef idx="2">
+        <a:scrgbClr r="0" g="0" b="0"/>
+      </a:lnRef>
+      <a:fillRef idx="1">
+        <a:scrgbClr r="0" g="0" b="0"/>
+      </a:fillRef>
+      <a:effectRef idx="0">
+        <a:scrgbClr r="0" g="0" b="0"/>
+      </a:effectRef>
+      <a:fontRef idx="minor">
+        <a:schemeClr val="lt1"/>
+      </a:fontRef>
+    </dgm:style>
+  </dgm:styleLbl>
+  <dgm:styleLbl name="vennNode1">
+    <dgm:scene3d>
+      <a:camera prst="orthographicFront"/>
+      <a:lightRig rig="threePt" dir="t"/>
+    </dgm:scene3d>
+    <dgm:sp3d/>
+    <dgm:txPr/>
+    <dgm:style>
+      <a:lnRef idx="2">
+        <a:scrgbClr r="0" g="0" b="0"/>
+      </a:lnRef>
+      <a:fillRef idx="1">
+        <a:scrgbClr r="0" g="0" b="0"/>
+      </a:fillRef>
+      <a:effectRef idx="0">
+        <a:scrgbClr r="0" g="0" b="0"/>
+      </a:effectRef>
+      <a:fontRef idx="minor">
+        <a:schemeClr val="tx1"/>
+      </a:fontRef>
+    </dgm:style>
+  </dgm:styleLbl>
+  <dgm:styleLbl name="alignNode1">
+    <dgm:scene3d>
+      <a:camera prst="orthographicFront"/>
+      <a:lightRig rig="threePt" dir="t"/>
+    </dgm:scene3d>
+    <dgm:sp3d/>
+    <dgm:txPr/>
+    <dgm:style>
+      <a:lnRef idx="2">
+        <a:scrgbClr r="0" g="0" b="0"/>
+      </a:lnRef>
+      <a:fillRef idx="1">
+        <a:scrgbClr r="0" g="0" b="0"/>
+      </a:fillRef>
+      <a:effectRef idx="0">
+        <a:scrgbClr r="0" g="0" b="0"/>
+      </a:effectRef>
+      <a:fontRef idx="minor">
+        <a:schemeClr val="lt1"/>
+      </a:fontRef>
+    </dgm:style>
+  </dgm:styleLbl>
+  <dgm:styleLbl name="node1">
+    <dgm:scene3d>
+      <a:camera prst="orthographicFront"/>
+      <a:lightRig rig="threePt" dir="t"/>
+    </dgm:scene3d>
+    <dgm:sp3d/>
+    <dgm:txPr/>
+    <dgm:style>
+      <a:lnRef idx="2">
+        <a:scrgbClr r="0" g="0" b="0"/>
+      </a:lnRef>
+      <a:fillRef idx="1">
+        <a:scrgbClr r="0" g="0" b="0"/>
+      </a:fillRef>
+      <a:effectRef idx="0">
+        <a:scrgbClr r="0" g="0" b="0"/>
+      </a:effectRef>
+      <a:fontRef idx="minor">
+        <a:schemeClr val="lt1"/>
+      </a:fontRef>
+    </dgm:style>
+  </dgm:styleLbl>
+  <dgm:styleLbl name="node2">
+    <dgm:scene3d>
+      <a:camera prst="orthographicFront"/>
+      <a:lightRig rig="threePt" dir="t"/>
+    </dgm:scene3d>
+    <dgm:sp3d/>
+    <dgm:txPr/>
+    <dgm:style>
+      <a:lnRef idx="2">
+        <a:scrgbClr r="0" g="0" b="0"/>
+      </a:lnRef>
+      <a:fillRef idx="1">
+        <a:scrgbClr r="0" g="0" b="0"/>
+      </a:fillRef>
+      <a:effectRef idx="0">
+        <a:scrgbClr r="0" g="0" b="0"/>
+      </a:effectRef>
+      <a:fontRef idx="minor">
+        <a:schemeClr val="lt1"/>
+      </a:fontRef>
+    </dgm:style>
+  </dgm:styleLbl>
+  <dgm:styleLbl name="node3">
+    <dgm:scene3d>
+      <a:camera prst="orthographicFront"/>
+      <a:lightRig rig="threePt" dir="t"/>
+    </dgm:scene3d>
+    <dgm:sp3d/>
+    <dgm:txPr/>
+    <dgm:style>
+      <a:lnRef idx="2">
+        <a:scrgbClr r="0" g="0" b="0"/>
+      </a:lnRef>
+      <a:fillRef idx="1">
+        <a:scrgbClr r="0" g="0" b="0"/>
+      </a:fillRef>
+      <a:effectRef idx="0">
+        <a:scrgbClr r="0" g="0" b="0"/>
+      </a:effectRef>
+      <a:fontRef idx="minor">
+        <a:schemeClr val="lt1"/>
+      </a:fontRef>
+    </dgm:style>
+  </dgm:styleLbl>
+  <dgm:styleLbl name="node4">
+    <dgm:scene3d>
+      <a:camera prst="orthographicFront"/>
+      <a:lightRig rig="threePt" dir="t"/>
+    </dgm:scene3d>
+    <dgm:sp3d/>
+    <dgm:txPr/>
+    <dgm:style>
+      <a:lnRef idx="2">
+        <a:scrgbClr r="0" g="0" b="0"/>
+      </a:lnRef>
+      <a:fillRef idx="1">
+        <a:scrgbClr r="0" g="0" b="0"/>
+      </a:fillRef>
+      <a:effectRef idx="0">
+        <a:scrgbClr r="0" g="0" b="0"/>
+      </a:effectRef>
+      <a:fontRef idx="minor">
+        <a:schemeClr val="lt1"/>
+      </a:fontRef>
+    </dgm:style>
+  </dgm:styleLbl>
+  <dgm:styleLbl name="fgImgPlace1">
+    <dgm:scene3d>
+      <a:camera prst="orthographicFront"/>
+      <a:lightRig rig="threePt" dir="t"/>
+    </dgm:scene3d>
+    <dgm:sp3d/>
+    <dgm:txPr/>
+    <dgm:style>
+      <a:lnRef idx="2">
+        <a:scrgbClr r="0" g="0" b="0"/>
+      </a:lnRef>
+      <a:fillRef idx="1">
+        <a:scrgbClr r="0" g="0" b="0"/>
+      </a:fillRef>
+      <a:effectRef idx="0">
+        <a:scrgbClr r="0" g="0" b="0"/>
+      </a:effectRef>
+      <a:fontRef idx="minor"/>
+    </dgm:style>
+  </dgm:styleLbl>
+  <dgm:styleLbl name="alignImgPlace1">
+    <dgm:scene3d>
+      <a:camera prst="orthographicFront"/>
+      <a:lightRig rig="threePt" dir="t"/>
+    </dgm:scene3d>
+    <dgm:sp3d/>
+    <dgm:txPr/>
+    <dgm:style>
+      <a:lnRef idx="2">
+        <a:scrgbClr r="0" g="0" b="0"/>
+      </a:lnRef>
+      <a:fillRef idx="1">
+        <a:scrgbClr r="0" g="0" b="0"/>
+      </a:fillRef>
+      <a:effectRef idx="0">
+        <a:scrgbClr r="0" g="0" b="0"/>
+      </a:effectRef>
+      <a:fontRef idx="minor"/>
+    </dgm:style>
+  </dgm:styleLbl>
+  <dgm:styleLbl name="bgImgPlace1">
+    <dgm:scene3d>
+      <a:camera prst="orthographicFront"/>
+      <a:lightRig rig="threePt" dir="t"/>
+    </dgm:scene3d>
+    <dgm:sp3d/>
+    <dgm:txPr/>
+    <dgm:style>
+      <a:lnRef idx="2">
+        <a:scrgbClr r="0" g="0" b="0"/>
+      </a:lnRef>
+      <a:fillRef idx="1">
+        <a:scrgbClr r="0" g="0" b="0"/>
+      </a:fillRef>
+      <a:effectRef idx="0">
+        <a:scrgbClr r="0" g="0" b="0"/>
+      </a:effectRef>
+      <a:fontRef idx="minor"/>
+    </dgm:style>
+  </dgm:styleLbl>
+  <dgm:styleLbl name="sibTrans2D1">
+    <dgm:scene3d>
+      <a:camera prst="orthographicFront"/>
+      <a:lightRig rig="threePt" dir="t"/>
+    </dgm:scene3d>
+    <dgm:sp3d/>
+    <dgm:txPr/>
+    <dgm:style>
+      <a:lnRef idx="0">
+        <a:scrgbClr r="0" g="0" b="0"/>
+      </a:lnRef>
+      <a:fillRef idx="1">
+        <a:scrgbClr r="0" g="0" b="0"/>
+      </a:fillRef>
+      <a:effectRef idx="0">
+        <a:scrgbClr r="0" g="0" b="0"/>
+      </a:effectRef>
+      <a:fontRef idx="minor">
+        <a:schemeClr val="lt1"/>
+      </a:fontRef>
+    </dgm:style>
+  </dgm:styleLbl>
+  <dgm:styleLbl name="fgSibTrans2D1">
+    <dgm:scene3d>
+      <a:camera prst="orthographicFront"/>
+      <a:lightRig rig="threePt" dir="t"/>
+    </dgm:scene3d>
+    <dgm:sp3d/>
+    <dgm:txPr/>
+    <dgm:style>
+      <a:lnRef idx="0">
+        <a:scrgbClr r="0" g="0" b="0"/>
+      </a:lnRef>
+      <a:fillRef idx="1">
+        <a:scrgbClr r="0" g="0" b="0"/>
+      </a:fillRef>
+      <a:effectRef idx="0">
+        <a:scrgbClr r="0" g="0" b="0"/>
+      </a:effectRef>
+      <a:fontRef idx="minor">
+        <a:schemeClr val="lt1"/>
+      </a:fontRef>
+    </dgm:style>
+  </dgm:styleLbl>
+  <dgm:styleLbl name="bgSibTrans2D1">
+    <dgm:scene3d>
+      <a:camera prst="orthographicFront"/>
+      <a:lightRig rig="threePt" dir="t"/>
+    </dgm:scene3d>
+    <dgm:sp3d/>
+    <dgm:txPr/>
+    <dgm:style>
+      <a:lnRef idx="0">
+        <a:scrgbClr r="0" g="0" b="0"/>
+      </a:lnRef>
+      <a:fillRef idx="1">
+        <a:scrgbClr r="0" g="0" b="0"/>
+      </a:fillRef>
+      <a:effectRef idx="0">
+        <a:scrgbClr r="0" g="0" b="0"/>
+      </a:effectRef>
+      <a:fontRef idx="minor">
+        <a:schemeClr val="lt1"/>
+      </a:fontRef>
+    </dgm:style>
+  </dgm:styleLbl>
+  <dgm:styleLbl name="sibTrans1D1">
+    <dgm:scene3d>
+      <a:camera prst="orthographicFront"/>
+      <a:lightRig rig="threePt" dir="t"/>
+    </dgm:scene3d>
+    <dgm:sp3d/>
+    <dgm:txPr/>
+    <dgm:style>
+      <a:lnRef idx="1">
+        <a:scrgbClr r="0" g="0" b="0"/>
+      </a:lnRef>
+      <a:fillRef idx="0">
+        <a:scrgbClr r="0" g="0" b="0"/>
+      </a:fillRef>
+      <a:effectRef idx="0">
+        <a:scrgbClr r="0" g="0" b="0"/>
+      </a:effectRef>
+      <a:fontRef idx="minor"/>
+    </dgm:style>
+  </dgm:styleLbl>
+  <dgm:styleLbl name="callout">
+    <dgm:scene3d>
+      <a:camera prst="orthographicFront"/>
+      <a:lightRig rig="threePt" dir="t"/>
+    </dgm:scene3d>
+    <dgm:sp3d/>
+    <dgm:txPr/>
+    <dgm:style>
+      <a:lnRef idx="2">
+        <a:scrgbClr r="0" g="0" b="0"/>
+      </a:lnRef>
+      <a:fillRef idx="1">
+        <a:scrgbClr r="0" g="0" b="0"/>
+      </a:fillRef>
+      <a:effectRef idx="0">
+        <a:scrgbClr r="0" g="0" b="0"/>
+      </a:effectRef>
+      <a:fontRef idx="minor"/>
+    </dgm:style>
+  </dgm:styleLbl>
+  <dgm:styleLbl name="asst0">
+    <dgm:scene3d>
+      <a:camera prst="orthographicFront"/>
+      <a:lightRig rig="threePt" dir="t"/>
+    </dgm:scene3d>
+    <dgm:sp3d/>
+    <dgm:txPr/>
+    <dgm:style>
+      <a:lnRef idx="2">
+        <a:scrgbClr r="0" g="0" b="0"/>
+      </a:lnRef>
+      <a:fillRef idx="1">
+        <a:scrgbClr r="0" g="0" b="0"/>
+      </a:fillRef>
+      <a:effectRef idx="0">
+        <a:scrgbClr r="0" g="0" b="0"/>
+      </a:effectRef>
+      <a:fontRef idx="minor">
+        <a:schemeClr val="lt1"/>
+      </a:fontRef>
+    </dgm:style>
+  </dgm:styleLbl>
+  <dgm:styleLbl name="asst1">
+    <dgm:scene3d>
+      <a:camera prst="orthographicFront"/>
+      <a:lightRig rig="threePt" dir="t"/>
+    </dgm:scene3d>
+    <dgm:sp3d/>
+    <dgm:txPr/>
+    <dgm:style>
+      <a:lnRef idx="2">
+        <a:scrgbClr r="0" g="0" b="0"/>
+      </a:lnRef>
+      <a:fillRef idx="1">
+        <a:scrgbClr r="0" g="0" b="0"/>
+      </a:fillRef>
+      <a:effectRef idx="0">
+        <a:scrgbClr r="0" g="0" b="0"/>
+      </a:effectRef>
+      <a:fontRef idx="minor">
+        <a:schemeClr val="lt1"/>
+      </a:fontRef>
+    </dgm:style>
+  </dgm:styleLbl>
+  <dgm:styleLbl name="asst2">
+    <dgm:scene3d>
+      <a:camera prst="orthographicFront"/>
+      <a:lightRig rig="threePt" dir="t"/>
+    </dgm:scene3d>
+    <dgm:sp3d/>
+    <dgm:txPr/>
+    <dgm:style>
+      <a:lnRef idx="2">
+        <a:scrgbClr r="0" g="0" b="0"/>
+      </a:lnRef>
+      <a:fillRef idx="1">
+        <a:scrgbClr r="0" g="0" b="0"/>
+      </a:fillRef>
+      <a:effectRef idx="0">
+        <a:scrgbClr r="0" g="0" b="0"/>
+      </a:effectRef>
+      <a:fontRef idx="minor">
+        <a:schemeClr val="lt1"/>
+      </a:fontRef>
+    </dgm:style>
+  </dgm:styleLbl>
+  <dgm:styleLbl name="asst3">
+    <dgm:scene3d>
+      <a:camera prst="orthographicFront"/>
+      <a:lightRig rig="threePt" dir="t"/>
+    </dgm:scene3d>
+    <dgm:sp3d/>
+    <dgm:txPr/>
+    <dgm:style>
+      <a:lnRef idx="2">
+        <a:scrgbClr r="0" g="0" b="0"/>
+      </a:lnRef>
+      <a:fillRef idx="1">
+        <a:scrgbClr r="0" g="0" b="0"/>
+      </a:fillRef>
+      <a:effectRef idx="0">
+        <a:scrgbClr r="0" g="0" b="0"/>
+      </a:effectRef>
+      <a:fontRef idx="minor">
+        <a:schemeClr val="lt1"/>
+      </a:fontRef>
+    </dgm:style>
+  </dgm:styleLbl>
+  <dgm:styleLbl name="asst4">
+    <dgm:scene3d>
+      <a:camera prst="orthographicFront"/>
+      <a:lightRig rig="threePt" dir="t"/>
+    </dgm:scene3d>
+    <dgm:sp3d/>
+    <dgm:txPr/>
+    <dgm:style>
+      <a:lnRef idx="2">
+        <a:scrgbClr r="0" g="0" b="0"/>
+      </a:lnRef>
+      <a:fillRef idx="1">
+        <a:scrgbClr r="0" g="0" b="0"/>
+      </a:fillRef>
+      <a:effectRef idx="0">
+        <a:scrgbClr r="0" g="0" b="0"/>
+      </a:effectRef>
+      <a:fontRef idx="minor">
+        <a:schemeClr val="lt1"/>
+      </a:fontRef>
+    </dgm:style>
+  </dgm:styleLbl>
+  <dgm:styleLbl name="parChTrans2D1">
+    <dgm:scene3d>
+      <a:camera prst="orthographicFront"/>
+      <a:lightRig rig="threePt" dir="t"/>
+    </dgm:scene3d>
+    <dgm:sp3d/>
+    <dgm:txPr/>
+    <dgm:style>
+      <a:lnRef idx="2">
+        <a:scrgbClr r="0" g="0" b="0"/>
+      </a:lnRef>
+      <a:fillRef idx="1">
+        <a:scrgbClr r="0" g="0" b="0"/>
+      </a:fillRef>
+      <a:effectRef idx="0">
+        <a:scrgbClr r="0" g="0" b="0"/>
+      </a:effectRef>
+      <a:fontRef idx="minor">
+        <a:schemeClr val="lt1"/>
+      </a:fontRef>
+    </dgm:style>
+  </dgm:styleLbl>
+  <dgm:styleLbl name="parChTrans2D2">
+    <dgm:scene3d>
+      <a:camera prst="orthographicFront"/>
+      <a:lightRig rig="threePt" dir="t"/>
+    </dgm:scene3d>
+    <dgm:sp3d/>
+    <dgm:txPr/>
+    <dgm:style>
+      <a:lnRef idx="2">
+        <a:scrgbClr r="0" g="0" b="0"/>
+      </a:lnRef>
+      <a:fillRef idx="1">
+        <a:scrgbClr r="0" g="0" b="0"/>
+      </a:fillRef>
+      <a:effectRef idx="0">
+        <a:scrgbClr r="0" g="0" b="0"/>
+      </a:effectRef>
+      <a:fontRef idx="minor">
+        <a:schemeClr val="lt1"/>
+      </a:fontRef>
+    </dgm:style>
+  </dgm:styleLbl>
+  <dgm:styleLbl name="parChTrans2D3">
+    <dgm:scene3d>
+      <a:camera prst="orthographicFront"/>
+      <a:lightRig rig="threePt" dir="t"/>
+    </dgm:scene3d>
+    <dgm:sp3d/>
+    <dgm:txPr/>
+    <dgm:style>
+      <a:lnRef idx="2">
+        <a:scrgbClr r="0" g="0" b="0"/>
+      </a:lnRef>
+      <a:fillRef idx="1">
+        <a:scrgbClr r="0" g="0" b="0"/>
+      </a:fillRef>
+      <a:effectRef idx="0">
+        <a:scrgbClr r="0" g="0" b="0"/>
+      </a:effectRef>
+      <a:fontRef idx="minor">
+        <a:schemeClr val="lt1"/>
+      </a:fontRef>
+    </dgm:style>
+  </dgm:styleLbl>
+  <dgm:styleLbl name="parChTrans2D4">
+    <dgm:scene3d>
+      <a:camera prst="orthographicFront"/>
+      <a:lightRig rig="threePt" dir="t"/>
+    </dgm:scene3d>
+    <dgm:sp3d/>
+    <dgm:txPr/>
+    <dgm:style>
+      <a:lnRef idx="2">
+        <a:scrgbClr r="0" g="0" b="0"/>
+      </a:lnRef>
+      <a:fillRef idx="1">
+        <a:scrgbClr r="0" g="0" b="0"/>
+      </a:fillRef>
+      <a:effectRef idx="0">
+        <a:scrgbClr r="0" g="0" b="0"/>
+      </a:effectRef>
+      <a:fontRef idx="minor">
+        <a:schemeClr val="lt1"/>
+      </a:fontRef>
+    </dgm:style>
+  </dgm:styleLbl>
+  <dgm:styleLbl name="parChTrans1D1">
+    <dgm:scene3d>
+      <a:camera prst="orthographicFront"/>
+      <a:lightRig rig="threePt" dir="t"/>
+    </dgm:scene3d>
+    <dgm:sp3d/>
+    <dgm:txPr/>
+    <dgm:style>
+      <a:lnRef idx="2">
+        <a:scrgbClr r="0" g="0" b="0"/>
+      </a:lnRef>
+      <a:fillRef idx="0">
+        <a:scrgbClr r="0" g="0" b="0"/>
+      </a:fillRef>
+      <a:effectRef idx="0">
+        <a:scrgbClr r="0" g="0" b="0"/>
+      </a:effectRef>
+      <a:fontRef idx="minor"/>
+    </dgm:style>
+  </dgm:styleLbl>
+  <dgm:styleLbl name="parChTrans1D2">
+    <dgm:scene3d>
+      <a:camera prst="orthographicFront"/>
+      <a:lightRig rig="threePt" dir="t"/>
+    </dgm:scene3d>
+    <dgm:sp3d/>
+    <dgm:txPr/>
+    <dgm:style>
+      <a:lnRef idx="2">
+        <a:scrgbClr r="0" g="0" b="0"/>
+      </a:lnRef>
+      <a:fillRef idx="0">
+        <a:scrgbClr r="0" g="0" b="0"/>
+      </a:fillRef>
+      <a:effectRef idx="0">
+        <a:scrgbClr r="0" g="0" b="0"/>
+      </a:effectRef>
+      <a:fontRef idx="minor"/>
+    </dgm:style>
+  </dgm:styleLbl>
+  <dgm:styleLbl name="parChTrans1D3">
+    <dgm:scene3d>
+      <a:camera prst="orthographicFront"/>
+      <a:lightRig rig="threePt" dir="t"/>
+    </dgm:scene3d>
+    <dgm:sp3d/>
+    <dgm:txPr/>
+    <dgm:style>
+      <a:lnRef idx="2">
+        <a:scrgbClr r="0" g="0" b="0"/>
+      </a:lnRef>
+      <a:fillRef idx="0">
+        <a:scrgbClr r="0" g="0" b="0"/>
+      </a:fillRef>
+      <a:effectRef idx="0">
+        <a:scrgbClr r="0" g="0" b="0"/>
+      </a:effectRef>
+      <a:fontRef idx="minor"/>
+    </dgm:style>
+  </dgm:styleLbl>
+  <dgm:styleLbl name="parChTrans1D4">
+    <dgm:scene3d>
+      <a:camera prst="orthographicFront"/>
+      <a:lightRig rig="threePt" dir="t"/>
+    </dgm:scene3d>
+    <dgm:sp3d/>
+    <dgm:txPr/>
+    <dgm:style>
+      <a:lnRef idx="2">
+        <a:scrgbClr r="0" g="0" b="0"/>
+      </a:lnRef>
+      <a:fillRef idx="0">
+        <a:scrgbClr r="0" g="0" b="0"/>
+      </a:fillRef>
+      <a:effectRef idx="0">
+        <a:scrgbClr r="0" g="0" b="0"/>
+      </a:effectRef>
+      <a:fontRef idx="minor"/>
+    </dgm:style>
+  </dgm:styleLbl>
+  <dgm:styleLbl name="fgAcc1">
+    <dgm:scene3d>
+      <a:camera prst="orthographicFront"/>
+      <a:lightRig rig="threePt" dir="t"/>
+    </dgm:scene3d>
+    <dgm:sp3d/>
+    <dgm:txPr/>
+    <dgm:style>
+      <a:lnRef idx="2">
+        <a:scrgbClr r="0" g="0" b="0"/>
+      </a:lnRef>
+      <a:fillRef idx="1">
+        <a:scrgbClr r="0" g="0" b="0"/>
+      </a:fillRef>
+      <a:effectRef idx="0">
+        <a:scrgbClr r="0" g="0" b="0"/>
+      </a:effectRef>
+      <a:fontRef idx="minor"/>
+    </dgm:style>
+  </dgm:styleLbl>
+  <dgm:styleLbl name="conFgAcc1">
+    <dgm:scene3d>
+      <a:camera prst="orthographicFront"/>
+      <a:lightRig rig="threePt" dir="t"/>
+    </dgm:scene3d>
+    <dgm:sp3d/>
+    <dgm:txPr/>
+    <dgm:style>
+      <a:lnRef idx="2">
+        <a:scrgbClr r="0" g="0" b="0"/>
+      </a:lnRef>
+      <a:fillRef idx="1">
+        <a:scrgbClr r="0" g="0" b="0"/>
+      </a:fillRef>
+      <a:effectRef idx="0">
+        <a:scrgbClr r="0" g="0" b="0"/>
+      </a:effectRef>
+      <a:fontRef idx="minor"/>
+    </dgm:style>
+  </dgm:styleLbl>
+  <dgm:styleLbl name="alignAcc1">
+    <dgm:scene3d>
+      <a:camera prst="orthographicFront"/>
+      <a:lightRig rig="threePt" dir="t"/>
+    </dgm:scene3d>
+    <dgm:sp3d/>
+    <dgm:txPr/>
+    <dgm:style>
+      <a:lnRef idx="2">
+        <a:scrgbClr r="0" g="0" b="0"/>
+      </a:lnRef>
+      <a:fillRef idx="1">
+        <a:scrgbClr r="0" g="0" b="0"/>
+      </a:fillRef>
+      <a:effectRef idx="0">
+        <a:scrgbClr r="0" g="0" b="0"/>
+      </a:effectRef>
+      <a:fontRef idx="minor"/>
+    </dgm:style>
+  </dgm:styleLbl>
+  <dgm:styleLbl name="trAlignAcc1">
+    <dgm:scene3d>
+      <a:camera prst="orthographicFront"/>
+      <a:lightRig rig="threePt" dir="t"/>
+    </dgm:scene3d>
+    <dgm:sp3d/>
+    <dgm:txPr/>
+    <dgm:style>
+      <a:lnRef idx="1">
+        <a:scrgbClr r="0" g="0" b="0"/>
+      </a:lnRef>
+      <a:fillRef idx="1">
+        <a:scrgbClr r="0" g="0" b="0"/>
+      </a:fillRef>
+      <a:effectRef idx="0">
+        <a:scrgbClr r="0" g="0" b="0"/>
+      </a:effectRef>
+      <a:fontRef idx="minor"/>
+    </dgm:style>
+  </dgm:styleLbl>
+  <dgm:styleLbl name="bgAcc1">
+    <dgm:scene3d>
+      <a:camera prst="orthographicFront"/>
+      <a:lightRig rig="threePt" dir="t"/>
+    </dgm:scene3d>
+    <dgm:sp3d/>
+    <dgm:txPr/>
+    <dgm:style>
+      <a:lnRef idx="2">
+        <a:scrgbClr r="0" g="0" b="0"/>
+      </a:lnRef>
+      <a:fillRef idx="1">
+        <a:scrgbClr r="0" g="0" b="0"/>
+      </a:fillRef>
+      <a:effectRef idx="0">
+        <a:scrgbClr r="0" g="0" b="0"/>
+      </a:effectRef>
+      <a:fontRef idx="minor"/>
+    </dgm:style>
+  </dgm:styleLbl>
+  <dgm:styleLbl name="solidFgAcc1">
+    <dgm:scene3d>
+      <a:camera prst="orthographicFront"/>
+      <a:lightRig rig="threePt" dir="t"/>
+    </dgm:scene3d>
+    <dgm:sp3d/>
+    <dgm:txPr/>
+    <dgm:style>
+      <a:lnRef idx="2">
+        <a:scrgbClr r="0" g="0" b="0"/>
+      </a:lnRef>
+      <a:fillRef idx="1">
+        <a:scrgbClr r="0" g="0" b="0"/>
+      </a:fillRef>
+      <a:effectRef idx="0">
+        <a:scrgbClr r="0" g="0" b="0"/>
+      </a:effectRef>
+      <a:fontRef idx="minor"/>
+    </dgm:style>
+  </dgm:styleLbl>
+  <dgm:styleLbl name="solidAlignAcc1">
+    <dgm:scene3d>
+      <a:camera prst="orthographicFront"/>
+      <a:lightRig rig="threePt" dir="t"/>
+    </dgm:scene3d>
+    <dgm:sp3d/>
+    <dgm:txPr/>
+    <dgm:style>
+      <a:lnRef idx="2">
+        <a:scrgbClr r="0" g="0" b="0"/>
+      </a:lnRef>
+      <a:fillRef idx="1">
+        <a:scrgbClr r="0" g="0" b="0"/>
+      </a:fillRef>
+      <a:effectRef idx="0">
+        <a:scrgbClr r="0" g="0" b="0"/>
+      </a:effectRef>
+      <a:fontRef idx="minor"/>
+    </dgm:style>
+  </dgm:styleLbl>
+  <dgm:styleLbl name="solidBgAcc1">
+    <dgm:scene3d>
+      <a:camera prst="orthographicFront"/>
+      <a:lightRig rig="threePt" dir="t"/>
+    </dgm:scene3d>
+    <dgm:sp3d/>
+    <dgm:txPr/>
+    <dgm:style>
+      <a:lnRef idx="2">
+        <a:scrgbClr r="0" g="0" b="0"/>
+      </a:lnRef>
+      <a:fillRef idx="1">
+        <a:scrgbClr r="0" g="0" b="0"/>
+      </a:fillRef>
+      <a:effectRef idx="0">
+        <a:scrgbClr r="0" g="0" b="0"/>
+      </a:effectRef>
+      <a:fontRef idx="minor"/>
+    </dgm:style>
+  </dgm:styleLbl>
+  <dgm:styleLbl name="fgAccFollowNode1">
+    <dgm:scene3d>
+      <a:camera prst="orthographicFront"/>
+      <a:lightRig rig="threePt" dir="t"/>
+    </dgm:scene3d>
+    <dgm:sp3d/>
+    <dgm:txPr/>
+    <dgm:style>
+      <a:lnRef idx="2">
+        <a:scrgbClr r="0" g="0" b="0"/>
+      </a:lnRef>
+      <a:fillRef idx="1">
+        <a:scrgbClr r="0" g="0" b="0"/>
+      </a:fillRef>
+      <a:effectRef idx="0">
+        <a:scrgbClr r="0" g="0" b="0"/>
+      </a:effectRef>
+      <a:fontRef idx="minor"/>
+    </dgm:style>
+  </dgm:styleLbl>
+  <dgm:styleLbl name="alignAccFollowNode1">
+    <dgm:scene3d>
+      <a:camera prst="orthographicFront"/>
+      <a:lightRig rig="threePt" dir="t"/>
+    </dgm:scene3d>
+    <dgm:sp3d/>
+    <dgm:txPr/>
+    <dgm:style>
+      <a:lnRef idx="2">
+        <a:scrgbClr r="0" g="0" b="0"/>
+      </a:lnRef>
+      <a:fillRef idx="1">
+        <a:scrgbClr r="0" g="0" b="0"/>
+      </a:fillRef>
+      <a:effectRef idx="0">
+        <a:scrgbClr r="0" g="0" b="0"/>
+      </a:effectRef>
+      <a:fontRef idx="minor"/>
+    </dgm:style>
+  </dgm:styleLbl>
+  <dgm:styleLbl name="bgAccFollowNode1">
+    <dgm:scene3d>
+      <a:camera prst="orthographicFront"/>
+      <a:lightRig rig="threePt" dir="t"/>
+    </dgm:scene3d>
+    <dgm:sp3d/>
+    <dgm:txPr/>
+    <dgm:style>
+      <a:lnRef idx="2">
+        <a:scrgbClr r="0" g="0" b="0"/>
+      </a:lnRef>
+      <a:fillRef idx="1">
+        <a:scrgbClr r="0" g="0" b="0"/>
+      </a:fillRef>
+      <a:effectRef idx="0">
+        <a:scrgbClr r="0" g="0" b="0"/>
+      </a:effectRef>
+      <a:fontRef idx="minor"/>
+    </dgm:style>
+  </dgm:styleLbl>
+  <dgm:styleLbl name="fgAcc0">
+    <dgm:scene3d>
+      <a:camera prst="orthographicFront"/>
+      <a:lightRig rig="threePt" dir="t"/>
+    </dgm:scene3d>
+    <dgm:sp3d/>
+    <dgm:txPr/>
+    <dgm:style>
+      <a:lnRef idx="2">
+        <a:scrgbClr r="0" g="0" b="0"/>
+      </a:lnRef>
+      <a:fillRef idx="1">
+        <a:scrgbClr r="0" g="0" b="0"/>
+      </a:fillRef>
+      <a:effectRef idx="0">
+        <a:scrgbClr r="0" g="0" b="0"/>
+      </a:effectRef>
+      <a:fontRef idx="minor"/>
+    </dgm:style>
+  </dgm:styleLbl>
+  <dgm:styleLbl name="fgAcc2">
+    <dgm:scene3d>
+      <a:camera prst="orthographicFront"/>
+      <a:lightRig rig="threePt" dir="t"/>
+    </dgm:scene3d>
+    <dgm:sp3d/>
+    <dgm:txPr/>
+    <dgm:style>
+      <a:lnRef idx="2">
+        <a:scrgbClr r="0" g="0" b="0"/>
+      </a:lnRef>
+      <a:fillRef idx="1">
+        <a:scrgbClr r="0" g="0" b="0"/>
+      </a:fillRef>
+      <a:effectRef idx="0">
+        <a:scrgbClr r="0" g="0" b="0"/>
+      </a:effectRef>
+      <a:fontRef idx="minor"/>
+    </dgm:style>
+  </dgm:styleLbl>
+  <dgm:styleLbl name="fgAcc3">
+    <dgm:scene3d>
+      <a:camera prst="orthographicFront"/>
+      <a:lightRig rig="threePt" dir="t"/>
+    </dgm:scene3d>
+    <dgm:sp3d/>
+    <dgm:txPr/>
+    <dgm:style>
+      <a:lnRef idx="2">
+        <a:scrgbClr r="0" g="0" b="0"/>
+      </a:lnRef>
+      <a:fillRef idx="1">
+        <a:scrgbClr r="0" g="0" b="0"/>
+      </a:fillRef>
+      <a:effectRef idx="0">
+        <a:scrgbClr r="0" g="0" b="0"/>
+      </a:effectRef>
+      <a:fontRef idx="minor"/>
+    </dgm:style>
+  </dgm:styleLbl>
+  <dgm:styleLbl name="fgAcc4">
+    <dgm:scene3d>
+      <a:camera prst="orthographicFront"/>
+      <a:lightRig rig="threePt" dir="t"/>
+    </dgm:scene3d>
+    <dgm:sp3d/>
+    <dgm:txPr/>
+    <dgm:style>
+      <a:lnRef idx="2">
+        <a:scrgbClr r="0" g="0" b="0"/>
+      </a:lnRef>
+      <a:fillRef idx="1">
+        <a:scrgbClr r="0" g="0" b="0"/>
+      </a:fillRef>
+      <a:effectRef idx="0">
+        <a:scrgbClr r="0" g="0" b="0"/>
+      </a:effectRef>
+      <a:fontRef idx="minor"/>
+    </dgm:style>
+  </dgm:styleLbl>
+  <dgm:styleLbl name="bgShp">
+    <dgm:scene3d>
+      <a:camera prst="orthographicFront"/>
+      <a:lightRig rig="threePt" dir="t"/>
+    </dgm:scene3d>
+    <dgm:sp3d/>
+    <dgm:txPr/>
+    <dgm:style>
+      <a:lnRef idx="0">
+        <a:scrgbClr r="0" g="0" b="0"/>
+      </a:lnRef>
+      <a:fillRef idx="1">
+        <a:scrgbClr r="0" g="0" b="0"/>
+      </a:fillRef>
+      <a:effectRef idx="0">
+        <a:scrgbClr r="0" g="0" b="0"/>
+      </a:effectRef>
+      <a:fontRef idx="minor"/>
+    </dgm:style>
+  </dgm:styleLbl>
+  <dgm:styleLbl name="dkBgShp">
+    <dgm:scene3d>
+      <a:camera prst="orthographicFront"/>
+      <a:lightRig rig="threePt" dir="t"/>
+    </dgm:scene3d>
+    <dgm:sp3d/>
+    <dgm:txPr/>
+    <dgm:style>
+      <a:lnRef idx="0">
+        <a:scrgbClr r="0" g="0" b="0"/>
+      </a:lnRef>
+      <a:fillRef idx="1">
+        <a:scrgbClr r="0" g="0" b="0"/>
+      </a:fillRef>
+      <a:effectRef idx="0">
+        <a:scrgbClr r="0" g="0" b="0"/>
+      </a:effectRef>
+      <a:fontRef idx="minor"/>
+    </dgm:style>
+  </dgm:styleLbl>
+  <dgm:styleLbl name="trBgShp">
+    <dgm:scene3d>
+      <a:camera prst="orthographicFront"/>
+      <a:lightRig rig="threePt" dir="t"/>
+    </dgm:scene3d>
+    <dgm:sp3d/>
+    <dgm:txPr/>
+    <dgm:style>
+      <a:lnRef idx="0">
+        <a:scrgbClr r="0" g="0" b="0"/>
+      </a:lnRef>
+      <a:fillRef idx="1">
+        <a:scrgbClr r="0" g="0" b="0"/>
+      </a:fillRef>
+      <a:effectRef idx="0">
+        <a:scrgbClr r="0" g="0" b="0"/>
+      </a:effectRef>
+      <a:fontRef idx="minor"/>
+    </dgm:style>
+  </dgm:styleLbl>
+  <dgm:styleLbl name="fgShp">
+    <dgm:scene3d>
+      <a:camera prst="orthographicFront"/>
+      <a:lightRig rig="threePt" dir="t"/>
+    </dgm:scene3d>
+    <dgm:sp3d/>
+    <dgm:txPr/>
+    <dgm:style>
+      <a:lnRef idx="2">
+        <a:scrgbClr r="0" g="0" b="0"/>
+      </a:lnRef>
+      <a:fillRef idx="1">
+        <a:scrgbClr r="0" g="0" b="0"/>
+      </a:fillRef>
+      <a:effectRef idx="0">
+        <a:scrgbClr r="0" g="0" b="0"/>
+      </a:effectRef>
+      <a:fontRef idx="minor"/>
+    </dgm:style>
+  </dgm:styleLbl>
+  <dgm:styleLbl name="revTx">
+    <dgm:scene3d>
+      <a:camera prst="orthographicFront"/>
+      <a:lightRig rig="threePt" dir="t"/>
+    </dgm:scene3d>
+    <dgm:sp3d/>
+    <dgm:txPr/>
+    <dgm:style>
+      <a:lnRef idx="0">
+        <a:scrgbClr r="0" g="0" b="0"/>
+      </a:lnRef>
+      <a:fillRef idx="0">
+        <a:scrgbClr r="0" g="0" b="0"/>
+      </a:fillRef>
+      <a:effectRef idx="0">
+        <a:scrgbClr r="0" g="0" b="0"/>
+      </a:effectRef>
+      <a:fontRef idx="minor"/>
+    </dgm:style>
+  </dgm:styleLbl>
+</dgm:styleDef>
+</file>
+
+<file path=ppt/diagrams/quickStyle2.xml><?xml version="1.0" encoding="utf-8"?>
 <dgm:styleDef xmlns:dgm="http://schemas.openxmlformats.org/drawingml/2006/diagram" xmlns:a="http://schemas.openxmlformats.org/drawingml/2006/main" uniqueId="urn:microsoft.com/office/officeart/2005/8/quickstyle/simple1">
   <dgm:title val=""/>
   <dgm:desc val=""/>
@@ -2956,7 +5851,7 @@
           <a:p>
             <a:fld id="{6444479B-705B-4489-957E-7E8A228BDFA0}" type="datetime1">
               <a:rPr lang="en-US" smtClean="0"/>
-              <a:t>12/2/2025</a:t>
+              <a:t>12/3/2025</a:t>
             </a:fld>
             <a:endParaRPr lang="en-US"/>
           </a:p>
@@ -3156,7 +6051,7 @@
           <a:p>
             <a:fld id="{C07B66AD-7C08-490A-ADA4-B47E10FB2407}" type="datetime1">
               <a:rPr lang="en-US" smtClean="0"/>
-              <a:t>12/2/2025</a:t>
+              <a:t>12/3/2025</a:t>
             </a:fld>
             <a:endParaRPr lang="en-US"/>
           </a:p>
@@ -3415,7 +6310,7 @@
           <a:p>
             <a:fld id="{05B95027-4255-49E7-9841-CD21BCC99996}" type="datetime1">
               <a:rPr lang="en-US" smtClean="0"/>
-              <a:t>12/2/2025</a:t>
+              <a:t>12/3/2025</a:t>
             </a:fld>
             <a:endParaRPr lang="en-US"/>
           </a:p>
@@ -3656,7 +6551,7 @@
           <a:p>
             <a:fld id="{9F89F774-3FA6-43B8-9241-99959C8FD463}" type="datetime1">
               <a:rPr lang="en-US" smtClean="0"/>
-              <a:t>12/2/2025</a:t>
+              <a:t>12/3/2025</a:t>
             </a:fld>
             <a:endParaRPr lang="en-US"/>
           </a:p>
@@ -3983,7 +6878,7 @@
           <a:p>
             <a:fld id="{F9504452-5DCC-4FE2-A5C9-8A5EF6714D65}" type="datetime1">
               <a:rPr lang="en-US" smtClean="0"/>
-              <a:t>12/2/2025</a:t>
+              <a:t>12/3/2025</a:t>
             </a:fld>
             <a:endParaRPr lang="en-US"/>
           </a:p>
@@ -4293,7 +7188,7 @@
           <a:p>
             <a:fld id="{E579ABC2-0180-4F3A-A895-A85BC724D472}" type="datetime1">
               <a:rPr lang="en-US" smtClean="0"/>
-              <a:t>12/2/2025</a:t>
+              <a:t>12/3/2025</a:t>
             </a:fld>
             <a:endParaRPr lang="en-US"/>
           </a:p>
@@ -4711,7 +7606,7 @@
           <a:p>
             <a:fld id="{6AEEA9BA-4E8F-439E-BEA4-91FBA01E3F5F}" type="datetime1">
               <a:rPr lang="en-US" smtClean="0"/>
-              <a:t>12/2/2025</a:t>
+              <a:t>12/3/2025</a:t>
             </a:fld>
             <a:endParaRPr lang="en-US"/>
           </a:p>
@@ -4853,7 +7748,7 @@
           <a:p>
             <a:fld id="{BE15BF18-0007-481C-AA29-413124BC3EE7}" type="datetime1">
               <a:rPr lang="en-US" smtClean="0"/>
-              <a:t>12/2/2025</a:t>
+              <a:t>12/3/2025</a:t>
             </a:fld>
             <a:endParaRPr lang="en-US"/>
           </a:p>
@@ -5015,7 +7910,7 @@
           <a:p>
             <a:fld id="{09BE9870-3748-43AD-B547-02A075CB4A1D}" type="datetime1">
               <a:rPr lang="en-US" smtClean="0"/>
-              <a:t>12/2/2025</a:t>
+              <a:t>12/3/2025</a:t>
             </a:fld>
             <a:endParaRPr lang="en-US"/>
           </a:p>
@@ -5332,7 +8227,7 @@
           <a:p>
             <a:fld id="{558E7897-33C5-4F1A-9307-D068E37F3DC7}" type="datetime1">
               <a:rPr lang="en-US" smtClean="0"/>
-              <a:t>12/2/2025</a:t>
+              <a:t>12/3/2025</a:t>
             </a:fld>
             <a:endParaRPr lang="en-US"/>
           </a:p>
@@ -5627,7 +8522,7 @@
           <a:p>
             <a:fld id="{82E171BA-CC09-47C8-A6DF-F5C5CB59CEEC}" type="datetime1">
               <a:rPr lang="en-US" smtClean="0"/>
-              <a:t>12/2/2025</a:t>
+              <a:t>12/3/2025</a:t>
             </a:fld>
             <a:endParaRPr lang="en-US"/>
           </a:p>
@@ -5868,7 +8763,7 @@
           <a:p>
             <a:fld id="{7DA38F49-B3E2-4BF0-BEC7-C30D34ABBB8D}" type="datetime1">
               <a:rPr lang="en-US" smtClean="0"/>
-              <a:t>12/2/2025</a:t>
+              <a:t>12/3/2025</a:t>
             </a:fld>
             <a:endParaRPr lang="en-US"/>
           </a:p>
@@ -6984,6 +9879,294 @@
 <file path=ppt/slides/slide10.xml><?xml version="1.0" encoding="utf-8"?>
 <p:sld xmlns:a="http://schemas.openxmlformats.org/drawingml/2006/main" xmlns:r="http://schemas.openxmlformats.org/officeDocument/2006/relationships" xmlns:p="http://schemas.openxmlformats.org/presentationml/2006/main">
   <p:cSld>
+    <p:bg>
+      <p:bgPr>
+        <a:solidFill>
+          <a:schemeClr val="bg1"/>
+        </a:solidFill>
+        <a:effectLst/>
+      </p:bgPr>
+    </p:bg>
+    <p:spTree>
+      <p:nvGrpSpPr>
+        <p:cNvPr id="1" name=""/>
+        <p:cNvGrpSpPr/>
+        <p:nvPr/>
+      </p:nvGrpSpPr>
+      <p:grpSpPr>
+        <a:xfrm>
+          <a:off x="0" y="0"/>
+          <a:ext cx="0" cy="0"/>
+          <a:chOff x="0" y="0"/>
+          <a:chExt cx="0" cy="0"/>
+        </a:xfrm>
+      </p:grpSpPr>
+      <p:sp useBgFill="1">
+        <p:nvSpPr>
+          <p:cNvPr id="13" name="Rectangle 12">
+            <a:extLst>
+              <a:ext uri="{FF2B5EF4-FFF2-40B4-BE49-F238E27FC236}">
+                <a16:creationId xmlns:a16="http://schemas.microsoft.com/office/drawing/2014/main" id="{DBDA151C-5770-45E4-AAFF-59E7F403866D}"/>
+              </a:ext>
+              <a:ext uri="{C183D7F6-B498-43B3-948B-1728B52AA6E4}">
+                <adec:decorative xmlns:adec="http://schemas.microsoft.com/office/drawing/2017/decorative" val="1"/>
+              </a:ext>
+            </a:extLst>
+          </p:cNvPr>
+          <p:cNvSpPr>
+            <a:spLocks noGrp="1" noRot="1" noChangeAspect="1" noMove="1" noResize="1" noEditPoints="1" noAdjustHandles="1" noChangeArrowheads="1" noChangeShapeType="1" noTextEdit="1"/>
+          </p:cNvSpPr>
+          <p:nvPr>
+            <p:extLst>
+              <p:ext uri="{386F3935-93C4-4BCD-93E2-E3B085C9AB24}">
+                <p16:designElem xmlns:p16="http://schemas.microsoft.com/office/powerpoint/2015/main" val="1"/>
+              </p:ext>
+            </p:extLst>
+          </p:nvPr>
+        </p:nvSpPr>
+        <p:spPr>
+          <a:xfrm>
+            <a:off x="0" y="0"/>
+            <a:ext cx="12192000" cy="6858000"/>
+          </a:xfrm>
+          <a:prstGeom prst="rect">
+            <a:avLst/>
+          </a:prstGeom>
+          <a:ln w="12700" cap="flat" cmpd="sng" algn="ctr">
+            <a:noFill/>
+            <a:prstDash val="solid"/>
+            <a:miter lim="800000"/>
+          </a:ln>
+          <a:effectLst/>
+          <a:extLst>
+            <a:ext uri="{91240B29-F687-4F45-9708-019B960494DF}">
+              <a14:hiddenLine xmlns:a14="http://schemas.microsoft.com/office/drawing/2010/main" w="12700" cap="flat" cmpd="sng" algn="ctr">
+                <a:solidFill>
+                  <a:schemeClr val="accent1">
+                    <a:shade val="50000"/>
+                  </a:schemeClr>
+                </a:solidFill>
+                <a:prstDash val="solid"/>
+                <a:miter lim="800000"/>
+              </a14:hiddenLine>
+            </a:ext>
+          </a:extLst>
+        </p:spPr>
+        <p:style>
+          <a:lnRef idx="2">
+            <a:schemeClr val="accent1">
+              <a:shade val="50000"/>
+            </a:schemeClr>
+          </a:lnRef>
+          <a:fillRef idx="1">
+            <a:schemeClr val="accent1"/>
+          </a:fillRef>
+          <a:effectRef idx="0">
+            <a:schemeClr val="accent1"/>
+          </a:effectRef>
+          <a:fontRef idx="minor">
+            <a:schemeClr val="lt1"/>
+          </a:fontRef>
+        </p:style>
+        <p:txBody>
+          <a:bodyPr rtlCol="0" anchor="ctr"/>
+          <a:lstStyle/>
+          <a:p>
+            <a:pPr algn="ctr"/>
+            <a:endParaRPr lang="en-US" dirty="0"/>
+          </a:p>
+        </p:txBody>
+      </p:sp>
+      <p:sp>
+        <p:nvSpPr>
+          <p:cNvPr id="2" name="Title 1">
+            <a:extLst>
+              <a:ext uri="{FF2B5EF4-FFF2-40B4-BE49-F238E27FC236}">
+                <a16:creationId xmlns:a16="http://schemas.microsoft.com/office/drawing/2014/main" id="{D99FDB15-0AA9-DEDB-C1ED-18264E35F707}"/>
+              </a:ext>
+            </a:extLst>
+          </p:cNvPr>
+          <p:cNvSpPr>
+            <a:spLocks noGrp="1"/>
+          </p:cNvSpPr>
+          <p:nvPr>
+            <p:ph type="title"/>
+          </p:nvPr>
+        </p:nvSpPr>
+        <p:spPr>
+          <a:xfrm>
+            <a:off x="672254" y="328865"/>
+            <a:ext cx="10847494" cy="1171069"/>
+          </a:xfrm>
+        </p:spPr>
+        <p:txBody>
+          <a:bodyPr anchor="t">
+            <a:normAutofit/>
+          </a:bodyPr>
+          <a:lstStyle/>
+          <a:p>
+            <a:r>
+              <a:rPr lang="en-GB" dirty="0"/>
+              <a:t>Advantages of Alternate Program Flow</a:t>
+            </a:r>
+            <a:endParaRPr lang="en-IN" dirty="0"/>
+          </a:p>
+        </p:txBody>
+      </p:sp>
+      <p:pic>
+        <p:nvPicPr>
+          <p:cNvPr id="8" name="Picture 7" descr="A diagram of calories in calories&#10;&#10;AI-generated content may be incorrect.">
+            <a:extLst>
+              <a:ext uri="{FF2B5EF4-FFF2-40B4-BE49-F238E27FC236}">
+                <a16:creationId xmlns:a16="http://schemas.microsoft.com/office/drawing/2014/main" id="{AE4CDE92-73EA-AAFF-D021-FE5003C0B7FF}"/>
+              </a:ext>
+            </a:extLst>
+          </p:cNvPr>
+          <p:cNvPicPr>
+            <a:picLocks noChangeAspect="1"/>
+          </p:cNvPicPr>
+          <p:nvPr/>
+        </p:nvPicPr>
+        <p:blipFill>
+          <a:blip r:embed="rId2">
+            <a:extLst>
+              <a:ext uri="{28A0092B-C50C-407E-A947-70E740481C1C}">
+                <a14:useLocalDpi xmlns:a14="http://schemas.microsoft.com/office/drawing/2010/main" val="0"/>
+              </a:ext>
+            </a:extLst>
+          </a:blip>
+          <a:stretch>
+            <a:fillRect/>
+          </a:stretch>
+        </p:blipFill>
+        <p:spPr>
+          <a:xfrm>
+            <a:off x="342710" y="1499934"/>
+            <a:ext cx="6663697" cy="3748329"/>
+          </a:xfrm>
+          <a:prstGeom prst="rect">
+            <a:avLst/>
+          </a:prstGeom>
+        </p:spPr>
+      </p:pic>
+      <p:sp>
+        <p:nvSpPr>
+          <p:cNvPr id="3" name="Content Placeholder 2">
+            <a:extLst>
+              <a:ext uri="{FF2B5EF4-FFF2-40B4-BE49-F238E27FC236}">
+                <a16:creationId xmlns:a16="http://schemas.microsoft.com/office/drawing/2014/main" id="{53E703B5-4B88-0123-8849-08B34853E86B}"/>
+              </a:ext>
+            </a:extLst>
+          </p:cNvPr>
+          <p:cNvSpPr>
+            <a:spLocks noGrp="1"/>
+          </p:cNvSpPr>
+          <p:nvPr>
+            <p:ph idx="1"/>
+          </p:nvPr>
+        </p:nvSpPr>
+        <p:spPr>
+          <a:xfrm>
+            <a:off x="6915149" y="1426869"/>
+            <a:ext cx="5012243" cy="4589878"/>
+          </a:xfrm>
+        </p:spPr>
+        <p:txBody>
+          <a:bodyPr anchor="t">
+            <a:normAutofit/>
+          </a:bodyPr>
+          <a:lstStyle/>
+          <a:p>
+            <a:r>
+              <a:rPr lang="en-GB" dirty="0"/>
+              <a:t>Reduction in LLM calls by a factor of 40%.</a:t>
+            </a:r>
+          </a:p>
+          <a:p>
+            <a:r>
+              <a:rPr lang="en-GB" dirty="0"/>
+              <a:t>Reduces cost and time.</a:t>
+            </a:r>
+          </a:p>
+          <a:p>
+            <a:r>
+              <a:rPr lang="en-GB" dirty="0"/>
+              <a:t>Making an LLM API call takes upwards of 45 seconds, whereas the current Calcite-based deterministic check requires less than 5 seconds.</a:t>
+            </a:r>
+          </a:p>
+          <a:p>
+            <a:r>
+              <a:rPr lang="en-GB" dirty="0"/>
+              <a:t>Lesser tokens are used.</a:t>
+            </a:r>
+            <a:endParaRPr lang="en-IN" dirty="0"/>
+          </a:p>
+        </p:txBody>
+      </p:sp>
+      <p:cxnSp>
+        <p:nvCxnSpPr>
+          <p:cNvPr id="15" name="Straight Connector 14">
+            <a:extLst>
+              <a:ext uri="{FF2B5EF4-FFF2-40B4-BE49-F238E27FC236}">
+                <a16:creationId xmlns:a16="http://schemas.microsoft.com/office/drawing/2014/main" id="{2EA0F4A6-3CC9-C9E2-BA02-58FA29F7DD8E}"/>
+              </a:ext>
+              <a:ext uri="{C183D7F6-B498-43B3-948B-1728B52AA6E4}">
+                <adec:decorative xmlns:adec="http://schemas.microsoft.com/office/drawing/2017/decorative" val="1"/>
+              </a:ext>
+            </a:extLst>
+          </p:cNvPr>
+          <p:cNvCxnSpPr>
+            <a:cxnSpLocks noGrp="1" noRot="1" noChangeAspect="1" noMove="1" noResize="1" noEditPoints="1" noAdjustHandles="1" noChangeArrowheads="1" noChangeShapeType="1"/>
+          </p:cNvCxnSpPr>
+          <p:nvPr>
+            <p:extLst>
+              <p:ext uri="{386F3935-93C4-4BCD-93E2-E3B085C9AB24}">
+                <p16:designElem xmlns:p16="http://schemas.microsoft.com/office/powerpoint/2015/main" val="1"/>
+              </p:ext>
+            </p:extLst>
+          </p:nvPr>
+        </p:nvCxnSpPr>
+        <p:spPr>
+          <a:xfrm>
+            <a:off x="672253" y="6272784"/>
+            <a:ext cx="10847495" cy="0"/>
+          </a:xfrm>
+          <a:prstGeom prst="line">
+            <a:avLst/>
+          </a:prstGeom>
+          <a:ln w="76200"/>
+        </p:spPr>
+        <p:style>
+          <a:lnRef idx="1">
+            <a:schemeClr val="accent1"/>
+          </a:lnRef>
+          <a:fillRef idx="0">
+            <a:schemeClr val="accent1"/>
+          </a:fillRef>
+          <a:effectRef idx="0">
+            <a:schemeClr val="accent1"/>
+          </a:effectRef>
+          <a:fontRef idx="minor">
+            <a:schemeClr val="tx1"/>
+          </a:fontRef>
+        </p:style>
+      </p:cxnSp>
+    </p:spTree>
+    <p:extLst>
+      <p:ext uri="{BB962C8B-B14F-4D97-AF65-F5344CB8AC3E}">
+        <p14:creationId xmlns:p14="http://schemas.microsoft.com/office/powerpoint/2010/main" val="4007177300"/>
+      </p:ext>
+    </p:extLst>
+  </p:cSld>
+  <p:clrMapOvr>
+    <a:masterClrMapping/>
+  </p:clrMapOvr>
+</p:sld>
+</file>
+
+<file path=ppt/slides/slide11.xml><?xml version="1.0" encoding="utf-8"?>
+<p:sld xmlns:a="http://schemas.openxmlformats.org/drawingml/2006/main" xmlns:r="http://schemas.openxmlformats.org/officeDocument/2006/relationships" xmlns:p="http://schemas.openxmlformats.org/presentationml/2006/main">
+  <p:cSld>
     <p:spTree>
       <p:nvGrpSpPr>
         <p:cNvPr id="1" name=""/>
@@ -7016,12 +10199,14 @@
         </p:nvSpPr>
         <p:spPr>
           <a:xfrm>
-            <a:off x="650535" y="319550"/>
-            <a:ext cx="10890929" cy="1097280"/>
+            <a:off x="650535" y="190142"/>
+            <a:ext cx="10890929" cy="939753"/>
           </a:xfrm>
         </p:spPr>
         <p:txBody>
-          <a:bodyPr/>
+          <a:bodyPr>
+            <a:normAutofit/>
+          </a:bodyPr>
           <a:lstStyle/>
           <a:p>
             <a:r>
@@ -7034,10 +10219,10 @@
       </p:sp>
       <p:sp>
         <p:nvSpPr>
-          <p:cNvPr id="3" name="Content Placeholder 2">
+          <p:cNvPr id="5" name="Text Placeholder 4">
             <a:extLst>
               <a:ext uri="{FF2B5EF4-FFF2-40B4-BE49-F238E27FC236}">
-                <a16:creationId xmlns:a16="http://schemas.microsoft.com/office/drawing/2014/main" id="{E028DC57-079B-D61D-0B5F-51DA82987939}"/>
+                <a16:creationId xmlns:a16="http://schemas.microsoft.com/office/drawing/2014/main" id="{C2C4C15E-7911-0BCE-44A6-FBDEA0A98450}"/>
               </a:ext>
             </a:extLst>
           </p:cNvPr>
@@ -7045,19 +10230,153 @@
             <a:spLocks noGrp="1"/>
           </p:cNvSpPr>
           <p:nvPr>
-            <p:ph idx="1"/>
+            <p:ph type="body" idx="1"/>
           </p:nvPr>
         </p:nvSpPr>
         <p:spPr>
           <a:xfrm>
-            <a:off x="640080" y="1238865"/>
-            <a:ext cx="10890928" cy="4960767"/>
+            <a:off x="650535" y="1337959"/>
+            <a:ext cx="5212080" cy="695373"/>
           </a:xfrm>
         </p:spPr>
         <p:txBody>
-          <a:bodyPr/>
+          <a:bodyPr>
+            <a:normAutofit lnSpcReduction="10000"/>
+          </a:bodyPr>
           <a:lstStyle/>
           <a:p>
+            <a:r>
+              <a:rPr lang="en-GB" dirty="0"/>
+              <a:t>Investigation into Transformations</a:t>
+            </a:r>
+            <a:endParaRPr lang="en-IN" dirty="0"/>
+          </a:p>
+        </p:txBody>
+      </p:sp>
+      <p:graphicFrame>
+        <p:nvGraphicFramePr>
+          <p:cNvPr id="11" name="Content Placeholder 2">
+            <a:extLst>
+              <a:ext uri="{FF2B5EF4-FFF2-40B4-BE49-F238E27FC236}">
+                <a16:creationId xmlns:a16="http://schemas.microsoft.com/office/drawing/2014/main" id="{4E28B060-D2AC-4A54-CC64-09D010A11817}"/>
+              </a:ext>
+            </a:extLst>
+          </p:cNvPr>
+          <p:cNvGraphicFramePr>
+            <a:graphicFrameLocks noGrp="1"/>
+          </p:cNvGraphicFramePr>
+          <p:nvPr>
+            <p:ph sz="half" idx="2"/>
+          </p:nvPr>
+        </p:nvGraphicFramePr>
+        <p:xfrm>
+          <a:off x="650535" y="2033332"/>
+          <a:ext cx="5212080" cy="4534616"/>
+        </p:xfrm>
+        <a:graphic>
+          <a:graphicData uri="http://schemas.openxmlformats.org/drawingml/2006/diagram">
+            <dgm:relIds xmlns:dgm="http://schemas.openxmlformats.org/drawingml/2006/diagram" xmlns:r="http://schemas.openxmlformats.org/officeDocument/2006/relationships" r:dm="rId2" r:lo="rId3" r:qs="rId4" r:cs="rId5"/>
+          </a:graphicData>
+        </a:graphic>
+      </p:graphicFrame>
+      <p:sp>
+        <p:nvSpPr>
+          <p:cNvPr id="6" name="Text Placeholder 5">
+            <a:extLst>
+              <a:ext uri="{FF2B5EF4-FFF2-40B4-BE49-F238E27FC236}">
+                <a16:creationId xmlns:a16="http://schemas.microsoft.com/office/drawing/2014/main" id="{7747FF72-C93D-0234-13B5-B8CDB796FB2A}"/>
+              </a:ext>
+            </a:extLst>
+          </p:cNvPr>
+          <p:cNvSpPr>
+            <a:spLocks noGrp="1"/>
+          </p:cNvSpPr>
+          <p:nvPr>
+            <p:ph type="body" sz="quarter" idx="3"/>
+          </p:nvPr>
+        </p:nvSpPr>
+        <p:spPr>
+          <a:xfrm>
+            <a:off x="6329384" y="1337959"/>
+            <a:ext cx="5212080" cy="695373"/>
+          </a:xfrm>
+        </p:spPr>
+        <p:txBody>
+          <a:bodyPr>
+            <a:normAutofit lnSpcReduction="10000"/>
+          </a:bodyPr>
+          <a:lstStyle/>
+          <a:p>
+            <a:r>
+              <a:rPr lang="en-GB" dirty="0"/>
+              <a:t>Integration of better deterministic methods</a:t>
+            </a:r>
+            <a:endParaRPr lang="en-IN" dirty="0"/>
+          </a:p>
+        </p:txBody>
+      </p:sp>
+      <p:sp>
+        <p:nvSpPr>
+          <p:cNvPr id="7" name="Content Placeholder 6">
+            <a:extLst>
+              <a:ext uri="{FF2B5EF4-FFF2-40B4-BE49-F238E27FC236}">
+                <a16:creationId xmlns:a16="http://schemas.microsoft.com/office/drawing/2014/main" id="{88DD05B1-ED0B-2B18-C0F9-3FE5909D2E43}"/>
+              </a:ext>
+            </a:extLst>
+          </p:cNvPr>
+          <p:cNvSpPr>
+            <a:spLocks noGrp="1"/>
+          </p:cNvSpPr>
+          <p:nvPr>
+            <p:ph sz="quarter" idx="4"/>
+          </p:nvPr>
+        </p:nvSpPr>
+        <p:spPr>
+          <a:xfrm>
+            <a:off x="6329384" y="2033332"/>
+            <a:ext cx="5212080" cy="4377300"/>
+          </a:xfrm>
+        </p:spPr>
+        <p:txBody>
+          <a:bodyPr>
+            <a:normAutofit fontScale="92500" lnSpcReduction="20000"/>
+          </a:bodyPr>
+          <a:lstStyle/>
+          <a:p>
+            <a:r>
+              <a:rPr lang="en-US" dirty="0"/>
+              <a:t>As of right now, we are depending on a heuristic-based system built upon Apache Calcite to deterministically check for query equivalence. </a:t>
+            </a:r>
+          </a:p>
+          <a:p>
+            <a:r>
+              <a:rPr lang="en-US" dirty="0"/>
+              <a:t>Where exist more sophisticated tools, such as </a:t>
+            </a:r>
+            <a:r>
+              <a:rPr lang="en-US" dirty="0" err="1"/>
+              <a:t>SQLSolver</a:t>
+            </a:r>
+            <a:r>
+              <a:rPr lang="en-US" dirty="0"/>
+              <a:t> that can deterministically equate a wider variety of queries.</a:t>
+            </a:r>
+          </a:p>
+          <a:p>
+            <a:r>
+              <a:rPr lang="en-US" dirty="0"/>
+              <a:t>This reduces our dependence on LLMs and makes the program more deterministic (save on cost &amp; time).</a:t>
+            </a:r>
+          </a:p>
+          <a:p>
+            <a:r>
+              <a:rPr lang="en-US" dirty="0" err="1"/>
+              <a:t>SQLSolver</a:t>
+            </a:r>
+            <a:r>
+              <a:rPr lang="en-US" dirty="0"/>
+              <a:t> is unable to equate several kinds of queries, where LLMs shall come in to fill the gap. :</a:t>
+            </a:r>
             <a:endParaRPr lang="en-IN" dirty="0"/>
           </a:p>
         </p:txBody>
@@ -9028,8 +12347,8 @@
         </p:nvSpPr>
         <p:spPr>
           <a:xfrm>
-            <a:off x="1692095" y="235974"/>
-            <a:ext cx="4185751" cy="1905401"/>
+            <a:off x="1692095" y="235975"/>
+            <a:ext cx="4185751" cy="844964"/>
           </a:xfrm>
         </p:spPr>
         <p:txBody>
@@ -9040,7 +12359,7 @@
           <a:p>
             <a:r>
               <a:rPr lang="en-US" sz="3700" dirty="0"/>
-              <a:t>Step 1: Extracting query plans from PostgreSQL</a:t>
+              <a:t>PostgreSQL</a:t>
             </a:r>
             <a:endParaRPr lang="en-IN" sz="3700" dirty="0"/>
           </a:p>
@@ -9126,22 +12445,22 @@
       </p:graphicFrame>
       <p:sp>
         <p:nvSpPr>
-          <p:cNvPr id="13" name="Title 1">
+          <p:cNvPr id="4" name="Title 1">
             <a:extLst>
               <a:ext uri="{FF2B5EF4-FFF2-40B4-BE49-F238E27FC236}">
-                <a16:creationId xmlns:a16="http://schemas.microsoft.com/office/drawing/2014/main" id="{FF82CAD1-AD69-CFCC-6520-7D6E95E3E895}"/>
+                <a16:creationId xmlns:a16="http://schemas.microsoft.com/office/drawing/2014/main" id="{6D4648E5-E067-6DF6-C4BE-37200D24A4F9}"/>
               </a:ext>
             </a:extLst>
           </p:cNvPr>
-          <p:cNvSpPr>
-            <a:spLocks noGrp="1"/>
+          <p:cNvSpPr txBox="1">
+            <a:spLocks/>
           </p:cNvSpPr>
           <p:nvPr/>
         </p:nvSpPr>
         <p:spPr>
           <a:xfrm>
-            <a:off x="334171" y="2753191"/>
-            <a:ext cx="4683323" cy="1097280"/>
+            <a:off x="454099" y="2186819"/>
+            <a:ext cx="10847494" cy="844964"/>
           </a:xfrm>
           <a:prstGeom prst="rect">
             <a:avLst/>
@@ -9149,10 +12468,13 @@
         </p:spPr>
         <p:txBody>
           <a:bodyPr vert="horz" lIns="91440" tIns="45720" rIns="91440" bIns="45720" rtlCol="0" anchor="t">
-            <a:normAutofit fontScale="92500" lnSpcReduction="20000"/>
+            <a:normAutofit/>
           </a:bodyPr>
           <a:lstStyle>
-            <a:lvl1pPr algn="l" defTabSz="914400" rtl="0" eaLnBrk="1" latinLnBrk="0" hangingPunct="1">
+            <a:defPPr>
+              <a:defRPr lang="en-US"/>
+            </a:defPPr>
+            <a:lvl1pPr marL="0" algn="l" defTabSz="914400" rtl="0" eaLnBrk="1" latinLnBrk="0" hangingPunct="1">
               <a:lnSpc>
                 <a:spcPct val="100000"/>
               </a:lnSpc>
@@ -9169,73 +12491,7 @@
                 <a:cs typeface="+mj-cs"/>
               </a:defRPr>
             </a:lvl1pPr>
-          </a:lstStyle>
-          <a:p>
-            <a:r>
-              <a:rPr lang="en-US" dirty="0"/>
-              <a:t>Step 2: Prompt Engineering</a:t>
-            </a:r>
-            <a:endParaRPr lang="en-IN" dirty="0"/>
-          </a:p>
-        </p:txBody>
-      </p:sp>
-      <p:sp>
-        <p:nvSpPr>
-          <p:cNvPr id="14" name="Content Placeholder 2">
-            <a:extLst>
-              <a:ext uri="{FF2B5EF4-FFF2-40B4-BE49-F238E27FC236}">
-                <a16:creationId xmlns:a16="http://schemas.microsoft.com/office/drawing/2014/main" id="{E5C97AC4-C5E7-977F-C895-E8AD9238A815}"/>
-              </a:ext>
-            </a:extLst>
-          </p:cNvPr>
-          <p:cNvSpPr>
-            <a:spLocks noGrp="1"/>
-          </p:cNvSpPr>
-          <p:nvPr/>
-        </p:nvSpPr>
-        <p:spPr>
-          <a:xfrm>
-            <a:off x="261598" y="4462288"/>
-            <a:ext cx="4755896" cy="2167057"/>
-          </a:xfrm>
-          <a:prstGeom prst="rect">
-            <a:avLst/>
-          </a:prstGeom>
-        </p:spPr>
-        <p:txBody>
-          <a:bodyPr vert="horz" lIns="91440" tIns="45720" rIns="91440" bIns="45720" rtlCol="0">
-            <a:normAutofit fontScale="85000" lnSpcReduction="10000"/>
-          </a:bodyPr>
-          <a:lstStyle>
-            <a:lvl1pPr marL="228600" indent="-228600" algn="l" defTabSz="914400" rtl="0" eaLnBrk="1" latinLnBrk="0" hangingPunct="1">
-              <a:lnSpc>
-                <a:spcPct val="120000"/>
-              </a:lnSpc>
-              <a:spcBef>
-                <a:spcPts val="1000"/>
-              </a:spcBef>
-              <a:buSzPct val="87000"/>
-              <a:buFont typeface="Arial" panose="020B0604020202020204" pitchFamily="34" charset="0"/>
-              <a:buChar char="•"/>
-              <a:defRPr sz="2000" kern="1200">
-                <a:solidFill>
-                  <a:schemeClr val="tx1"/>
-                </a:solidFill>
-                <a:latin typeface="+mn-lt"/>
-                <a:ea typeface="+mn-ea"/>
-                <a:cs typeface="+mn-cs"/>
-              </a:defRPr>
-            </a:lvl1pPr>
-            <a:lvl2pPr marL="493776" indent="-228600" algn="l" defTabSz="914400" rtl="0" eaLnBrk="1" latinLnBrk="0" hangingPunct="1">
-              <a:lnSpc>
-                <a:spcPct val="120000"/>
-              </a:lnSpc>
-              <a:spcBef>
-                <a:spcPts val="500"/>
-              </a:spcBef>
-              <a:buSzPct val="87000"/>
-              <a:buFont typeface="Arial" panose="020B0604020202020204" pitchFamily="34" charset="0"/>
-              <a:buChar char="•"/>
+            <a:lvl2pPr marL="457200" algn="l" defTabSz="457200" rtl="0" eaLnBrk="1" latinLnBrk="0" hangingPunct="1">
               <a:defRPr sz="1800" kern="1200">
                 <a:solidFill>
                   <a:schemeClr val="tx1"/>
@@ -9245,17 +12501,8 @@
                 <a:cs typeface="+mn-cs"/>
               </a:defRPr>
             </a:lvl2pPr>
-            <a:lvl3pPr marL="731520" indent="-228600" algn="l" defTabSz="914400" rtl="0" eaLnBrk="1" latinLnBrk="0" hangingPunct="1">
-              <a:lnSpc>
-                <a:spcPct val="120000"/>
-              </a:lnSpc>
-              <a:spcBef>
-                <a:spcPts val="500"/>
-              </a:spcBef>
-              <a:buSzPct val="87000"/>
-              <a:buFont typeface="Arial" panose="020B0604020202020204" pitchFamily="34" charset="0"/>
-              <a:buChar char="•"/>
-              <a:defRPr sz="1600" kern="1200">
+            <a:lvl3pPr marL="914400" algn="l" defTabSz="457200" rtl="0" eaLnBrk="1" latinLnBrk="0" hangingPunct="1">
+              <a:defRPr sz="1800" kern="1200">
                 <a:solidFill>
                   <a:schemeClr val="tx1"/>
                 </a:solidFill>
@@ -9264,17 +12511,8 @@
                 <a:cs typeface="+mn-cs"/>
               </a:defRPr>
             </a:lvl3pPr>
-            <a:lvl4pPr marL="1051560" indent="-285750" algn="l" defTabSz="914400" rtl="0" eaLnBrk="1" latinLnBrk="0" hangingPunct="1">
-              <a:lnSpc>
-                <a:spcPct val="120000"/>
-              </a:lnSpc>
-              <a:spcBef>
-                <a:spcPts val="500"/>
-              </a:spcBef>
-              <a:buSzPct val="87000"/>
-              <a:buFont typeface="Arial" panose="020B0604020202020204" pitchFamily="34" charset="0"/>
-              <a:buChar char="•"/>
-              <a:defRPr sz="1400" kern="1200">
+            <a:lvl4pPr marL="1371600" algn="l" defTabSz="457200" rtl="0" eaLnBrk="1" latinLnBrk="0" hangingPunct="1">
+              <a:defRPr sz="1800" kern="1200">
                 <a:solidFill>
                   <a:schemeClr val="tx1"/>
                 </a:solidFill>
@@ -9283,17 +12521,8 @@
                 <a:cs typeface="+mn-cs"/>
               </a:defRPr>
             </a:lvl4pPr>
-            <a:lvl5pPr marL="1298448" indent="-228600" algn="l" defTabSz="914400" rtl="0" eaLnBrk="1" latinLnBrk="0" hangingPunct="1">
-              <a:lnSpc>
-                <a:spcPct val="120000"/>
-              </a:lnSpc>
-              <a:spcBef>
-                <a:spcPts val="500"/>
-              </a:spcBef>
-              <a:buSzPct val="87000"/>
-              <a:buFont typeface="Arial" panose="020B0604020202020204" pitchFamily="34" charset="0"/>
-              <a:buChar char="•"/>
-              <a:defRPr sz="1400" kern="1200">
+            <a:lvl5pPr marL="1828800" algn="l" defTabSz="457200" rtl="0" eaLnBrk="1" latinLnBrk="0" hangingPunct="1">
+              <a:defRPr sz="1800" kern="1200">
                 <a:solidFill>
                   <a:schemeClr val="tx1"/>
                 </a:solidFill>
@@ -9302,15 +12531,7 @@
                 <a:cs typeface="+mn-cs"/>
               </a:defRPr>
             </a:lvl5pPr>
-            <a:lvl6pPr marL="2514600" indent="-228600" algn="l" defTabSz="914400" rtl="0" eaLnBrk="1" latinLnBrk="0" hangingPunct="1">
-              <a:lnSpc>
-                <a:spcPct val="90000"/>
-              </a:lnSpc>
-              <a:spcBef>
-                <a:spcPts val="500"/>
-              </a:spcBef>
-              <a:buFont typeface="Arial" panose="020B0604020202020204" pitchFamily="34" charset="0"/>
-              <a:buChar char="•"/>
+            <a:lvl6pPr marL="2286000" algn="l" defTabSz="457200" rtl="0" eaLnBrk="1" latinLnBrk="0" hangingPunct="1">
               <a:defRPr sz="1800" kern="1200">
                 <a:solidFill>
                   <a:schemeClr val="tx1"/>
@@ -9320,15 +12541,7 @@
                 <a:cs typeface="+mn-cs"/>
               </a:defRPr>
             </a:lvl6pPr>
-            <a:lvl7pPr marL="2971800" indent="-228600" algn="l" defTabSz="914400" rtl="0" eaLnBrk="1" latinLnBrk="0" hangingPunct="1">
-              <a:lnSpc>
-                <a:spcPct val="90000"/>
-              </a:lnSpc>
-              <a:spcBef>
-                <a:spcPts val="500"/>
-              </a:spcBef>
-              <a:buFont typeface="Arial" panose="020B0604020202020204" pitchFamily="34" charset="0"/>
-              <a:buChar char="•"/>
+            <a:lvl7pPr marL="2743200" algn="l" defTabSz="457200" rtl="0" eaLnBrk="1" latinLnBrk="0" hangingPunct="1">
               <a:defRPr sz="1800" kern="1200">
                 <a:solidFill>
                   <a:schemeClr val="tx1"/>
@@ -9338,15 +12551,7 @@
                 <a:cs typeface="+mn-cs"/>
               </a:defRPr>
             </a:lvl7pPr>
-            <a:lvl8pPr marL="3429000" indent="-228600" algn="l" defTabSz="914400" rtl="0" eaLnBrk="1" latinLnBrk="0" hangingPunct="1">
-              <a:lnSpc>
-                <a:spcPct val="90000"/>
-              </a:lnSpc>
-              <a:spcBef>
-                <a:spcPts val="500"/>
-              </a:spcBef>
-              <a:buFont typeface="Arial" panose="020B0604020202020204" pitchFamily="34" charset="0"/>
-              <a:buChar char="•"/>
+            <a:lvl8pPr marL="3200400" algn="l" defTabSz="457200" rtl="0" eaLnBrk="1" latinLnBrk="0" hangingPunct="1">
               <a:defRPr sz="1800" kern="1200">
                 <a:solidFill>
                   <a:schemeClr val="tx1"/>
@@ -9356,15 +12561,7 @@
                 <a:cs typeface="+mn-cs"/>
               </a:defRPr>
             </a:lvl8pPr>
-            <a:lvl9pPr marL="3886200" indent="-228600" algn="l" defTabSz="914400" rtl="0" eaLnBrk="1" latinLnBrk="0" hangingPunct="1">
-              <a:lnSpc>
-                <a:spcPct val="90000"/>
-              </a:lnSpc>
-              <a:spcBef>
-                <a:spcPts val="500"/>
-              </a:spcBef>
-              <a:buFont typeface="Arial" panose="020B0604020202020204" pitchFamily="34" charset="0"/>
-              <a:buChar char="•"/>
+            <a:lvl9pPr marL="3657600" algn="l" defTabSz="457200" rtl="0" eaLnBrk="1" latinLnBrk="0" hangingPunct="1">
               <a:defRPr sz="1800" kern="1200">
                 <a:solidFill>
                   <a:schemeClr val="tx1"/>
@@ -9376,45 +12573,71 @@
             </a:lvl9pPr>
           </a:lstStyle>
           <a:p>
+            <a:pPr>
+              <a:spcAft>
+                <a:spcPts val="600"/>
+              </a:spcAft>
+            </a:pPr>
             <a:r>
               <a:rPr lang="en-US" dirty="0"/>
-              <a:t>We need the LLM to output only two things:</a:t>
+              <a:t>Apache Calcite</a:t>
             </a:r>
-          </a:p>
-          <a:p>
-            <a:pPr lvl="1"/>
-            <a:r>
-              <a:rPr lang="en-IN" dirty="0"/>
-              <a:t>Whether the query plans are equal</a:t>
-            </a:r>
-          </a:p>
-          <a:p>
-            <a:pPr lvl="1"/>
-            <a:r>
-              <a:rPr lang="en-IN" dirty="0"/>
-              <a:t>If they are equivalent, what are the transformations that map from plan A to plan B.</a:t>
-            </a:r>
-          </a:p>
-          <a:p>
-            <a:r>
-              <a:rPr lang="en-IN" dirty="0"/>
-              <a:t>After plenty of trials, we have found that the following prompt achieves the best results:</a:t>
-            </a:r>
-          </a:p>
-          <a:p>
-            <a:pPr marL="0" indent="0">
-              <a:buNone/>
-            </a:pPr>
-            <a:endParaRPr lang="en-IN" dirty="0"/>
           </a:p>
         </p:txBody>
       </p:sp>
+      <p:pic>
+        <p:nvPicPr>
+          <p:cNvPr id="5" name="Picture 4" descr="Apache calcite : How to produced physical(Optimised) tree ...">
+            <a:extLst>
+              <a:ext uri="{FF2B5EF4-FFF2-40B4-BE49-F238E27FC236}">
+                <a16:creationId xmlns:a16="http://schemas.microsoft.com/office/drawing/2014/main" id="{6B7F9AB3-0B46-0CC9-BEDE-A91C5AD2A941}"/>
+              </a:ext>
+            </a:extLst>
+          </p:cNvPr>
+          <p:cNvPicPr>
+            <a:picLocks noChangeAspect="1" noChangeArrowheads="1"/>
+          </p:cNvPicPr>
+          <p:nvPr/>
+        </p:nvPicPr>
+        <p:blipFill rotWithShape="1">
+          <a:blip r:embed="rId8">
+            <a:extLst>
+              <a:ext uri="{28A0092B-C50C-407E-A947-70E740481C1C}">
+                <a14:useLocalDpi xmlns:a14="http://schemas.microsoft.com/office/drawing/2010/main" val="0"/>
+              </a:ext>
+            </a:extLst>
+          </a:blip>
+          <a:srcRect r="82467"/>
+          <a:stretch>
+            <a:fillRect/>
+          </a:stretch>
+        </p:blipFill>
+        <p:spPr bwMode="auto">
+          <a:xfrm>
+            <a:off x="527228" y="3077227"/>
+            <a:ext cx="769598" cy="1042489"/>
+          </a:xfrm>
+          <a:prstGeom prst="rect">
+            <a:avLst/>
+          </a:prstGeom>
+          <a:noFill/>
+          <a:extLst>
+            <a:ext uri="{909E8E84-426E-40DD-AFC4-6F175D3DCCD1}">
+              <a14:hiddenFill xmlns:a14="http://schemas.microsoft.com/office/drawing/2010/main">
+                <a:solidFill>
+                  <a:srgbClr val="FFFFFF"/>
+                </a:solidFill>
+              </a14:hiddenFill>
+            </a:ext>
+          </a:extLst>
+        </p:spPr>
+      </p:pic>
       <p:sp>
         <p:nvSpPr>
-          <p:cNvPr id="16" name="Content Placeholder 2">
+          <p:cNvPr id="6" name="Content Placeholder 2">
             <a:extLst>
               <a:ext uri="{FF2B5EF4-FFF2-40B4-BE49-F238E27FC236}">
-                <a16:creationId xmlns:a16="http://schemas.microsoft.com/office/drawing/2014/main" id="{8B7E8608-2568-D853-9CBD-D04F72D2940A}"/>
+                <a16:creationId xmlns:a16="http://schemas.microsoft.com/office/drawing/2014/main" id="{A5682E46-4721-AA94-006C-5776E918540A}"/>
               </a:ext>
             </a:extLst>
           </p:cNvPr>
@@ -9425,15 +12648,15 @@
         </p:nvSpPr>
         <p:spPr>
           <a:xfrm>
-            <a:off x="5246305" y="2512142"/>
-            <a:ext cx="6728402" cy="4109884"/>
+            <a:off x="1692095" y="3031783"/>
+            <a:ext cx="10499905" cy="3429744"/>
           </a:xfrm>
           <a:prstGeom prst="rect">
             <a:avLst/>
           </a:prstGeom>
         </p:spPr>
         <p:txBody>
-          <a:bodyPr vert="horz" lIns="91440" tIns="45720" rIns="91440" bIns="45720" rtlCol="0">
+          <a:bodyPr vert="horz" lIns="91440" tIns="45720" rIns="91440" bIns="45720" rtlCol="0" anchor="t">
             <a:noAutofit/>
           </a:bodyPr>
           <a:lstStyle>
@@ -9609,105 +12832,58 @@
             </a:lvl9pPr>
           </a:lstStyle>
           <a:p>
-            <a:pPr marL="0" indent="0">
-              <a:buNone/>
+            <a:pPr>
+              <a:lnSpc>
+                <a:spcPct val="110000"/>
+              </a:lnSpc>
             </a:pPr>
             <a:r>
-              <a:rPr lang="en-US" sz="1600" b="1" i="1" dirty="0">
-                <a:solidFill>
-                  <a:schemeClr val="accent1">
-                    <a:lumMod val="75000"/>
-                  </a:schemeClr>
-                </a:solidFill>
+              <a:rPr lang="en-US" dirty="0"/>
+              <a:t>Apache Calcite is an open-source framework for building databases and data management systems. It includes a SQL parser, an API for building expressions in relational algebra, and a query planning engine.</a:t>
+            </a:r>
+          </a:p>
+          <a:p>
+            <a:pPr>
+              <a:lnSpc>
+                <a:spcPct val="110000"/>
+              </a:lnSpc>
+            </a:pPr>
+            <a:r>
+              <a:rPr lang="en-US" dirty="0"/>
+              <a:t>We use Apache Calcite to check the LLM’s answers</a:t>
+            </a:r>
+          </a:p>
+          <a:p>
+            <a:pPr>
+              <a:lnSpc>
+                <a:spcPct val="110000"/>
+              </a:lnSpc>
+            </a:pPr>
+            <a:r>
+              <a:rPr lang="en-US" dirty="0"/>
+              <a:t>We can now compare two query plans with/without any transformations.</a:t>
+            </a:r>
+          </a:p>
+          <a:p>
+            <a:pPr>
+              <a:lnSpc>
+                <a:spcPct val="110000"/>
+              </a:lnSpc>
+            </a:pPr>
+            <a:r>
+              <a:rPr lang="en-US" dirty="0"/>
+              <a:t>However, Calcite tends to be quite unstable. Several transformations and functions cause the program to crash (due to a </a:t>
+            </a:r>
+            <a:r>
+              <a:rPr lang="en-US" dirty="0" err="1">
                 <a:latin typeface="Courier New" panose="02070309020205020404" pitchFamily="49" charset="0"/>
                 <a:cs typeface="Courier New" panose="02070309020205020404" pitchFamily="49" charset="0"/>
               </a:rPr>
-              <a:t>Given ORIGINAL_PLAN and TARGET_PLAN (both in simplified JSON plan format, see "Plan Format" below), determine whether the two plans are equivalent by producing a sequence of Apache Calcite transformations (from SUPPORTED_TRANSFORMATIONS) that maps ORIGINAL_PLAN -&gt; TARGET_PLAN.</a:t>
+              <a:t>RuntimeException</a:t>
             </a:r>
-          </a:p>
-          <a:p>
-            <a:pPr marL="0" indent="0">
-              <a:buNone/>
-            </a:pPr>
             <a:r>
-              <a:rPr lang="en-US" sz="1600" b="1" i="1" dirty="0">
-                <a:solidFill>
-                  <a:schemeClr val="accent1">
-                    <a:lumMod val="75000"/>
-                  </a:schemeClr>
-                </a:solidFill>
-                <a:latin typeface="Courier New" panose="02070309020205020404" pitchFamily="49" charset="0"/>
-                <a:cs typeface="Courier New" panose="02070309020205020404" pitchFamily="49" charset="0"/>
-              </a:rPr>
-              <a:t>&lt;Response rules (omitted)&gt;</a:t>
-            </a:r>
-          </a:p>
-          <a:p>
-            <a:pPr marL="0" indent="0">
-              <a:buNone/>
-            </a:pPr>
-            <a:r>
-              <a:rPr lang="en-US" sz="1600" b="1" i="1" dirty="0">
-                <a:solidFill>
-                  <a:schemeClr val="accent1">
-                    <a:lumMod val="75000"/>
-                  </a:schemeClr>
-                </a:solidFill>
-                <a:latin typeface="Courier New" panose="02070309020205020404" pitchFamily="49" charset="0"/>
-                <a:cs typeface="Courier New" panose="02070309020205020404" pitchFamily="49" charset="0"/>
-              </a:rPr>
-              <a:t>&lt;Plan format (omitted)&gt;</a:t>
-            </a:r>
-          </a:p>
-          <a:p>
-            <a:pPr marL="0" indent="0">
-              <a:buNone/>
-            </a:pPr>
-            <a:r>
-              <a:rPr lang="en-US" sz="1600" b="1" i="1" dirty="0">
-                <a:solidFill>
-                  <a:schemeClr val="accent1">
-                    <a:lumMod val="75000"/>
-                  </a:schemeClr>
-                </a:solidFill>
-                <a:latin typeface="Courier New" panose="02070309020205020404" pitchFamily="49" charset="0"/>
-                <a:cs typeface="Courier New" panose="02070309020205020404" pitchFamily="49" charset="0"/>
-              </a:rPr>
-              <a:t>&lt;Supported transformations (omitted)&gt;</a:t>
-            </a:r>
-          </a:p>
-          <a:p>
-            <a:pPr marL="0" indent="0">
-              <a:buNone/>
-            </a:pPr>
-            <a:r>
-              <a:rPr lang="en-US" sz="1600" b="1" i="1" dirty="0">
-                <a:solidFill>
-                  <a:schemeClr val="accent1">
-                    <a:lumMod val="75000"/>
-                  </a:schemeClr>
-                </a:solidFill>
-                <a:latin typeface="Courier New" panose="02070309020205020404" pitchFamily="49" charset="0"/>
-                <a:cs typeface="Courier New" panose="02070309020205020404" pitchFamily="49" charset="0"/>
-              </a:rPr>
-              <a:t>&lt;Schema for context (omitted)&gt;</a:t>
-            </a:r>
-          </a:p>
-          <a:p>
-            <a:pPr marL="0" indent="0">
-              <a:buNone/>
-            </a:pPr>
-            <a:r>
-              <a:rPr lang="en-US" sz="1600" b="1" i="1" dirty="0">
-                <a:solidFill>
-                  <a:schemeClr val="accent1">
-                    <a:lumMod val="75000"/>
-                  </a:schemeClr>
-                </a:solidFill>
-                <a:latin typeface="Courier New" panose="02070309020205020404" pitchFamily="49" charset="0"/>
-                <a:cs typeface="Courier New" panose="02070309020205020404" pitchFamily="49" charset="0"/>
-              </a:rPr>
-              <a:t>&lt;Example of input &amp; output (omitted)&gt;</a:t>
+              <a:rPr lang="en-US" dirty="0"/>
+              <a:t> or stack overflow)</a:t>
             </a:r>
           </a:p>
         </p:txBody>
@@ -10019,7 +13195,7 @@
                                           </p:stCondLst>
                                         </p:cTn>
                                         <p:tgtEl>
-                                          <p:spTgt spid="13"/>
+                                          <p:spTgt spid="4"/>
                                         </p:tgtEl>
                                         <p:attrNameLst>
                                           <p:attrName>style.visibility</p:attrName>
@@ -10033,7 +13209,7 @@
                                       <p:cBhvr additive="base">
                                         <p:cTn id="24" dur="500" fill="hold"/>
                                         <p:tgtEl>
-                                          <p:spTgt spid="13"/>
+                                          <p:spTgt spid="4"/>
                                         </p:tgtEl>
                                         <p:attrNameLst>
                                           <p:attrName>ppt_x</p:attrName>
@@ -10056,7 +13232,80 @@
                                       <p:cBhvr additive="base">
                                         <p:cTn id="25" dur="500" fill="hold"/>
                                         <p:tgtEl>
-                                          <p:spTgt spid="13"/>
+                                          <p:spTgt spid="4"/>
+                                        </p:tgtEl>
+                                        <p:attrNameLst>
+                                          <p:attrName>ppt_y</p:attrName>
+                                        </p:attrNameLst>
+                                      </p:cBhvr>
+                                      <p:tavLst>
+                                        <p:tav tm="0">
+                                          <p:val>
+                                            <p:strVal val="1+#ppt_h/2"/>
+                                          </p:val>
+                                        </p:tav>
+                                        <p:tav tm="100000">
+                                          <p:val>
+                                            <p:strVal val="#ppt_y"/>
+                                          </p:val>
+                                        </p:tav>
+                                      </p:tavLst>
+                                    </p:anim>
+                                  </p:childTnLst>
+                                </p:cTn>
+                              </p:par>
+                              <p:par>
+                                <p:cTn id="26" presetID="2" presetClass="entr" presetSubtype="4" fill="hold" nodeType="withEffect">
+                                  <p:stCondLst>
+                                    <p:cond delay="0"/>
+                                  </p:stCondLst>
+                                  <p:childTnLst>
+                                    <p:set>
+                                      <p:cBhvr>
+                                        <p:cTn id="27" dur="1" fill="hold">
+                                          <p:stCondLst>
+                                            <p:cond delay="0"/>
+                                          </p:stCondLst>
+                                        </p:cTn>
+                                        <p:tgtEl>
+                                          <p:spTgt spid="5"/>
+                                        </p:tgtEl>
+                                        <p:attrNameLst>
+                                          <p:attrName>style.visibility</p:attrName>
+                                        </p:attrNameLst>
+                                      </p:cBhvr>
+                                      <p:to>
+                                        <p:strVal val="visible"/>
+                                      </p:to>
+                                    </p:set>
+                                    <p:anim calcmode="lin" valueType="num">
+                                      <p:cBhvr additive="base">
+                                        <p:cTn id="28" dur="500" fill="hold"/>
+                                        <p:tgtEl>
+                                          <p:spTgt spid="5"/>
+                                        </p:tgtEl>
+                                        <p:attrNameLst>
+                                          <p:attrName>ppt_x</p:attrName>
+                                        </p:attrNameLst>
+                                      </p:cBhvr>
+                                      <p:tavLst>
+                                        <p:tav tm="0">
+                                          <p:val>
+                                            <p:strVal val="#ppt_x"/>
+                                          </p:val>
+                                        </p:tav>
+                                        <p:tav tm="100000">
+                                          <p:val>
+                                            <p:strVal val="#ppt_x"/>
+                                          </p:val>
+                                        </p:tav>
+                                      </p:tavLst>
+                                    </p:anim>
+                                    <p:anim calcmode="lin" valueType="num">
+                                      <p:cBhvr additive="base">
+                                        <p:cTn id="29" dur="500" fill="hold"/>
+                                        <p:tgtEl>
+                                          <p:spTgt spid="5"/>
                                         </p:tgtEl>
                                         <p:attrNameLst>
                                           <p:attrName>ppt_y</p:attrName>
@@ -10085,32 +13334,32 @@
                     </p:cTn>
                   </p:par>
                   <p:par>
-                    <p:cTn id="26" fill="hold">
+                    <p:cTn id="30" fill="hold">
                       <p:stCondLst>
                         <p:cond delay="indefinite"/>
                       </p:stCondLst>
                       <p:childTnLst>
                         <p:par>
-                          <p:cTn id="27" fill="hold">
+                          <p:cTn id="31" fill="hold">
                             <p:stCondLst>
                               <p:cond delay="0"/>
                             </p:stCondLst>
                             <p:childTnLst>
                               <p:par>
-                                <p:cTn id="28" presetID="2" presetClass="entr" presetSubtype="4" fill="hold" grpId="0" nodeType="clickEffect">
+                                <p:cTn id="32" presetID="2" presetClass="entr" presetSubtype="4" fill="hold" grpId="0" nodeType="clickEffect">
                                   <p:stCondLst>
                                     <p:cond delay="0"/>
                                   </p:stCondLst>
                                   <p:childTnLst>
                                     <p:set>
                                       <p:cBhvr>
-                                        <p:cTn id="29" dur="1" fill="hold">
+                                        <p:cTn id="33" dur="1" fill="hold">
                                           <p:stCondLst>
                                             <p:cond delay="0"/>
                                           </p:stCondLst>
                                         </p:cTn>
                                         <p:tgtEl>
-                                          <p:spTgt spid="14"/>
+                                          <p:spTgt spid="6"/>
                                         </p:tgtEl>
                                         <p:attrNameLst>
                                           <p:attrName>style.visibility</p:attrName>
@@ -10122,9 +13371,9 @@
                                     </p:set>
                                     <p:anim calcmode="lin" valueType="num">
                                       <p:cBhvr additive="base">
-                                        <p:cTn id="30" dur="500" fill="hold"/>
+                                        <p:cTn id="34" dur="500" fill="hold"/>
                                         <p:tgtEl>
-                                          <p:spTgt spid="14"/>
+                                          <p:spTgt spid="6"/>
                                         </p:tgtEl>
                                         <p:attrNameLst>
                                           <p:attrName>ppt_x</p:attrName>
@@ -10145,100 +13394,9 @@
                                     </p:anim>
                                     <p:anim calcmode="lin" valueType="num">
                                       <p:cBhvr additive="base">
-                                        <p:cTn id="31" dur="500" fill="hold"/>
+                                        <p:cTn id="35" dur="500" fill="hold"/>
                                         <p:tgtEl>
-                                          <p:spTgt spid="14"/>
-                                        </p:tgtEl>
-                                        <p:attrNameLst>
-                                          <p:attrName>ppt_y</p:attrName>
-                                        </p:attrNameLst>
-                                      </p:cBhvr>
-                                      <p:tavLst>
-                                        <p:tav tm="0">
-                                          <p:val>
-                                            <p:strVal val="1+#ppt_h/2"/>
-                                          </p:val>
-                                        </p:tav>
-                                        <p:tav tm="100000">
-                                          <p:val>
-                                            <p:strVal val="#ppt_y"/>
-                                          </p:val>
-                                        </p:tav>
-                                      </p:tavLst>
-                                    </p:anim>
-                                  </p:childTnLst>
-                                </p:cTn>
-                              </p:par>
-                            </p:childTnLst>
-                          </p:cTn>
-                        </p:par>
-                      </p:childTnLst>
-                    </p:cTn>
-                  </p:par>
-                  <p:par>
-                    <p:cTn id="32" fill="hold">
-                      <p:stCondLst>
-                        <p:cond delay="indefinite"/>
-                      </p:stCondLst>
-                      <p:childTnLst>
-                        <p:par>
-                          <p:cTn id="33" fill="hold">
-                            <p:stCondLst>
-                              <p:cond delay="0"/>
-                            </p:stCondLst>
-                            <p:childTnLst>
-                              <p:par>
-                                <p:cTn id="34" presetID="2" presetClass="entr" presetSubtype="4" fill="hold" grpId="0" nodeType="clickEffect">
-                                  <p:stCondLst>
-                                    <p:cond delay="0"/>
-                                  </p:stCondLst>
-                                  <p:childTnLst>
-                                    <p:set>
-                                      <p:cBhvr>
-                                        <p:cTn id="35" dur="1" fill="hold">
-                                          <p:stCondLst>
-                                            <p:cond delay="0"/>
-                                          </p:stCondLst>
-                                        </p:cTn>
-                                        <p:tgtEl>
-                                          <p:spTgt spid="16"/>
-                                        </p:tgtEl>
-                                        <p:attrNameLst>
-                                          <p:attrName>style.visibility</p:attrName>
-                                        </p:attrNameLst>
-                                      </p:cBhvr>
-                                      <p:to>
-                                        <p:strVal val="visible"/>
-                                      </p:to>
-                                    </p:set>
-                                    <p:anim calcmode="lin" valueType="num">
-                                      <p:cBhvr additive="base">
-                                        <p:cTn id="36" dur="500" fill="hold"/>
-                                        <p:tgtEl>
-                                          <p:spTgt spid="16"/>
-                                        </p:tgtEl>
-                                        <p:attrNameLst>
-                                          <p:attrName>ppt_x</p:attrName>
-                                        </p:attrNameLst>
-                                      </p:cBhvr>
-                                      <p:tavLst>
-                                        <p:tav tm="0">
-                                          <p:val>
-                                            <p:strVal val="#ppt_x"/>
-                                          </p:val>
-                                        </p:tav>
-                                        <p:tav tm="100000">
-                                          <p:val>
-                                            <p:strVal val="#ppt_x"/>
-                                          </p:val>
-                                        </p:tav>
-                                      </p:tavLst>
-                                    </p:anim>
-                                    <p:anim calcmode="lin" valueType="num">
-                                      <p:cBhvr additive="base">
-                                        <p:cTn id="37" dur="500" fill="hold"/>
-                                        <p:tgtEl>
-                                          <p:spTgt spid="16"/>
+                                          <p:spTgt spid="6"/>
                                         </p:tgtEl>
                                         <p:attrNameLst>
                                           <p:attrName>ppt_y</p:attrName>
@@ -10292,9 +13450,8 @@
       <p:bldGraphic spid="15" grpId="0">
         <p:bldAsOne/>
       </p:bldGraphic>
-      <p:bldP spid="13" grpId="0"/>
-      <p:bldP spid="14" grpId="0"/>
-      <p:bldP spid="16" grpId="0"/>
+      <p:bldP spid="4" grpId="0"/>
+      <p:bldP spid="6" grpId="0"/>
     </p:bldLst>
   </p:timing>
 </p:sld>
@@ -10303,14 +13460,6 @@
 <file path=ppt/slides/slide4.xml><?xml version="1.0" encoding="utf-8"?>
 <p:sld xmlns:a="http://schemas.openxmlformats.org/drawingml/2006/main" xmlns:r="http://schemas.openxmlformats.org/officeDocument/2006/relationships" xmlns:p="http://schemas.openxmlformats.org/presentationml/2006/main">
   <p:cSld>
-    <p:bg>
-      <p:bgPr>
-        <a:solidFill>
-          <a:schemeClr val="bg1"/>
-        </a:solidFill>
-        <a:effectLst/>
-      </p:bgPr>
-    </p:bg>
     <p:spTree>
       <p:nvGrpSpPr>
         <p:cNvPr id="1" name=""/>
@@ -10325,100 +13474,24 @@
           <a:chExt cx="0" cy="0"/>
         </a:xfrm>
       </p:grpSpPr>
-      <p:sp useBgFill="1">
+      <p:sp>
         <p:nvSpPr>
-          <p:cNvPr id="18" name="Rectangle 17">
+          <p:cNvPr id="13" name="Title 1">
             <a:extLst>
               <a:ext uri="{FF2B5EF4-FFF2-40B4-BE49-F238E27FC236}">
-                <a16:creationId xmlns:a16="http://schemas.microsoft.com/office/drawing/2014/main" id="{DBDA151C-5770-45E4-AAFF-59E7F403866D}"/>
-              </a:ext>
-              <a:ext uri="{C183D7F6-B498-43B3-948B-1728B52AA6E4}">
-                <adec:decorative xmlns:adec="http://schemas.microsoft.com/office/drawing/2017/decorative" val="1"/>
+                <a16:creationId xmlns:a16="http://schemas.microsoft.com/office/drawing/2014/main" id="{FF82CAD1-AD69-CFCC-6520-7D6E95E3E895}"/>
               </a:ext>
             </a:extLst>
           </p:cNvPr>
           <p:cNvSpPr>
-            <a:spLocks noGrp="1" noRot="1" noChangeAspect="1" noMove="1" noResize="1" noEditPoints="1" noAdjustHandles="1" noChangeArrowheads="1" noChangeShapeType="1" noTextEdit="1"/>
-          </p:cNvSpPr>
-          <p:nvPr>
-            <p:extLst>
-              <p:ext uri="{386F3935-93C4-4BCD-93E2-E3B085C9AB24}">
-                <p16:designElem xmlns:p16="http://schemas.microsoft.com/office/powerpoint/2015/main" val="1"/>
-              </p:ext>
-            </p:extLst>
-          </p:nvPr>
-        </p:nvSpPr>
-        <p:spPr>
-          <a:xfrm>
-            <a:off x="0" y="0"/>
-            <a:ext cx="12192000" cy="6858000"/>
-          </a:xfrm>
-          <a:prstGeom prst="rect">
-            <a:avLst/>
-          </a:prstGeom>
-          <a:ln w="12700" cap="flat" cmpd="sng" algn="ctr">
-            <a:noFill/>
-            <a:prstDash val="solid"/>
-            <a:miter lim="800000"/>
-          </a:ln>
-          <a:effectLst/>
-          <a:extLst>
-            <a:ext uri="{91240B29-F687-4F45-9708-019B960494DF}">
-              <a14:hiddenLine xmlns:a14="http://schemas.microsoft.com/office/drawing/2010/main" w="12700" cap="flat" cmpd="sng" algn="ctr">
-                <a:solidFill>
-                  <a:schemeClr val="accent1">
-                    <a:shade val="50000"/>
-                  </a:schemeClr>
-                </a:solidFill>
-                <a:prstDash val="solid"/>
-                <a:miter lim="800000"/>
-              </a14:hiddenLine>
-            </a:ext>
-          </a:extLst>
-        </p:spPr>
-        <p:style>
-          <a:lnRef idx="2">
-            <a:schemeClr val="accent1">
-              <a:shade val="50000"/>
-            </a:schemeClr>
-          </a:lnRef>
-          <a:fillRef idx="1">
-            <a:schemeClr val="accent1"/>
-          </a:fillRef>
-          <a:effectRef idx="0">
-            <a:schemeClr val="accent1"/>
-          </a:effectRef>
-          <a:fontRef idx="minor">
-            <a:schemeClr val="lt1"/>
-          </a:fontRef>
-        </p:style>
-        <p:txBody>
-          <a:bodyPr rtlCol="0" anchor="ctr"/>
-          <a:lstStyle/>
-          <a:p>
-            <a:pPr algn="ctr"/>
-            <a:endParaRPr lang="en-US" dirty="0"/>
-          </a:p>
-        </p:txBody>
-      </p:sp>
-      <p:sp>
-        <p:nvSpPr>
-          <p:cNvPr id="11" name="Title 1">
-            <a:extLst>
-              <a:ext uri="{FF2B5EF4-FFF2-40B4-BE49-F238E27FC236}">
-                <a16:creationId xmlns:a16="http://schemas.microsoft.com/office/drawing/2014/main" id="{65E60851-CD4D-8445-68B7-6984089E782D}"/>
-              </a:ext>
-            </a:extLst>
-          </p:cNvPr>
-          <p:cNvSpPr txBox="1">
-            <a:spLocks/>
+            <a:spLocks noGrp="1"/>
           </p:cNvSpPr>
           <p:nvPr/>
         </p:nvSpPr>
         <p:spPr>
           <a:xfrm>
-            <a:off x="640080" y="914399"/>
-            <a:ext cx="10847494" cy="1171069"/>
+            <a:off x="562982" y="235974"/>
+            <a:ext cx="4683323" cy="1097280"/>
           </a:xfrm>
           <a:prstGeom prst="rect">
             <a:avLst/>
@@ -10429,10 +13502,7 @@
             <a:normAutofit/>
           </a:bodyPr>
           <a:lstStyle>
-            <a:defPPr>
-              <a:defRPr lang="en-US"/>
-            </a:defPPr>
-            <a:lvl1pPr marL="0" algn="l" defTabSz="914400" rtl="0" eaLnBrk="1" latinLnBrk="0" hangingPunct="1">
+            <a:lvl1pPr algn="l" defTabSz="914400" rtl="0" eaLnBrk="1" latinLnBrk="0" hangingPunct="1">
               <a:lnSpc>
                 <a:spcPct val="100000"/>
               </a:lnSpc>
@@ -10449,7 +13519,73 @@
                 <a:cs typeface="+mj-cs"/>
               </a:defRPr>
             </a:lvl1pPr>
-            <a:lvl2pPr marL="457200" algn="l" defTabSz="457200" rtl="0" eaLnBrk="1" latinLnBrk="0" hangingPunct="1">
+          </a:lstStyle>
+          <a:p>
+            <a:r>
+              <a:rPr lang="en-US" dirty="0"/>
+              <a:t>Prompt Engineering</a:t>
+            </a:r>
+            <a:endParaRPr lang="en-IN" dirty="0"/>
+          </a:p>
+        </p:txBody>
+      </p:sp>
+      <p:sp>
+        <p:nvSpPr>
+          <p:cNvPr id="14" name="Content Placeholder 2">
+            <a:extLst>
+              <a:ext uri="{FF2B5EF4-FFF2-40B4-BE49-F238E27FC236}">
+                <a16:creationId xmlns:a16="http://schemas.microsoft.com/office/drawing/2014/main" id="{E5C97AC4-C5E7-977F-C895-E8AD9238A815}"/>
+              </a:ext>
+            </a:extLst>
+          </p:cNvPr>
+          <p:cNvSpPr>
+            <a:spLocks noGrp="1"/>
+          </p:cNvSpPr>
+          <p:nvPr/>
+        </p:nvSpPr>
+        <p:spPr>
+          <a:xfrm>
+            <a:off x="484704" y="1333254"/>
+            <a:ext cx="4755896" cy="5288772"/>
+          </a:xfrm>
+          <a:prstGeom prst="rect">
+            <a:avLst/>
+          </a:prstGeom>
+        </p:spPr>
+        <p:txBody>
+          <a:bodyPr vert="horz" lIns="91440" tIns="45720" rIns="91440" bIns="45720" rtlCol="0">
+            <a:normAutofit fontScale="92500" lnSpcReduction="20000"/>
+          </a:bodyPr>
+          <a:lstStyle>
+            <a:lvl1pPr marL="228600" indent="-228600" algn="l" defTabSz="914400" rtl="0" eaLnBrk="1" latinLnBrk="0" hangingPunct="1">
+              <a:lnSpc>
+                <a:spcPct val="120000"/>
+              </a:lnSpc>
+              <a:spcBef>
+                <a:spcPts val="1000"/>
+              </a:spcBef>
+              <a:buSzPct val="87000"/>
+              <a:buFont typeface="Arial" panose="020B0604020202020204" pitchFamily="34" charset="0"/>
+              <a:buChar char="•"/>
+              <a:defRPr sz="2000" kern="1200">
+                <a:solidFill>
+                  <a:schemeClr val="tx1"/>
+                </a:solidFill>
+                <a:latin typeface="+mn-lt"/>
+                <a:ea typeface="+mn-ea"/>
+                <a:cs typeface="+mn-cs"/>
+              </a:defRPr>
+            </a:lvl1pPr>
+            <a:lvl2pPr marL="493776" indent="-228600" algn="l" defTabSz="914400" rtl="0" eaLnBrk="1" latinLnBrk="0" hangingPunct="1">
+              <a:lnSpc>
+                <a:spcPct val="120000"/>
+              </a:lnSpc>
+              <a:spcBef>
+                <a:spcPts val="500"/>
+              </a:spcBef>
+              <a:buSzPct val="87000"/>
+              <a:buFont typeface="Arial" panose="020B0604020202020204" pitchFamily="34" charset="0"/>
+              <a:buChar char="•"/>
               <a:defRPr sz="1800" kern="1200">
                 <a:solidFill>
                   <a:schemeClr val="tx1"/>
@@ -10459,8 +13595,17 @@
                 <a:cs typeface="+mn-cs"/>
               </a:defRPr>
             </a:lvl2pPr>
-            <a:lvl3pPr marL="914400" algn="l" defTabSz="457200" rtl="0" eaLnBrk="1" latinLnBrk="0" hangingPunct="1">
-              <a:defRPr sz="1800" kern="1200">
+            <a:lvl3pPr marL="731520" indent="-228600" algn="l" defTabSz="914400" rtl="0" eaLnBrk="1" latinLnBrk="0" hangingPunct="1">
+              <a:lnSpc>
+                <a:spcPct val="120000"/>
+              </a:lnSpc>
+              <a:spcBef>
+                <a:spcPts val="500"/>
+              </a:spcBef>
+              <a:buSzPct val="87000"/>
+              <a:buFont typeface="Arial" panose="020B0604020202020204" pitchFamily="34" charset="0"/>
+              <a:buChar char="•"/>
+              <a:defRPr sz="1600" kern="1200">
                 <a:solidFill>
                   <a:schemeClr val="tx1"/>
                 </a:solidFill>
@@ -10469,8 +13614,17 @@
                 <a:cs typeface="+mn-cs"/>
               </a:defRPr>
             </a:lvl3pPr>
-            <a:lvl4pPr marL="1371600" algn="l" defTabSz="457200" rtl="0" eaLnBrk="1" latinLnBrk="0" hangingPunct="1">
-              <a:defRPr sz="1800" kern="1200">
+            <a:lvl4pPr marL="1051560" indent="-285750" algn="l" defTabSz="914400" rtl="0" eaLnBrk="1" latinLnBrk="0" hangingPunct="1">
+              <a:lnSpc>
+                <a:spcPct val="120000"/>
+              </a:lnSpc>
+              <a:spcBef>
+                <a:spcPts val="500"/>
+              </a:spcBef>
+              <a:buSzPct val="87000"/>
+              <a:buFont typeface="Arial" panose="020B0604020202020204" pitchFamily="34" charset="0"/>
+              <a:buChar char="•"/>
+              <a:defRPr sz="1400" kern="1200">
                 <a:solidFill>
                   <a:schemeClr val="tx1"/>
                 </a:solidFill>
@@ -10479,8 +13633,17 @@
                 <a:cs typeface="+mn-cs"/>
               </a:defRPr>
             </a:lvl4pPr>
-            <a:lvl5pPr marL="1828800" algn="l" defTabSz="457200" rtl="0" eaLnBrk="1" latinLnBrk="0" hangingPunct="1">
-              <a:defRPr sz="1800" kern="1200">
+            <a:lvl5pPr marL="1298448" indent="-228600" algn="l" defTabSz="914400" rtl="0" eaLnBrk="1" latinLnBrk="0" hangingPunct="1">
+              <a:lnSpc>
+                <a:spcPct val="120000"/>
+              </a:lnSpc>
+              <a:spcBef>
+                <a:spcPts val="500"/>
+              </a:spcBef>
+              <a:buSzPct val="87000"/>
+              <a:buFont typeface="Arial" panose="020B0604020202020204" pitchFamily="34" charset="0"/>
+              <a:buChar char="•"/>
+              <a:defRPr sz="1400" kern="1200">
                 <a:solidFill>
                   <a:schemeClr val="tx1"/>
                 </a:solidFill>
@@ -10489,7 +13652,15 @@
                 <a:cs typeface="+mn-cs"/>
               </a:defRPr>
             </a:lvl5pPr>
-            <a:lvl6pPr marL="2286000" algn="l" defTabSz="457200" rtl="0" eaLnBrk="1" latinLnBrk="0" hangingPunct="1">
+            <a:lvl6pPr marL="2514600" indent="-228600" algn="l" defTabSz="914400" rtl="0" eaLnBrk="1" latinLnBrk="0" hangingPunct="1">
+              <a:lnSpc>
+                <a:spcPct val="90000"/>
+              </a:lnSpc>
+              <a:spcBef>
+                <a:spcPts val="500"/>
+              </a:spcBef>
+              <a:buFont typeface="Arial" panose="020B0604020202020204" pitchFamily="34" charset="0"/>
+              <a:buChar char="•"/>
               <a:defRPr sz="1800" kern="1200">
                 <a:solidFill>
                   <a:schemeClr val="tx1"/>
@@ -10499,7 +13670,15 @@
                 <a:cs typeface="+mn-cs"/>
               </a:defRPr>
             </a:lvl6pPr>
-            <a:lvl7pPr marL="2743200" algn="l" defTabSz="457200" rtl="0" eaLnBrk="1" latinLnBrk="0" hangingPunct="1">
+            <a:lvl7pPr marL="2971800" indent="-228600" algn="l" defTabSz="914400" rtl="0" eaLnBrk="1" latinLnBrk="0" hangingPunct="1">
+              <a:lnSpc>
+                <a:spcPct val="90000"/>
+              </a:lnSpc>
+              <a:spcBef>
+                <a:spcPts val="500"/>
+              </a:spcBef>
+              <a:buFont typeface="Arial" panose="020B0604020202020204" pitchFamily="34" charset="0"/>
+              <a:buChar char="•"/>
               <a:defRPr sz="1800" kern="1200">
                 <a:solidFill>
                   <a:schemeClr val="tx1"/>
@@ -10509,7 +13688,15 @@
                 <a:cs typeface="+mn-cs"/>
               </a:defRPr>
             </a:lvl7pPr>
-            <a:lvl8pPr marL="3200400" algn="l" defTabSz="457200" rtl="0" eaLnBrk="1" latinLnBrk="0" hangingPunct="1">
+            <a:lvl8pPr marL="3429000" indent="-228600" algn="l" defTabSz="914400" rtl="0" eaLnBrk="1" latinLnBrk="0" hangingPunct="1">
+              <a:lnSpc>
+                <a:spcPct val="90000"/>
+              </a:lnSpc>
+              <a:spcBef>
+                <a:spcPts val="500"/>
+              </a:spcBef>
+              <a:buFont typeface="Arial" panose="020B0604020202020204" pitchFamily="34" charset="0"/>
+              <a:buChar char="•"/>
               <a:defRPr sz="1800" kern="1200">
                 <a:solidFill>
                   <a:schemeClr val="tx1"/>
@@ -10519,7 +13706,15 @@
                 <a:cs typeface="+mn-cs"/>
               </a:defRPr>
             </a:lvl8pPr>
-            <a:lvl9pPr marL="3657600" algn="l" defTabSz="457200" rtl="0" eaLnBrk="1" latinLnBrk="0" hangingPunct="1">
+            <a:lvl9pPr marL="3886200" indent="-228600" algn="l" defTabSz="914400" rtl="0" eaLnBrk="1" latinLnBrk="0" hangingPunct="1">
+              <a:lnSpc>
+                <a:spcPct val="90000"/>
+              </a:lnSpc>
+              <a:spcBef>
+                <a:spcPts val="500"/>
+              </a:spcBef>
+              <a:buFont typeface="Arial" panose="020B0604020202020204" pitchFamily="34" charset="0"/>
+              <a:buChar char="•"/>
               <a:defRPr sz="1800" kern="1200">
                 <a:solidFill>
                   <a:schemeClr val="tx1"/>
@@ -10531,71 +13726,60 @@
             </a:lvl9pPr>
           </a:lstStyle>
           <a:p>
-            <a:pPr>
-              <a:spcAft>
-                <a:spcPts val="600"/>
-              </a:spcAft>
-            </a:pPr>
             <a:r>
-              <a:rPr lang="en-US"/>
-              <a:t>Step 3: Apache Calcite</a:t>
+              <a:rPr lang="en-US" dirty="0"/>
+              <a:t>We need the LLM to output only two things:</a:t>
             </a:r>
+          </a:p>
+          <a:p>
+            <a:pPr lvl="1"/>
+            <a:r>
+              <a:rPr lang="en-IN" dirty="0"/>
+              <a:t>Whether the query plans are equal</a:t>
+            </a:r>
+          </a:p>
+          <a:p>
+            <a:pPr lvl="1"/>
+            <a:r>
+              <a:rPr lang="en-IN" dirty="0"/>
+              <a:t>If they are equivalent, what are the valid transformations that map from plan A to plan B.</a:t>
+            </a:r>
+          </a:p>
+          <a:p>
+            <a:r>
+              <a:rPr lang="en-US" dirty="0"/>
+              <a:t>We evaluated both zero-shot prompting and one-shot prompting.</a:t>
+            </a:r>
+          </a:p>
+          <a:p>
+            <a:r>
+              <a:rPr lang="en-US" dirty="0"/>
+              <a:t>Zero-shot prompting led to more inconsistent outputs whereas one-shot prompting improved stability.</a:t>
+            </a:r>
+          </a:p>
+          <a:p>
+            <a:r>
+              <a:rPr lang="en-US" dirty="0"/>
+              <a:t>We also include the schema structure of the database in the prompt. This </a:t>
+            </a:r>
+            <a:r>
+              <a:rPr lang="en-US" dirty="0" err="1"/>
+              <a:t>ensurse</a:t>
+            </a:r>
+            <a:r>
+              <a:rPr lang="en-US" dirty="0"/>
+              <a:t> that the LLM has full knowledge of the joins, indexes and constraints. This helps in further stabilizing the output.</a:t>
+            </a:r>
+            <a:endParaRPr lang="en-IN" dirty="0"/>
           </a:p>
         </p:txBody>
       </p:sp>
-      <p:pic>
-        <p:nvPicPr>
-          <p:cNvPr id="12" name="Picture 11" descr="Apache calcite : How to produced physical(Optimised) tree ...">
+      <p:sp>
+        <p:nvSpPr>
+          <p:cNvPr id="16" name="Content Placeholder 2">
             <a:extLst>
               <a:ext uri="{FF2B5EF4-FFF2-40B4-BE49-F238E27FC236}">
-                <a16:creationId xmlns:a16="http://schemas.microsoft.com/office/drawing/2014/main" id="{EA6FAC9B-6193-D582-F7A8-F28DBCCACB18}"/>
-              </a:ext>
-            </a:extLst>
-          </p:cNvPr>
-          <p:cNvPicPr>
-            <a:picLocks noChangeAspect="1" noChangeArrowheads="1"/>
-          </p:cNvPicPr>
-          <p:nvPr/>
-        </p:nvPicPr>
-        <p:blipFill rotWithShape="1">
-          <a:blip r:embed="rId2">
-            <a:extLst>
-              <a:ext uri="{28A0092B-C50C-407E-A947-70E740481C1C}">
-                <a14:useLocalDpi xmlns:a14="http://schemas.microsoft.com/office/drawing/2010/main" val="0"/>
-              </a:ext>
-            </a:extLst>
-          </a:blip>
-          <a:srcRect r="82467"/>
-          <a:stretch>
-            <a:fillRect/>
-          </a:stretch>
-        </p:blipFill>
-        <p:spPr bwMode="auto">
-          <a:xfrm>
-            <a:off x="904151" y="2085468"/>
-            <a:ext cx="1417019" cy="1919479"/>
-          </a:xfrm>
-          <a:prstGeom prst="rect">
-            <a:avLst/>
-          </a:prstGeom>
-          <a:noFill/>
-          <a:extLst>
-            <a:ext uri="{909E8E84-426E-40DD-AFC4-6F175D3DCCD1}">
-              <a14:hiddenFill xmlns:a14="http://schemas.microsoft.com/office/drawing/2010/main">
-                <a:solidFill>
-                  <a:srgbClr val="FFFFFF"/>
-                </a:solidFill>
-              </a14:hiddenFill>
-            </a:ext>
-          </a:extLst>
-        </p:spPr>
-      </p:pic>
-      <p:sp>
-        <p:nvSpPr>
-          <p:cNvPr id="13" name="Content Placeholder 2">
-            <a:extLst>
-              <a:ext uri="{FF2B5EF4-FFF2-40B4-BE49-F238E27FC236}">
-                <a16:creationId xmlns:a16="http://schemas.microsoft.com/office/drawing/2014/main" id="{0ED1B2E3-2F67-623D-81AB-061B43FF851A}"/>
+                <a16:creationId xmlns:a16="http://schemas.microsoft.com/office/drawing/2014/main" id="{8B7E8608-2568-D853-9CBD-D04F72D2940A}"/>
               </a:ext>
             </a:extLst>
           </p:cNvPr>
@@ -10606,15 +13790,15 @@
         </p:nvSpPr>
         <p:spPr>
           <a:xfrm>
-            <a:off x="4202552" y="1678075"/>
-            <a:ext cx="7276216" cy="4338671"/>
+            <a:off x="5246305" y="235974"/>
+            <a:ext cx="6728402" cy="6386052"/>
           </a:xfrm>
           <a:prstGeom prst="rect">
             <a:avLst/>
           </a:prstGeom>
         </p:spPr>
         <p:txBody>
-          <a:bodyPr vert="horz" lIns="91440" tIns="45720" rIns="91440" bIns="45720" rtlCol="0" anchor="t">
+          <a:bodyPr vert="horz" lIns="91440" tIns="45720" rIns="91440" bIns="45720" rtlCol="0">
             <a:noAutofit/>
           </a:bodyPr>
           <a:lstStyle>
@@ -10790,299 +13974,147 @@
             </a:lvl9pPr>
           </a:lstStyle>
           <a:p>
-            <a:pPr>
-              <a:lnSpc>
-                <a:spcPct val="110000"/>
-              </a:lnSpc>
+            <a:pPr marL="0" indent="0">
+              <a:buNone/>
             </a:pPr>
             <a:r>
-              <a:rPr lang="en-US" dirty="0"/>
-              <a:t>Apache Calcite is an open-source framework for building databases and data management systems. It includes a SQL parser, an API for building expressions in relational algebra, and a query planning engine.</a:t>
+              <a:rPr lang="en-US" sz="1600" b="1" i="1" dirty="0">
+                <a:solidFill>
+                  <a:schemeClr val="accent1">
+                    <a:lumMod val="75000"/>
+                  </a:schemeClr>
+                </a:solidFill>
+                <a:latin typeface="Courier New" panose="02070309020205020404" pitchFamily="49" charset="0"/>
+                <a:cs typeface="Courier New" panose="02070309020205020404" pitchFamily="49" charset="0"/>
+              </a:rPr>
+              <a:t>System Message: You are an expert in relational query optimization and Apache Calcite transformations. Always respond with exactly one JSON object matching the schema requested. Do not output anything else. Use only transformation names from SUPPORTED_TRANSFORMATIONS. Temperature must be 0.</a:t>
             </a:r>
           </a:p>
           <a:p>
-            <a:pPr>
-              <a:lnSpc>
-                <a:spcPct val="110000"/>
-              </a:lnSpc>
+            <a:pPr marL="0" indent="0">
+              <a:buNone/>
             </a:pPr>
             <a:r>
-              <a:rPr lang="en-US" dirty="0"/>
-              <a:t>We use Apache Calcite to check the LLM’s answers</a:t>
+              <a:rPr lang="en-US" sz="1600" b="1" i="1" dirty="0">
+                <a:solidFill>
+                  <a:schemeClr val="accent1">
+                    <a:lumMod val="75000"/>
+                  </a:schemeClr>
+                </a:solidFill>
+                <a:latin typeface="Courier New" panose="02070309020205020404" pitchFamily="49" charset="0"/>
+                <a:cs typeface="Courier New" panose="02070309020205020404" pitchFamily="49" charset="0"/>
+              </a:rPr>
+              <a:t>TASK: Given ORIGINAL_PLAN and TARGET_PLAN (both in simplified JSON plan format), decide whether they are equivalent. If equivalent, produce an ordered list of Apache Calcite transformations that map ORIGINAL_PLAN -&gt; TARGET_PLAN.</a:t>
             </a:r>
           </a:p>
           <a:p>
-            <a:pPr>
-              <a:lnSpc>
-                <a:spcPct val="110000"/>
-              </a:lnSpc>
+            <a:pPr marL="0" indent="0">
+              <a:buNone/>
             </a:pPr>
             <a:r>
-              <a:rPr lang="en-US" dirty="0"/>
-              <a:t>We can now compare two query plans with/without any transformations.</a:t>
+              <a:rPr lang="en-US" sz="1600" b="1" i="1" dirty="0">
+                <a:solidFill>
+                  <a:schemeClr val="accent1">
+                    <a:lumMod val="75000"/>
+                  </a:schemeClr>
+                </a:solidFill>
+                <a:latin typeface="Courier New" panose="02070309020205020404" pitchFamily="49" charset="0"/>
+                <a:cs typeface="Courier New" panose="02070309020205020404" pitchFamily="49" charset="0"/>
+              </a:rPr>
+              <a:t>INPUTS PROVIDED: &lt;list of inputs provided (omitted)&gt; RULES: &lt;list of rules (omitted)&gt;</a:t>
+            </a:r>
+          </a:p>
+          <a:p>
+            <a:pPr marL="0" indent="0">
+              <a:buNone/>
+            </a:pPr>
+            <a:r>
+              <a:rPr lang="en-US" sz="1600" b="1" i="1" dirty="0">
+                <a:solidFill>
+                  <a:schemeClr val="accent1">
+                    <a:lumMod val="75000"/>
+                  </a:schemeClr>
+                </a:solidFill>
+                <a:latin typeface="Courier New" panose="02070309020205020404" pitchFamily="49" charset="0"/>
+                <a:cs typeface="Courier New" panose="02070309020205020404" pitchFamily="49" charset="0"/>
+              </a:rPr>
+              <a:t>ONE-SHOT EXAMPLE: &lt;one shot example&gt;</a:t>
+            </a:r>
+          </a:p>
+          <a:p>
+            <a:pPr marL="0" indent="0">
+              <a:buNone/>
+            </a:pPr>
+            <a:r>
+              <a:rPr lang="en-US" sz="1600" b="1" i="1" dirty="0">
+                <a:solidFill>
+                  <a:schemeClr val="accent1">
+                    <a:lumMod val="75000"/>
+                  </a:schemeClr>
+                </a:solidFill>
+                <a:latin typeface="Courier New" panose="02070309020205020404" pitchFamily="49" charset="0"/>
+                <a:cs typeface="Courier New" panose="02070309020205020404" pitchFamily="49" charset="0"/>
+              </a:rPr>
+              <a:t>NOW PROCESS:</a:t>
+            </a:r>
+          </a:p>
+          <a:p>
+            <a:pPr marL="0" indent="0">
+              <a:buNone/>
+            </a:pPr>
+            <a:r>
+              <a:rPr lang="en-US" sz="1600" b="1" i="1" dirty="0">
+                <a:solidFill>
+                  <a:schemeClr val="accent1">
+                    <a:lumMod val="75000"/>
+                  </a:schemeClr>
+                </a:solidFill>
+                <a:latin typeface="Courier New" panose="02070309020205020404" pitchFamily="49" charset="0"/>
+                <a:cs typeface="Courier New" panose="02070309020205020404" pitchFamily="49" charset="0"/>
+              </a:rPr>
+              <a:t>SCHEMA_SUMMARY: &lt;schema summary&gt;</a:t>
+            </a:r>
+          </a:p>
+          <a:p>
+            <a:pPr marL="0" indent="0">
+              <a:buNone/>
+            </a:pPr>
+            <a:r>
+              <a:rPr lang="en-US" sz="1600" b="1" i="1" dirty="0">
+                <a:solidFill>
+                  <a:schemeClr val="accent1">
+                    <a:lumMod val="75000"/>
+                  </a:schemeClr>
+                </a:solidFill>
+                <a:latin typeface="Courier New" panose="02070309020205020404" pitchFamily="49" charset="0"/>
+                <a:cs typeface="Courier New" panose="02070309020205020404" pitchFamily="49" charset="0"/>
+              </a:rPr>
+              <a:t>ORIGINAL_PLAN_JSON: &lt;query plan A&gt;</a:t>
+            </a:r>
+          </a:p>
+          <a:p>
+            <a:pPr marL="0" indent="0">
+              <a:buNone/>
+            </a:pPr>
+            <a:r>
+              <a:rPr lang="en-US" sz="1600" b="1" i="1" dirty="0">
+                <a:solidFill>
+                  <a:schemeClr val="accent1">
+                    <a:lumMod val="75000"/>
+                  </a:schemeClr>
+                </a:solidFill>
+                <a:latin typeface="Courier New" panose="02070309020205020404" pitchFamily="49" charset="0"/>
+                <a:cs typeface="Courier New" panose="02070309020205020404" pitchFamily="49" charset="0"/>
+              </a:rPr>
+              <a:t>TARGET_PLAN_JSON: &lt;query plan B&gt;</a:t>
             </a:r>
           </a:p>
         </p:txBody>
       </p:sp>
-      <p:cxnSp>
-        <p:nvCxnSpPr>
-          <p:cNvPr id="20" name="Straight Connector 19">
-            <a:extLst>
-              <a:ext uri="{FF2B5EF4-FFF2-40B4-BE49-F238E27FC236}">
-                <a16:creationId xmlns:a16="http://schemas.microsoft.com/office/drawing/2014/main" id="{2EA0F4A6-3CC9-C9E2-BA02-58FA29F7DD8E}"/>
-              </a:ext>
-              <a:ext uri="{C183D7F6-B498-43B3-948B-1728B52AA6E4}">
-                <adec:decorative xmlns:adec="http://schemas.microsoft.com/office/drawing/2017/decorative" val="1"/>
-              </a:ext>
-            </a:extLst>
-          </p:cNvPr>
-          <p:cNvCxnSpPr>
-            <a:cxnSpLocks noGrp="1" noRot="1" noChangeAspect="1" noMove="1" noResize="1" noEditPoints="1" noAdjustHandles="1" noChangeArrowheads="1" noChangeShapeType="1"/>
-          </p:cNvCxnSpPr>
-          <p:nvPr>
-            <p:extLst>
-              <p:ext uri="{386F3935-93C4-4BCD-93E2-E3B085C9AB24}">
-                <p16:designElem xmlns:p16="http://schemas.microsoft.com/office/powerpoint/2015/main" val="1"/>
-              </p:ext>
-            </p:extLst>
-          </p:nvPr>
-        </p:nvCxnSpPr>
-        <p:spPr>
-          <a:xfrm>
-            <a:off x="672253" y="6272784"/>
-            <a:ext cx="10847495" cy="0"/>
-          </a:xfrm>
-          <a:prstGeom prst="line">
-            <a:avLst/>
-          </a:prstGeom>
-          <a:ln w="76200"/>
-        </p:spPr>
-        <p:style>
-          <a:lnRef idx="1">
-            <a:schemeClr val="accent1"/>
-          </a:lnRef>
-          <a:fillRef idx="0">
-            <a:schemeClr val="accent1"/>
-          </a:fillRef>
-          <a:effectRef idx="0">
-            <a:schemeClr val="accent1"/>
-          </a:effectRef>
-          <a:fontRef idx="minor">
-            <a:schemeClr val="tx1"/>
-          </a:fontRef>
-        </p:style>
-      </p:cxnSp>
-      <p:sp>
-        <p:nvSpPr>
-          <p:cNvPr id="9" name="Rectangle 8">
-            <a:extLst>
-              <a:ext uri="{FF2B5EF4-FFF2-40B4-BE49-F238E27FC236}">
-                <a16:creationId xmlns:a16="http://schemas.microsoft.com/office/drawing/2014/main" id="{69EB3E40-4F89-522D-385C-AD357A2AD7B4}"/>
-              </a:ext>
-              <a:ext uri="{C183D7F6-B498-43B3-948B-1728B52AA6E4}">
-                <adec:decorative xmlns:adec="http://schemas.microsoft.com/office/drawing/2017/decorative" val="1"/>
-              </a:ext>
-            </a:extLst>
-          </p:cNvPr>
-          <p:cNvSpPr>
-            <a:spLocks noGrp="1" noRot="1" noChangeAspect="1" noMove="1" noResize="1" noEditPoints="1" noAdjustHandles="1" noChangeArrowheads="1" noChangeShapeType="1" noTextEdit="1"/>
-          </p:cNvSpPr>
-          <p:nvPr/>
-        </p:nvSpPr>
-        <p:spPr bwMode="white">
-          <a:xfrm>
-            <a:off x="0" y="0"/>
-            <a:ext cx="12192000" cy="6858000"/>
-          </a:xfrm>
-          <a:prstGeom prst="rect">
-            <a:avLst/>
-          </a:prstGeom>
-          <a:noFill/>
-          <a:ln w="12700" cap="flat" cmpd="sng" algn="ctr">
-            <a:noFill/>
-            <a:prstDash val="solid"/>
-            <a:miter lim="800000"/>
-          </a:ln>
-          <a:effectLst/>
-          <a:extLst>
-            <a:ext uri="{91240B29-F687-4F45-9708-019B960494DF}">
-              <a14:hiddenLine xmlns:a14="http://schemas.microsoft.com/office/drawing/2010/main" w="12700" cap="flat" cmpd="sng" algn="ctr">
-                <a:solidFill>
-                  <a:schemeClr val="accent1">
-                    <a:shade val="50000"/>
-                  </a:schemeClr>
-                </a:solidFill>
-                <a:prstDash val="solid"/>
-                <a:miter lim="800000"/>
-              </a14:hiddenLine>
-            </a:ext>
-          </a:extLst>
-        </p:spPr>
-        <p:style>
-          <a:lnRef idx="2">
-            <a:schemeClr val="accent1">
-              <a:shade val="50000"/>
-            </a:schemeClr>
-          </a:lnRef>
-          <a:fillRef idx="1">
-            <a:schemeClr val="accent1"/>
-          </a:fillRef>
-          <a:effectRef idx="0">
-            <a:schemeClr val="accent1"/>
-          </a:effectRef>
-          <a:fontRef idx="minor">
-            <a:schemeClr val="lt1"/>
-          </a:fontRef>
-        </p:style>
-        <p:txBody>
-          <a:bodyPr rtlCol="0" anchor="ctr"/>
-          <a:lstStyle>
-            <a:defPPr>
-              <a:defRPr lang="en-US"/>
-            </a:defPPr>
-            <a:lvl1pPr marL="0" algn="l" defTabSz="457200" rtl="0" eaLnBrk="1" latinLnBrk="0" hangingPunct="1">
-              <a:defRPr sz="1800" kern="1200">
-                <a:solidFill>
-                  <a:schemeClr val="lt1"/>
-                </a:solidFill>
-                <a:latin typeface="+mn-lt"/>
-                <a:ea typeface="+mn-ea"/>
-                <a:cs typeface="+mn-cs"/>
-              </a:defRPr>
-            </a:lvl1pPr>
-            <a:lvl2pPr marL="457200" algn="l" defTabSz="457200" rtl="0" eaLnBrk="1" latinLnBrk="0" hangingPunct="1">
-              <a:defRPr sz="1800" kern="1200">
-                <a:solidFill>
-                  <a:schemeClr val="lt1"/>
-                </a:solidFill>
-                <a:latin typeface="+mn-lt"/>
-                <a:ea typeface="+mn-ea"/>
-                <a:cs typeface="+mn-cs"/>
-              </a:defRPr>
-            </a:lvl2pPr>
-            <a:lvl3pPr marL="914400" algn="l" defTabSz="457200" rtl="0" eaLnBrk="1" latinLnBrk="0" hangingPunct="1">
-              <a:defRPr sz="1800" kern="1200">
-                <a:solidFill>
-                  <a:schemeClr val="lt1"/>
-                </a:solidFill>
-                <a:latin typeface="+mn-lt"/>
-                <a:ea typeface="+mn-ea"/>
-                <a:cs typeface="+mn-cs"/>
-              </a:defRPr>
-            </a:lvl3pPr>
-            <a:lvl4pPr marL="1371600" algn="l" defTabSz="457200" rtl="0" eaLnBrk="1" latinLnBrk="0" hangingPunct="1">
-              <a:defRPr sz="1800" kern="1200">
-                <a:solidFill>
-                  <a:schemeClr val="lt1"/>
-                </a:solidFill>
-                <a:latin typeface="+mn-lt"/>
-                <a:ea typeface="+mn-ea"/>
-                <a:cs typeface="+mn-cs"/>
-              </a:defRPr>
-            </a:lvl4pPr>
-            <a:lvl5pPr marL="1828800" algn="l" defTabSz="457200" rtl="0" eaLnBrk="1" latinLnBrk="0" hangingPunct="1">
-              <a:defRPr sz="1800" kern="1200">
-                <a:solidFill>
-                  <a:schemeClr val="lt1"/>
-                </a:solidFill>
-                <a:latin typeface="+mn-lt"/>
-                <a:ea typeface="+mn-ea"/>
-                <a:cs typeface="+mn-cs"/>
-              </a:defRPr>
-            </a:lvl5pPr>
-            <a:lvl6pPr marL="2286000" algn="l" defTabSz="457200" rtl="0" eaLnBrk="1" latinLnBrk="0" hangingPunct="1">
-              <a:defRPr sz="1800" kern="1200">
-                <a:solidFill>
-                  <a:schemeClr val="lt1"/>
-                </a:solidFill>
-                <a:latin typeface="+mn-lt"/>
-                <a:ea typeface="+mn-ea"/>
-                <a:cs typeface="+mn-cs"/>
-              </a:defRPr>
-            </a:lvl6pPr>
-            <a:lvl7pPr marL="2743200" algn="l" defTabSz="457200" rtl="0" eaLnBrk="1" latinLnBrk="0" hangingPunct="1">
-              <a:defRPr sz="1800" kern="1200">
-                <a:solidFill>
-                  <a:schemeClr val="lt1"/>
-                </a:solidFill>
-                <a:latin typeface="+mn-lt"/>
-                <a:ea typeface="+mn-ea"/>
-                <a:cs typeface="+mn-cs"/>
-              </a:defRPr>
-            </a:lvl7pPr>
-            <a:lvl8pPr marL="3200400" algn="l" defTabSz="457200" rtl="0" eaLnBrk="1" latinLnBrk="0" hangingPunct="1">
-              <a:defRPr sz="1800" kern="1200">
-                <a:solidFill>
-                  <a:schemeClr val="lt1"/>
-                </a:solidFill>
-                <a:latin typeface="+mn-lt"/>
-                <a:ea typeface="+mn-ea"/>
-                <a:cs typeface="+mn-cs"/>
-              </a:defRPr>
-            </a:lvl8pPr>
-            <a:lvl9pPr marL="3657600" algn="l" defTabSz="457200" rtl="0" eaLnBrk="1" latinLnBrk="0" hangingPunct="1">
-              <a:defRPr sz="1800" kern="1200">
-                <a:solidFill>
-                  <a:schemeClr val="lt1"/>
-                </a:solidFill>
-                <a:latin typeface="+mn-lt"/>
-                <a:ea typeface="+mn-ea"/>
-                <a:cs typeface="+mn-cs"/>
-              </a:defRPr>
-            </a:lvl9pPr>
-          </a:lstStyle>
-          <a:p>
-            <a:pPr algn="ctr"/>
-            <a:endParaRPr lang="en-US" dirty="0"/>
-          </a:p>
-        </p:txBody>
-      </p:sp>
-      <p:cxnSp>
-        <p:nvCxnSpPr>
-          <p:cNvPr id="10" name="Straight Connector 9">
-            <a:extLst>
-              <a:ext uri="{FF2B5EF4-FFF2-40B4-BE49-F238E27FC236}">
-                <a16:creationId xmlns:a16="http://schemas.microsoft.com/office/drawing/2014/main" id="{747FB38E-504A-F6BD-33A0-1E15DF267729}"/>
-              </a:ext>
-              <a:ext uri="{C183D7F6-B498-43B3-948B-1728B52AA6E4}">
-                <adec:decorative xmlns:adec="http://schemas.microsoft.com/office/drawing/2017/decorative" val="1"/>
-              </a:ext>
-            </a:extLst>
-          </p:cNvPr>
-          <p:cNvCxnSpPr>
-            <a:cxnSpLocks noGrp="1" noRot="1" noChangeAspect="1" noMove="1" noResize="1" noEditPoints="1" noAdjustHandles="1" noChangeArrowheads="1" noChangeShapeType="1"/>
-          </p:cNvCxnSpPr>
-          <p:nvPr/>
-        </p:nvCxnSpPr>
-        <p:spPr>
-          <a:xfrm>
-            <a:off x="713232" y="6272079"/>
-            <a:ext cx="978862" cy="0"/>
-          </a:xfrm>
-          <a:prstGeom prst="line">
-            <a:avLst/>
-          </a:prstGeom>
-          <a:ln w="76200"/>
-        </p:spPr>
-        <p:style>
-          <a:lnRef idx="1">
-            <a:schemeClr val="accent1"/>
-          </a:lnRef>
-          <a:fillRef idx="0">
-            <a:schemeClr val="accent1"/>
-          </a:fillRef>
-          <a:effectRef idx="0">
-            <a:schemeClr val="accent1"/>
-          </a:effectRef>
-          <a:fontRef idx="minor">
-            <a:schemeClr val="tx1"/>
-          </a:fontRef>
-        </p:style>
-      </p:cxnSp>
     </p:spTree>
     <p:extLst>
       <p:ext uri="{BB962C8B-B14F-4D97-AF65-F5344CB8AC3E}">
-        <p14:creationId xmlns:p14="http://schemas.microsoft.com/office/powerpoint/2010/main" val="747298149"/>
+        <p14:creationId xmlns:p14="http://schemas.microsoft.com/office/powerpoint/2010/main" val="1030051670"/>
       </p:ext>
     </p:extLst>
   </p:cSld>
@@ -11123,7 +14155,7 @@
                                           </p:stCondLst>
                                         </p:cTn>
                                         <p:tgtEl>
-                                          <p:spTgt spid="11"/>
+                                          <p:spTgt spid="13"/>
                                         </p:tgtEl>
                                         <p:attrNameLst>
                                           <p:attrName>style.visibility</p:attrName>
@@ -11137,7 +14169,7 @@
                                       <p:cBhvr additive="base">
                                         <p:cTn id="7" dur="500" fill="hold"/>
                                         <p:tgtEl>
-                                          <p:spTgt spid="11"/>
+                                          <p:spTgt spid="13"/>
                                         </p:tgtEl>
                                         <p:attrNameLst>
                                           <p:attrName>ppt_x</p:attrName>
@@ -11160,80 +14192,7 @@
                                       <p:cBhvr additive="base">
                                         <p:cTn id="8" dur="500" fill="hold"/>
                                         <p:tgtEl>
-                                          <p:spTgt spid="11"/>
-                                        </p:tgtEl>
-                                        <p:attrNameLst>
-                                          <p:attrName>ppt_y</p:attrName>
-                                        </p:attrNameLst>
-                                      </p:cBhvr>
-                                      <p:tavLst>
-                                        <p:tav tm="0">
-                                          <p:val>
-                                            <p:strVal val="1+#ppt_h/2"/>
-                                          </p:val>
-                                        </p:tav>
-                                        <p:tav tm="100000">
-                                          <p:val>
-                                            <p:strVal val="#ppt_y"/>
-                                          </p:val>
-                                        </p:tav>
-                                      </p:tavLst>
-                                    </p:anim>
-                                  </p:childTnLst>
-                                </p:cTn>
-                              </p:par>
-                              <p:par>
-                                <p:cTn id="9" presetID="2" presetClass="entr" presetSubtype="4" fill="hold" nodeType="withEffect">
-                                  <p:stCondLst>
-                                    <p:cond delay="0"/>
-                                  </p:stCondLst>
-                                  <p:childTnLst>
-                                    <p:set>
-                                      <p:cBhvr>
-                                        <p:cTn id="10" dur="1" fill="hold">
-                                          <p:stCondLst>
-                                            <p:cond delay="0"/>
-                                          </p:stCondLst>
-                                        </p:cTn>
-                                        <p:tgtEl>
-                                          <p:spTgt spid="12"/>
-                                        </p:tgtEl>
-                                        <p:attrNameLst>
-                                          <p:attrName>style.visibility</p:attrName>
-                                        </p:attrNameLst>
-                                      </p:cBhvr>
-                                      <p:to>
-                                        <p:strVal val="visible"/>
-                                      </p:to>
-                                    </p:set>
-                                    <p:anim calcmode="lin" valueType="num">
-                                      <p:cBhvr additive="base">
-                                        <p:cTn id="11" dur="500" fill="hold"/>
-                                        <p:tgtEl>
-                                          <p:spTgt spid="12"/>
-                                        </p:tgtEl>
-                                        <p:attrNameLst>
-                                          <p:attrName>ppt_x</p:attrName>
-                                        </p:attrNameLst>
-                                      </p:cBhvr>
-                                      <p:tavLst>
-                                        <p:tav tm="0">
-                                          <p:val>
-                                            <p:strVal val="#ppt_x"/>
-                                          </p:val>
-                                        </p:tav>
-                                        <p:tav tm="100000">
-                                          <p:val>
-                                            <p:strVal val="#ppt_x"/>
-                                          </p:val>
-                                        </p:tav>
-                                      </p:tavLst>
-                                    </p:anim>
-                                    <p:anim calcmode="lin" valueType="num">
-                                      <p:cBhvr additive="base">
-                                        <p:cTn id="12" dur="500" fill="hold"/>
-                                        <p:tgtEl>
-                                          <p:spTgt spid="12"/>
+                                          <p:spTgt spid="13"/>
                                         </p:tgtEl>
                                         <p:attrNameLst>
                                           <p:attrName>ppt_y</p:attrName>
@@ -11262,32 +14221,32 @@
                     </p:cTn>
                   </p:par>
                   <p:par>
-                    <p:cTn id="13" fill="hold">
+                    <p:cTn id="9" fill="hold">
                       <p:stCondLst>
                         <p:cond delay="indefinite"/>
                       </p:stCondLst>
                       <p:childTnLst>
                         <p:par>
-                          <p:cTn id="14" fill="hold">
+                          <p:cTn id="10" fill="hold">
                             <p:stCondLst>
                               <p:cond delay="0"/>
                             </p:stCondLst>
                             <p:childTnLst>
                               <p:par>
-                                <p:cTn id="15" presetID="2" presetClass="entr" presetSubtype="4" fill="hold" grpId="0" nodeType="clickEffect">
+                                <p:cTn id="11" presetID="2" presetClass="entr" presetSubtype="4" fill="hold" grpId="0" nodeType="clickEffect">
                                   <p:stCondLst>
                                     <p:cond delay="0"/>
                                   </p:stCondLst>
                                   <p:childTnLst>
                                     <p:set>
                                       <p:cBhvr>
-                                        <p:cTn id="16" dur="1" fill="hold">
+                                        <p:cTn id="12" dur="1" fill="hold">
                                           <p:stCondLst>
                                             <p:cond delay="0"/>
                                           </p:stCondLst>
                                         </p:cTn>
                                         <p:tgtEl>
-                                          <p:spTgt spid="13"/>
+                                          <p:spTgt spid="14"/>
                                         </p:tgtEl>
                                         <p:attrNameLst>
                                           <p:attrName>style.visibility</p:attrName>
@@ -11299,9 +14258,9 @@
                                     </p:set>
                                     <p:anim calcmode="lin" valueType="num">
                                       <p:cBhvr additive="base">
-                                        <p:cTn id="17" dur="500" fill="hold"/>
+                                        <p:cTn id="13" dur="500" fill="hold"/>
                                         <p:tgtEl>
-                                          <p:spTgt spid="13"/>
+                                          <p:spTgt spid="14"/>
                                         </p:tgtEl>
                                         <p:attrNameLst>
                                           <p:attrName>ppt_x</p:attrName>
@@ -11322,9 +14281,100 @@
                                     </p:anim>
                                     <p:anim calcmode="lin" valueType="num">
                                       <p:cBhvr additive="base">
-                                        <p:cTn id="18" dur="500" fill="hold"/>
+                                        <p:cTn id="14" dur="500" fill="hold"/>
                                         <p:tgtEl>
-                                          <p:spTgt spid="13"/>
+                                          <p:spTgt spid="14"/>
+                                        </p:tgtEl>
+                                        <p:attrNameLst>
+                                          <p:attrName>ppt_y</p:attrName>
+                                        </p:attrNameLst>
+                                      </p:cBhvr>
+                                      <p:tavLst>
+                                        <p:tav tm="0">
+                                          <p:val>
+                                            <p:strVal val="1+#ppt_h/2"/>
+                                          </p:val>
+                                        </p:tav>
+                                        <p:tav tm="100000">
+                                          <p:val>
+                                            <p:strVal val="#ppt_y"/>
+                                          </p:val>
+                                        </p:tav>
+                                      </p:tavLst>
+                                    </p:anim>
+                                  </p:childTnLst>
+                                </p:cTn>
+                              </p:par>
+                            </p:childTnLst>
+                          </p:cTn>
+                        </p:par>
+                      </p:childTnLst>
+                    </p:cTn>
+                  </p:par>
+                  <p:par>
+                    <p:cTn id="15" fill="hold">
+                      <p:stCondLst>
+                        <p:cond delay="indefinite"/>
+                      </p:stCondLst>
+                      <p:childTnLst>
+                        <p:par>
+                          <p:cTn id="16" fill="hold">
+                            <p:stCondLst>
+                              <p:cond delay="0"/>
+                            </p:stCondLst>
+                            <p:childTnLst>
+                              <p:par>
+                                <p:cTn id="17" presetID="2" presetClass="entr" presetSubtype="4" fill="hold" grpId="0" nodeType="clickEffect">
+                                  <p:stCondLst>
+                                    <p:cond delay="0"/>
+                                  </p:stCondLst>
+                                  <p:childTnLst>
+                                    <p:set>
+                                      <p:cBhvr>
+                                        <p:cTn id="18" dur="1" fill="hold">
+                                          <p:stCondLst>
+                                            <p:cond delay="0"/>
+                                          </p:stCondLst>
+                                        </p:cTn>
+                                        <p:tgtEl>
+                                          <p:spTgt spid="16"/>
+                                        </p:tgtEl>
+                                        <p:attrNameLst>
+                                          <p:attrName>style.visibility</p:attrName>
+                                        </p:attrNameLst>
+                                      </p:cBhvr>
+                                      <p:to>
+                                        <p:strVal val="visible"/>
+                                      </p:to>
+                                    </p:set>
+                                    <p:anim calcmode="lin" valueType="num">
+                                      <p:cBhvr additive="base">
+                                        <p:cTn id="19" dur="500" fill="hold"/>
+                                        <p:tgtEl>
+                                          <p:spTgt spid="16"/>
+                                        </p:tgtEl>
+                                        <p:attrNameLst>
+                                          <p:attrName>ppt_x</p:attrName>
+                                        </p:attrNameLst>
+                                      </p:cBhvr>
+                                      <p:tavLst>
+                                        <p:tav tm="0">
+                                          <p:val>
+                                            <p:strVal val="#ppt_x"/>
+                                          </p:val>
+                                        </p:tav>
+                                        <p:tav tm="100000">
+                                          <p:val>
+                                            <p:strVal val="#ppt_x"/>
+                                          </p:val>
+                                        </p:tav>
+                                      </p:tavLst>
+                                    </p:anim>
+                                    <p:anim calcmode="lin" valueType="num">
+                                      <p:cBhvr additive="base">
+                                        <p:cTn id="20" dur="500" fill="hold"/>
+                                        <p:tgtEl>
+                                          <p:spTgt spid="16"/>
                                         </p:tgtEl>
                                         <p:attrNameLst>
                                           <p:attrName>ppt_y</p:attrName>
@@ -11374,8 +14424,9 @@
       </p:par>
     </p:tnLst>
     <p:bldLst>
-      <p:bldP spid="11" grpId="0"/>
       <p:bldP spid="13" grpId="0"/>
+      <p:bldP spid="14" grpId="0"/>
+      <p:bldP spid="16" grpId="0"/>
     </p:bldLst>
   </p:timing>
 </p:sld>
@@ -13518,60 +16569,12 @@
           <a:chExt cx="0" cy="0"/>
         </a:xfrm>
       </p:grpSpPr>
-      <p:cxnSp>
-        <p:nvCxnSpPr>
-          <p:cNvPr id="27" name="Straight Connector 26">
+      <p:sp useBgFill="1">
+        <p:nvSpPr>
+          <p:cNvPr id="36" name="Rectangle 35">
             <a:extLst>
               <a:ext uri="{FF2B5EF4-FFF2-40B4-BE49-F238E27FC236}">
-                <a16:creationId xmlns:a16="http://schemas.microsoft.com/office/drawing/2014/main" id="{118E06E4-607B-144B-382B-AD3D06B1EE8C}"/>
-              </a:ext>
-              <a:ext uri="{C183D7F6-B498-43B3-948B-1728B52AA6E4}">
-                <adec:decorative xmlns:adec="http://schemas.microsoft.com/office/drawing/2017/decorative" val="1"/>
-              </a:ext>
-            </a:extLst>
-          </p:cNvPr>
-          <p:cNvCxnSpPr>
-            <a:cxnSpLocks noGrp="1" noRot="1" noChangeAspect="1" noMove="1" noResize="1" noEditPoints="1" noAdjustHandles="1" noChangeArrowheads="1" noChangeShapeType="1"/>
-          </p:cNvCxnSpPr>
-          <p:nvPr>
-            <p:extLst>
-              <p:ext uri="{386F3935-93C4-4BCD-93E2-E3B085C9AB24}">
-                <p16:designElem xmlns:p16="http://schemas.microsoft.com/office/powerpoint/2015/main" val="1"/>
-              </p:ext>
-            </p:extLst>
-          </p:nvPr>
-        </p:nvCxnSpPr>
-        <p:spPr>
-          <a:xfrm>
-            <a:off x="713232" y="1031001"/>
-            <a:ext cx="978862" cy="0"/>
-          </a:xfrm>
-          <a:prstGeom prst="line">
-            <a:avLst/>
-          </a:prstGeom>
-          <a:ln w="76200"/>
-        </p:spPr>
-        <p:style>
-          <a:lnRef idx="1">
-            <a:schemeClr val="accent1"/>
-          </a:lnRef>
-          <a:fillRef idx="0">
-            <a:schemeClr val="accent1"/>
-          </a:fillRef>
-          <a:effectRef idx="0">
-            <a:schemeClr val="accent1"/>
-          </a:effectRef>
-          <a:fontRef idx="minor">
-            <a:schemeClr val="tx1"/>
-          </a:fontRef>
-        </p:style>
-      </p:cxnSp>
-      <p:sp useBgFill="1">
-        <p:nvSpPr>
-          <p:cNvPr id="29" name="Rectangle 28">
-            <a:extLst>
-              <a:ext uri="{FF2B5EF4-FFF2-40B4-BE49-F238E27FC236}">
-                <a16:creationId xmlns:a16="http://schemas.microsoft.com/office/drawing/2014/main" id="{19F9BF86-FE94-4517-B97D-026C7515E589}"/>
+                <a16:creationId xmlns:a16="http://schemas.microsoft.com/office/drawing/2014/main" id="{DBDA151C-5770-45E4-AAFF-59E7F403866D}"/>
               </a:ext>
               <a:ext uri="{C183D7F6-B498-43B3-948B-1728B52AA6E4}">
                 <adec:decorative xmlns:adec="http://schemas.microsoft.com/office/drawing/2017/decorative" val="1"/>
@@ -13638,7 +16641,7 @@
           <a:lstStyle/>
           <a:p>
             <a:pPr algn="ctr"/>
-            <a:endParaRPr lang="en-US"/>
+            <a:endParaRPr lang="en-US" dirty="0"/>
           </a:p>
         </p:txBody>
       </p:sp>
@@ -13660,24 +16663,71 @@
         </p:nvSpPr>
         <p:spPr>
           <a:xfrm>
-            <a:off x="1098447" y="191684"/>
-            <a:ext cx="10168106" cy="839318"/>
+            <a:off x="713232" y="297180"/>
+            <a:ext cx="10890928" cy="971550"/>
           </a:xfrm>
         </p:spPr>
         <p:txBody>
-          <a:bodyPr vert="horz" lIns="91440" tIns="45720" rIns="91440" bIns="45720" rtlCol="0" anchor="b">
-            <a:normAutofit fontScale="90000"/>
+          <a:bodyPr vert="horz" lIns="91440" tIns="45720" rIns="91440" bIns="45720" rtlCol="0" anchor="t">
+            <a:normAutofit/>
           </a:bodyPr>
           <a:lstStyle/>
           <a:p>
-            <a:pPr algn="ctr"/>
             <a:r>
-              <a:rPr lang="en-US" sz="6000" dirty="0"/>
+              <a:rPr lang="en-US" dirty="0"/>
               <a:t>Results</a:t>
             </a:r>
           </a:p>
         </p:txBody>
       </p:sp>
+      <p:cxnSp>
+        <p:nvCxnSpPr>
+          <p:cNvPr id="38" name="Straight Connector 37">
+            <a:extLst>
+              <a:ext uri="{FF2B5EF4-FFF2-40B4-BE49-F238E27FC236}">
+                <a16:creationId xmlns:a16="http://schemas.microsoft.com/office/drawing/2014/main" id="{39AA7464-1EB7-A869-C7D3-AA680BBA984A}"/>
+              </a:ext>
+              <a:ext uri="{C183D7F6-B498-43B3-948B-1728B52AA6E4}">
+                <adec:decorative xmlns:adec="http://schemas.microsoft.com/office/drawing/2017/decorative" val="1"/>
+              </a:ext>
+            </a:extLst>
+          </p:cNvPr>
+          <p:cNvCxnSpPr>
+            <a:cxnSpLocks noGrp="1" noRot="1" noChangeAspect="1" noMove="1" noResize="1" noEditPoints="1" noAdjustHandles="1" noChangeArrowheads="1" noChangeShapeType="1"/>
+          </p:cNvCxnSpPr>
+          <p:nvPr>
+            <p:extLst>
+              <p:ext uri="{386F3935-93C4-4BCD-93E2-E3B085C9AB24}">
+                <p16:designElem xmlns:p16="http://schemas.microsoft.com/office/powerpoint/2015/main" val="1"/>
+              </p:ext>
+            </p:extLst>
+          </p:nvPr>
+        </p:nvCxnSpPr>
+        <p:spPr>
+          <a:xfrm>
+            <a:off x="713232" y="1031001"/>
+            <a:ext cx="978862" cy="0"/>
+          </a:xfrm>
+          <a:prstGeom prst="line">
+            <a:avLst/>
+          </a:prstGeom>
+          <a:ln w="76200"/>
+        </p:spPr>
+        <p:style>
+          <a:lnRef idx="1">
+            <a:schemeClr val="accent1"/>
+          </a:lnRef>
+          <a:fillRef idx="0">
+            <a:schemeClr val="accent1"/>
+          </a:fillRef>
+          <a:effectRef idx="0">
+            <a:schemeClr val="accent1"/>
+          </a:effectRef>
+          <a:fontRef idx="minor">
+            <a:schemeClr val="tx1"/>
+          </a:fontRef>
+        </p:style>
+      </p:cxnSp>
       <p:pic>
         <p:nvPicPr>
           <p:cNvPr id="9" name="Picture 8" descr="A pair of colored socks with different colored lines&#10;&#10;AI-generated content may be incorrect.">
@@ -13707,62 +16757,227 @@
         </p:blipFill>
         <p:spPr>
           <a:xfrm>
-            <a:off x="0" y="1402641"/>
-            <a:ext cx="5669298" cy="3424407"/>
+            <a:off x="0" y="1565910"/>
+            <a:ext cx="8732643" cy="5274749"/>
           </a:xfrm>
           <a:prstGeom prst="rect">
             <a:avLst/>
           </a:prstGeom>
         </p:spPr>
       </p:pic>
-      <p:cxnSp>
-        <p:nvCxnSpPr>
-          <p:cNvPr id="31" name="Straight Connector 30">
+      <p:sp>
+        <p:nvSpPr>
+          <p:cNvPr id="11" name="Content Placeholder 2">
             <a:extLst>
               <a:ext uri="{FF2B5EF4-FFF2-40B4-BE49-F238E27FC236}">
-                <a16:creationId xmlns:a16="http://schemas.microsoft.com/office/drawing/2014/main" id="{6CE0D2A5-C167-FB61-F32A-674B344F2D1F}"/>
-              </a:ext>
-              <a:ext uri="{C183D7F6-B498-43B3-948B-1728B52AA6E4}">
-                <adec:decorative xmlns:adec="http://schemas.microsoft.com/office/drawing/2017/decorative" val="1"/>
+                <a16:creationId xmlns:a16="http://schemas.microsoft.com/office/drawing/2014/main" id="{A94E3E09-2E83-B0D8-1FAB-63D38690BA80}"/>
               </a:ext>
             </a:extLst>
           </p:cNvPr>
-          <p:cNvCxnSpPr>
-            <a:cxnSpLocks noGrp="1" noRot="1" noChangeAspect="1" noMove="1" noResize="1" noEditPoints="1" noAdjustHandles="1" noChangeArrowheads="1" noChangeShapeType="1"/>
-          </p:cNvCxnSpPr>
-          <p:nvPr>
-            <p:extLst>
-              <p:ext uri="{386F3935-93C4-4BCD-93E2-E3B085C9AB24}">
-                <p16:designElem xmlns:p16="http://schemas.microsoft.com/office/powerpoint/2015/main" val="1"/>
-              </p:ext>
-            </p:extLst>
-          </p:nvPr>
-        </p:nvCxnSpPr>
+          <p:cNvSpPr txBox="1">
+            <a:spLocks/>
+          </p:cNvSpPr>
+          <p:nvPr/>
+        </p:nvSpPr>
         <p:spPr>
           <a:xfrm>
-            <a:off x="992570" y="6272784"/>
-            <a:ext cx="10208830" cy="0"/>
+            <a:off x="7532055" y="278634"/>
+            <a:ext cx="4659945" cy="1287276"/>
           </a:xfrm>
-          <a:prstGeom prst="line">
+          <a:prstGeom prst="rect">
             <a:avLst/>
           </a:prstGeom>
-          <a:ln w="76200"/>
         </p:spPr>
-        <p:style>
-          <a:lnRef idx="1">
-            <a:schemeClr val="accent1"/>
-          </a:lnRef>
-          <a:fillRef idx="0">
-            <a:schemeClr val="accent1"/>
-          </a:fillRef>
-          <a:effectRef idx="0">
-            <a:schemeClr val="accent1"/>
-          </a:effectRef>
-          <a:fontRef idx="minor">
-            <a:schemeClr val="tx1"/>
-          </a:fontRef>
-        </p:style>
-      </p:cxnSp>
+        <p:txBody>
+          <a:bodyPr vert="horz" lIns="91440" tIns="45720" rIns="91440" bIns="45720" rtlCol="0" anchor="t">
+            <a:normAutofit/>
+          </a:bodyPr>
+          <a:lstStyle>
+            <a:defPPr>
+              <a:defRPr lang="en-US"/>
+            </a:defPPr>
+            <a:lvl1pPr marL="228600" indent="-228600" algn="l" defTabSz="914400" rtl="0" eaLnBrk="1" latinLnBrk="0" hangingPunct="1">
+              <a:lnSpc>
+                <a:spcPct val="120000"/>
+              </a:lnSpc>
+              <a:spcBef>
+                <a:spcPts val="1000"/>
+              </a:spcBef>
+              <a:buSzPct val="87000"/>
+              <a:buFont typeface="Arial" panose="020B0604020202020204" pitchFamily="34" charset="0"/>
+              <a:buChar char="•"/>
+              <a:defRPr sz="2000" kern="1200">
+                <a:solidFill>
+                  <a:schemeClr val="tx1"/>
+                </a:solidFill>
+                <a:latin typeface="+mn-lt"/>
+                <a:ea typeface="+mn-ea"/>
+                <a:cs typeface="+mn-cs"/>
+              </a:defRPr>
+            </a:lvl1pPr>
+            <a:lvl2pPr marL="493776" indent="-228600" algn="l" defTabSz="914400" rtl="0" eaLnBrk="1" latinLnBrk="0" hangingPunct="1">
+              <a:lnSpc>
+                <a:spcPct val="120000"/>
+              </a:lnSpc>
+              <a:spcBef>
+                <a:spcPts val="500"/>
+              </a:spcBef>
+              <a:buSzPct val="87000"/>
+              <a:buFont typeface="Arial" panose="020B0604020202020204" pitchFamily="34" charset="0"/>
+              <a:buChar char="•"/>
+              <a:defRPr sz="1800" kern="1200">
+                <a:solidFill>
+                  <a:schemeClr val="tx1"/>
+                </a:solidFill>
+                <a:latin typeface="+mn-lt"/>
+                <a:ea typeface="+mn-ea"/>
+                <a:cs typeface="+mn-cs"/>
+              </a:defRPr>
+            </a:lvl2pPr>
+            <a:lvl3pPr marL="731520" indent="-228600" algn="l" defTabSz="914400" rtl="0" eaLnBrk="1" latinLnBrk="0" hangingPunct="1">
+              <a:lnSpc>
+                <a:spcPct val="120000"/>
+              </a:lnSpc>
+              <a:spcBef>
+                <a:spcPts val="500"/>
+              </a:spcBef>
+              <a:buSzPct val="87000"/>
+              <a:buFont typeface="Arial" panose="020B0604020202020204" pitchFamily="34" charset="0"/>
+              <a:buChar char="•"/>
+              <a:defRPr sz="1600" kern="1200">
+                <a:solidFill>
+                  <a:schemeClr val="tx1"/>
+                </a:solidFill>
+                <a:latin typeface="+mn-lt"/>
+                <a:ea typeface="+mn-ea"/>
+                <a:cs typeface="+mn-cs"/>
+              </a:defRPr>
+            </a:lvl3pPr>
+            <a:lvl4pPr marL="1051560" indent="-285750" algn="l" defTabSz="914400" rtl="0" eaLnBrk="1" latinLnBrk="0" hangingPunct="1">
+              <a:lnSpc>
+                <a:spcPct val="120000"/>
+              </a:lnSpc>
+              <a:spcBef>
+                <a:spcPts val="500"/>
+              </a:spcBef>
+              <a:buSzPct val="87000"/>
+              <a:buFont typeface="Arial" panose="020B0604020202020204" pitchFamily="34" charset="0"/>
+              <a:buChar char="•"/>
+              <a:defRPr sz="1400" kern="1200">
+                <a:solidFill>
+                  <a:schemeClr val="tx1"/>
+                </a:solidFill>
+                <a:latin typeface="+mn-lt"/>
+                <a:ea typeface="+mn-ea"/>
+                <a:cs typeface="+mn-cs"/>
+              </a:defRPr>
+            </a:lvl4pPr>
+            <a:lvl5pPr marL="1298448" indent="-228600" algn="l" defTabSz="914400" rtl="0" eaLnBrk="1" latinLnBrk="0" hangingPunct="1">
+              <a:lnSpc>
+                <a:spcPct val="120000"/>
+              </a:lnSpc>
+              <a:spcBef>
+                <a:spcPts val="500"/>
+              </a:spcBef>
+              <a:buSzPct val="87000"/>
+              <a:buFont typeface="Arial" panose="020B0604020202020204" pitchFamily="34" charset="0"/>
+              <a:buChar char="•"/>
+              <a:defRPr sz="1400" kern="1200">
+                <a:solidFill>
+                  <a:schemeClr val="tx1"/>
+                </a:solidFill>
+                <a:latin typeface="+mn-lt"/>
+                <a:ea typeface="+mn-ea"/>
+                <a:cs typeface="+mn-cs"/>
+              </a:defRPr>
+            </a:lvl5pPr>
+            <a:lvl6pPr marL="2514600" indent="-228600" algn="l" defTabSz="914400" rtl="0" eaLnBrk="1" latinLnBrk="0" hangingPunct="1">
+              <a:lnSpc>
+                <a:spcPct val="90000"/>
+              </a:lnSpc>
+              <a:spcBef>
+                <a:spcPts val="500"/>
+              </a:spcBef>
+              <a:buFont typeface="Arial" panose="020B0604020202020204" pitchFamily="34" charset="0"/>
+              <a:buChar char="•"/>
+              <a:defRPr sz="1800" kern="1200">
+                <a:solidFill>
+                  <a:schemeClr val="tx1"/>
+                </a:solidFill>
+                <a:latin typeface="+mn-lt"/>
+                <a:ea typeface="+mn-ea"/>
+                <a:cs typeface="+mn-cs"/>
+              </a:defRPr>
+            </a:lvl6pPr>
+            <a:lvl7pPr marL="2971800" indent="-228600" algn="l" defTabSz="914400" rtl="0" eaLnBrk="1" latinLnBrk="0" hangingPunct="1">
+              <a:lnSpc>
+                <a:spcPct val="90000"/>
+              </a:lnSpc>
+              <a:spcBef>
+                <a:spcPts val="500"/>
+              </a:spcBef>
+              <a:buFont typeface="Arial" panose="020B0604020202020204" pitchFamily="34" charset="0"/>
+              <a:buChar char="•"/>
+              <a:defRPr sz="1800" kern="1200">
+                <a:solidFill>
+                  <a:schemeClr val="tx1"/>
+                </a:solidFill>
+                <a:latin typeface="+mn-lt"/>
+                <a:ea typeface="+mn-ea"/>
+                <a:cs typeface="+mn-cs"/>
+              </a:defRPr>
+            </a:lvl7pPr>
+            <a:lvl8pPr marL="3429000" indent="-228600" algn="l" defTabSz="914400" rtl="0" eaLnBrk="1" latinLnBrk="0" hangingPunct="1">
+              <a:lnSpc>
+                <a:spcPct val="90000"/>
+              </a:lnSpc>
+              <a:spcBef>
+                <a:spcPts val="500"/>
+              </a:spcBef>
+              <a:buFont typeface="Arial" panose="020B0604020202020204" pitchFamily="34" charset="0"/>
+              <a:buChar char="•"/>
+              <a:defRPr sz="1800" kern="1200">
+                <a:solidFill>
+                  <a:schemeClr val="tx1"/>
+                </a:solidFill>
+                <a:latin typeface="+mn-lt"/>
+                <a:ea typeface="+mn-ea"/>
+                <a:cs typeface="+mn-cs"/>
+              </a:defRPr>
+            </a:lvl8pPr>
+            <a:lvl9pPr marL="3886200" indent="-228600" algn="l" defTabSz="914400" rtl="0" eaLnBrk="1" latinLnBrk="0" hangingPunct="1">
+              <a:lnSpc>
+                <a:spcPct val="90000"/>
+              </a:lnSpc>
+              <a:spcBef>
+                <a:spcPts val="500"/>
+              </a:spcBef>
+              <a:buFont typeface="Arial" panose="020B0604020202020204" pitchFamily="34" charset="0"/>
+              <a:buChar char="•"/>
+              <a:defRPr sz="1800" kern="1200">
+                <a:solidFill>
+                  <a:schemeClr val="tx1"/>
+                </a:solidFill>
+                <a:latin typeface="+mn-lt"/>
+                <a:ea typeface="+mn-ea"/>
+                <a:cs typeface="+mn-cs"/>
+              </a:defRPr>
+            </a:lvl9pPr>
+          </a:lstStyle>
+          <a:p>
+            <a:r>
+              <a:rPr lang="en-US" dirty="0"/>
+              <a:t>Overall accuracy of 96%.</a:t>
+            </a:r>
+          </a:p>
+          <a:p>
+            <a:r>
+              <a:rPr lang="en-US" dirty="0"/>
+              <a:t>Much better results than last time!</a:t>
+            </a:r>
+          </a:p>
+        </p:txBody>
+      </p:sp>
       <p:sp>
         <p:nvSpPr>
           <p:cNvPr id="10" name="Content Placeholder 2">
@@ -13967,255 +17182,6 @@
           </a:p>
         </p:txBody>
       </p:sp>
-      <p:sp>
-        <p:nvSpPr>
-          <p:cNvPr id="11" name="Content Placeholder 2">
-            <a:extLst>
-              <a:ext uri="{FF2B5EF4-FFF2-40B4-BE49-F238E27FC236}">
-                <a16:creationId xmlns:a16="http://schemas.microsoft.com/office/drawing/2014/main" id="{A94E3E09-2E83-B0D8-1FAB-63D38690BA80}"/>
-              </a:ext>
-            </a:extLst>
-          </p:cNvPr>
-          <p:cNvSpPr txBox="1">
-            <a:spLocks/>
-          </p:cNvSpPr>
-          <p:nvPr/>
-        </p:nvSpPr>
-        <p:spPr>
-          <a:xfrm>
-            <a:off x="1098447" y="5070776"/>
-            <a:ext cx="4515773" cy="1013630"/>
-          </a:xfrm>
-          <a:prstGeom prst="rect">
-            <a:avLst/>
-          </a:prstGeom>
-        </p:spPr>
-        <p:txBody>
-          <a:bodyPr vert="horz" lIns="91440" tIns="45720" rIns="91440" bIns="45720" rtlCol="0" anchor="t">
-            <a:normAutofit/>
-          </a:bodyPr>
-          <a:lstStyle>
-            <a:defPPr>
-              <a:defRPr lang="en-US"/>
-            </a:defPPr>
-            <a:lvl1pPr marL="228600" indent="-228600" algn="l" defTabSz="914400" rtl="0" eaLnBrk="1" latinLnBrk="0" hangingPunct="1">
-              <a:lnSpc>
-                <a:spcPct val="120000"/>
-              </a:lnSpc>
-              <a:spcBef>
-                <a:spcPts val="1000"/>
-              </a:spcBef>
-              <a:buSzPct val="87000"/>
-              <a:buFont typeface="Arial" panose="020B0604020202020204" pitchFamily="34" charset="0"/>
-              <a:buChar char="•"/>
-              <a:defRPr sz="2000" kern="1200">
-                <a:solidFill>
-                  <a:schemeClr val="tx1"/>
-                </a:solidFill>
-                <a:latin typeface="+mn-lt"/>
-                <a:ea typeface="+mn-ea"/>
-                <a:cs typeface="+mn-cs"/>
-              </a:defRPr>
-            </a:lvl1pPr>
-            <a:lvl2pPr marL="493776" indent="-228600" algn="l" defTabSz="914400" rtl="0" eaLnBrk="1" latinLnBrk="0" hangingPunct="1">
-              <a:lnSpc>
-                <a:spcPct val="120000"/>
-              </a:lnSpc>
-              <a:spcBef>
-                <a:spcPts val="500"/>
-              </a:spcBef>
-              <a:buSzPct val="87000"/>
-              <a:buFont typeface="Arial" panose="020B0604020202020204" pitchFamily="34" charset="0"/>
-              <a:buChar char="•"/>
-              <a:defRPr sz="1800" kern="1200">
-                <a:solidFill>
-                  <a:schemeClr val="tx1"/>
-                </a:solidFill>
-                <a:latin typeface="+mn-lt"/>
-                <a:ea typeface="+mn-ea"/>
-                <a:cs typeface="+mn-cs"/>
-              </a:defRPr>
-            </a:lvl2pPr>
-            <a:lvl3pPr marL="731520" indent="-228600" algn="l" defTabSz="914400" rtl="0" eaLnBrk="1" latinLnBrk="0" hangingPunct="1">
-              <a:lnSpc>
-                <a:spcPct val="120000"/>
-              </a:lnSpc>
-              <a:spcBef>
-                <a:spcPts val="500"/>
-              </a:spcBef>
-              <a:buSzPct val="87000"/>
-              <a:buFont typeface="Arial" panose="020B0604020202020204" pitchFamily="34" charset="0"/>
-              <a:buChar char="•"/>
-              <a:defRPr sz="1600" kern="1200">
-                <a:solidFill>
-                  <a:schemeClr val="tx1"/>
-                </a:solidFill>
-                <a:latin typeface="+mn-lt"/>
-                <a:ea typeface="+mn-ea"/>
-                <a:cs typeface="+mn-cs"/>
-              </a:defRPr>
-            </a:lvl3pPr>
-            <a:lvl4pPr marL="1051560" indent="-285750" algn="l" defTabSz="914400" rtl="0" eaLnBrk="1" latinLnBrk="0" hangingPunct="1">
-              <a:lnSpc>
-                <a:spcPct val="120000"/>
-              </a:lnSpc>
-              <a:spcBef>
-                <a:spcPts val="500"/>
-              </a:spcBef>
-              <a:buSzPct val="87000"/>
-              <a:buFont typeface="Arial" panose="020B0604020202020204" pitchFamily="34" charset="0"/>
-              <a:buChar char="•"/>
-              <a:defRPr sz="1400" kern="1200">
-                <a:solidFill>
-                  <a:schemeClr val="tx1"/>
-                </a:solidFill>
-                <a:latin typeface="+mn-lt"/>
-                <a:ea typeface="+mn-ea"/>
-                <a:cs typeface="+mn-cs"/>
-              </a:defRPr>
-            </a:lvl4pPr>
-            <a:lvl5pPr marL="1298448" indent="-228600" algn="l" defTabSz="914400" rtl="0" eaLnBrk="1" latinLnBrk="0" hangingPunct="1">
-              <a:lnSpc>
-                <a:spcPct val="120000"/>
-              </a:lnSpc>
-              <a:spcBef>
-                <a:spcPts val="500"/>
-              </a:spcBef>
-              <a:buSzPct val="87000"/>
-              <a:buFont typeface="Arial" panose="020B0604020202020204" pitchFamily="34" charset="0"/>
-              <a:buChar char="•"/>
-              <a:defRPr sz="1400" kern="1200">
-                <a:solidFill>
-                  <a:schemeClr val="tx1"/>
-                </a:solidFill>
-                <a:latin typeface="+mn-lt"/>
-                <a:ea typeface="+mn-ea"/>
-                <a:cs typeface="+mn-cs"/>
-              </a:defRPr>
-            </a:lvl5pPr>
-            <a:lvl6pPr marL="2514600" indent="-228600" algn="l" defTabSz="914400" rtl="0" eaLnBrk="1" latinLnBrk="0" hangingPunct="1">
-              <a:lnSpc>
-                <a:spcPct val="90000"/>
-              </a:lnSpc>
-              <a:spcBef>
-                <a:spcPts val="500"/>
-              </a:spcBef>
-              <a:buFont typeface="Arial" panose="020B0604020202020204" pitchFamily="34" charset="0"/>
-              <a:buChar char="•"/>
-              <a:defRPr sz="1800" kern="1200">
-                <a:solidFill>
-                  <a:schemeClr val="tx1"/>
-                </a:solidFill>
-                <a:latin typeface="+mn-lt"/>
-                <a:ea typeface="+mn-ea"/>
-                <a:cs typeface="+mn-cs"/>
-              </a:defRPr>
-            </a:lvl6pPr>
-            <a:lvl7pPr marL="2971800" indent="-228600" algn="l" defTabSz="914400" rtl="0" eaLnBrk="1" latinLnBrk="0" hangingPunct="1">
-              <a:lnSpc>
-                <a:spcPct val="90000"/>
-              </a:lnSpc>
-              <a:spcBef>
-                <a:spcPts val="500"/>
-              </a:spcBef>
-              <a:buFont typeface="Arial" panose="020B0604020202020204" pitchFamily="34" charset="0"/>
-              <a:buChar char="•"/>
-              <a:defRPr sz="1800" kern="1200">
-                <a:solidFill>
-                  <a:schemeClr val="tx1"/>
-                </a:solidFill>
-                <a:latin typeface="+mn-lt"/>
-                <a:ea typeface="+mn-ea"/>
-                <a:cs typeface="+mn-cs"/>
-              </a:defRPr>
-            </a:lvl7pPr>
-            <a:lvl8pPr marL="3429000" indent="-228600" algn="l" defTabSz="914400" rtl="0" eaLnBrk="1" latinLnBrk="0" hangingPunct="1">
-              <a:lnSpc>
-                <a:spcPct val="90000"/>
-              </a:lnSpc>
-              <a:spcBef>
-                <a:spcPts val="500"/>
-              </a:spcBef>
-              <a:buFont typeface="Arial" panose="020B0604020202020204" pitchFamily="34" charset="0"/>
-              <a:buChar char="•"/>
-              <a:defRPr sz="1800" kern="1200">
-                <a:solidFill>
-                  <a:schemeClr val="tx1"/>
-                </a:solidFill>
-                <a:latin typeface="+mn-lt"/>
-                <a:ea typeface="+mn-ea"/>
-                <a:cs typeface="+mn-cs"/>
-              </a:defRPr>
-            </a:lvl8pPr>
-            <a:lvl9pPr marL="3886200" indent="-228600" algn="l" defTabSz="914400" rtl="0" eaLnBrk="1" latinLnBrk="0" hangingPunct="1">
-              <a:lnSpc>
-                <a:spcPct val="90000"/>
-              </a:lnSpc>
-              <a:spcBef>
-                <a:spcPts val="500"/>
-              </a:spcBef>
-              <a:buFont typeface="Arial" panose="020B0604020202020204" pitchFamily="34" charset="0"/>
-              <a:buChar char="•"/>
-              <a:defRPr sz="1800" kern="1200">
-                <a:solidFill>
-                  <a:schemeClr val="tx1"/>
-                </a:solidFill>
-                <a:latin typeface="+mn-lt"/>
-                <a:ea typeface="+mn-ea"/>
-                <a:cs typeface="+mn-cs"/>
-              </a:defRPr>
-            </a:lvl9pPr>
-          </a:lstStyle>
-          <a:p>
-            <a:r>
-              <a:rPr lang="en-US" dirty="0"/>
-              <a:t>Overall accuracy of 96%.</a:t>
-            </a:r>
-          </a:p>
-          <a:p>
-            <a:r>
-              <a:rPr lang="en-US" dirty="0"/>
-              <a:t>Much better results than last time!</a:t>
-            </a:r>
-          </a:p>
-        </p:txBody>
-      </p:sp>
-      <p:pic>
-        <p:nvPicPr>
-          <p:cNvPr id="13" name="Picture 12" descr="A close-up of a diagram&#10;&#10;AI-generated content may be incorrect.">
-            <a:extLst>
-              <a:ext uri="{FF2B5EF4-FFF2-40B4-BE49-F238E27FC236}">
-                <a16:creationId xmlns:a16="http://schemas.microsoft.com/office/drawing/2014/main" id="{ADADA2E8-1A02-5535-8C14-C52035A9BBC5}"/>
-              </a:ext>
-            </a:extLst>
-          </p:cNvPr>
-          <p:cNvPicPr>
-            <a:picLocks noChangeAspect="1"/>
-          </p:cNvPicPr>
-          <p:nvPr/>
-        </p:nvPicPr>
-        <p:blipFill>
-          <a:blip r:embed="rId3">
-            <a:extLst>
-              <a:ext uri="{28A0092B-C50C-407E-A947-70E740481C1C}">
-                <a14:useLocalDpi xmlns:a14="http://schemas.microsoft.com/office/drawing/2010/main" val="0"/>
-              </a:ext>
-            </a:extLst>
-          </a:blip>
-          <a:stretch>
-            <a:fillRect/>
-          </a:stretch>
-        </p:blipFill>
-        <p:spPr>
-          <a:xfrm>
-            <a:off x="5614232" y="1792558"/>
-            <a:ext cx="6459064" cy="2906579"/>
-          </a:xfrm>
-          <a:prstGeom prst="rect">
-            <a:avLst/>
-          </a:prstGeom>
-        </p:spPr>
-      </p:pic>
     </p:spTree>
     <p:extLst>
       <p:ext uri="{BB962C8B-B14F-4D97-AF65-F5344CB8AC3E}">
@@ -14503,14 +17469,154 @@
     </p:tnLst>
     <p:bldLst>
       <p:bldP spid="2" grpId="0"/>
+      <p:bldP spid="11" grpId="0"/>
       <p:bldP spid="10" grpId="0"/>
-      <p:bldP spid="11" grpId="0"/>
     </p:bldLst>
   </p:timing>
 </p:sld>
 </file>
 
 <file path=ppt/slides/slide8.xml><?xml version="1.0" encoding="utf-8"?>
+<p:sld xmlns:a="http://schemas.openxmlformats.org/drawingml/2006/main" xmlns:r="http://schemas.openxmlformats.org/officeDocument/2006/relationships" xmlns:p="http://schemas.openxmlformats.org/presentationml/2006/main">
+  <p:cSld>
+    <p:spTree>
+      <p:nvGrpSpPr>
+        <p:cNvPr id="1" name=""/>
+        <p:cNvGrpSpPr/>
+        <p:nvPr/>
+      </p:nvGrpSpPr>
+      <p:grpSpPr>
+        <a:xfrm>
+          <a:off x="0" y="0"/>
+          <a:ext cx="0" cy="0"/>
+          <a:chOff x="0" y="0"/>
+          <a:chExt cx="0" cy="0"/>
+        </a:xfrm>
+      </p:grpSpPr>
+      <p:sp>
+        <p:nvSpPr>
+          <p:cNvPr id="2" name="Title 1">
+            <a:extLst>
+              <a:ext uri="{FF2B5EF4-FFF2-40B4-BE49-F238E27FC236}">
+                <a16:creationId xmlns:a16="http://schemas.microsoft.com/office/drawing/2014/main" id="{111C9703-906C-592B-AEB8-0D98F563D501}"/>
+              </a:ext>
+            </a:extLst>
+          </p:cNvPr>
+          <p:cNvSpPr>
+            <a:spLocks noGrp="1"/>
+          </p:cNvSpPr>
+          <p:nvPr>
+            <p:ph type="title"/>
+          </p:nvPr>
+        </p:nvSpPr>
+        <p:spPr>
+          <a:xfrm>
+            <a:off x="640079" y="201562"/>
+            <a:ext cx="10890929" cy="1097280"/>
+          </a:xfrm>
+        </p:spPr>
+        <p:txBody>
+          <a:bodyPr/>
+          <a:lstStyle/>
+          <a:p>
+            <a:r>
+              <a:rPr lang="en-GB" dirty="0"/>
+              <a:t>Results – Transformation Rules</a:t>
+            </a:r>
+            <a:endParaRPr lang="en-IN" dirty="0"/>
+          </a:p>
+        </p:txBody>
+      </p:sp>
+      <p:pic>
+        <p:nvPicPr>
+          <p:cNvPr id="4" name="Picture 3" descr="A close-up of a diagram&#10;&#10;AI-generated content may be incorrect.">
+            <a:extLst>
+              <a:ext uri="{FF2B5EF4-FFF2-40B4-BE49-F238E27FC236}">
+                <a16:creationId xmlns:a16="http://schemas.microsoft.com/office/drawing/2014/main" id="{54DEEB7B-804B-26F2-A9BA-8F9D0920635D}"/>
+              </a:ext>
+            </a:extLst>
+          </p:cNvPr>
+          <p:cNvPicPr>
+            <a:picLocks noChangeAspect="1"/>
+          </p:cNvPicPr>
+          <p:nvPr/>
+        </p:nvPicPr>
+        <p:blipFill>
+          <a:blip r:embed="rId2">
+            <a:extLst>
+              <a:ext uri="{28A0092B-C50C-407E-A947-70E740481C1C}">
+                <a14:useLocalDpi xmlns:a14="http://schemas.microsoft.com/office/drawing/2010/main" val="0"/>
+              </a:ext>
+            </a:extLst>
+          </a:blip>
+          <a:stretch>
+            <a:fillRect/>
+          </a:stretch>
+        </p:blipFill>
+        <p:spPr>
+          <a:xfrm>
+            <a:off x="0" y="1957211"/>
+            <a:ext cx="10890644" cy="4900790"/>
+          </a:xfrm>
+          <a:prstGeom prst="rect">
+            <a:avLst/>
+          </a:prstGeom>
+        </p:spPr>
+      </p:pic>
+      <p:sp>
+        <p:nvSpPr>
+          <p:cNvPr id="3" name="Content Placeholder 2">
+            <a:extLst>
+              <a:ext uri="{FF2B5EF4-FFF2-40B4-BE49-F238E27FC236}">
+                <a16:creationId xmlns:a16="http://schemas.microsoft.com/office/drawing/2014/main" id="{1516960C-FA09-FF2B-9271-8FAC3A45E62C}"/>
+              </a:ext>
+            </a:extLst>
+          </p:cNvPr>
+          <p:cNvSpPr>
+            <a:spLocks noGrp="1"/>
+          </p:cNvSpPr>
+          <p:nvPr>
+            <p:ph idx="1"/>
+          </p:nvPr>
+        </p:nvSpPr>
+        <p:spPr>
+          <a:xfrm>
+            <a:off x="7877869" y="201562"/>
+            <a:ext cx="4314131" cy="4900790"/>
+          </a:xfrm>
+        </p:spPr>
+        <p:txBody>
+          <a:bodyPr/>
+          <a:lstStyle/>
+          <a:p>
+            <a:r>
+              <a:rPr lang="en-GB" dirty="0"/>
+              <a:t>However, the same accuracy is not reflected in the transformation rules!</a:t>
+            </a:r>
+          </a:p>
+          <a:p>
+            <a:r>
+              <a:rPr lang="en-GB" dirty="0"/>
+              <a:t>Most transformation rules are wrong (either they are in the wrong order, or totally wrong)!</a:t>
+            </a:r>
+            <a:endParaRPr lang="en-IN" dirty="0"/>
+          </a:p>
+        </p:txBody>
+      </p:sp>
+    </p:spTree>
+    <p:extLst>
+      <p:ext uri="{BB962C8B-B14F-4D97-AF65-F5344CB8AC3E}">
+        <p14:creationId xmlns:p14="http://schemas.microsoft.com/office/powerpoint/2010/main" val="857863394"/>
+      </p:ext>
+    </p:extLst>
+  </p:cSld>
+  <p:clrMapOvr>
+    <a:masterClrMapping/>
+  </p:clrMapOvr>
+</p:sld>
+</file>
+
+<file path=ppt/slides/slide9.xml><?xml version="1.0" encoding="utf-8"?>
 <p:sld xmlns:a="http://schemas.openxmlformats.org/drawingml/2006/main" xmlns:r="http://schemas.openxmlformats.org/officeDocument/2006/relationships" xmlns:p="http://schemas.openxmlformats.org/presentationml/2006/main">
   <p:cSld>
     <p:spTree>
@@ -14609,294 +17715,6 @@
     <p:extLst>
       <p:ext uri="{BB962C8B-B14F-4D97-AF65-F5344CB8AC3E}">
         <p14:creationId xmlns:p14="http://schemas.microsoft.com/office/powerpoint/2010/main" val="4134895991"/>
-      </p:ext>
-    </p:extLst>
-  </p:cSld>
-  <p:clrMapOvr>
-    <a:masterClrMapping/>
-  </p:clrMapOvr>
-</p:sld>
-</file>
-
-<file path=ppt/slides/slide9.xml><?xml version="1.0" encoding="utf-8"?>
-<p:sld xmlns:a="http://schemas.openxmlformats.org/drawingml/2006/main" xmlns:r="http://schemas.openxmlformats.org/officeDocument/2006/relationships" xmlns:p="http://schemas.openxmlformats.org/presentationml/2006/main">
-  <p:cSld>
-    <p:bg>
-      <p:bgPr>
-        <a:solidFill>
-          <a:schemeClr val="bg1"/>
-        </a:solidFill>
-        <a:effectLst/>
-      </p:bgPr>
-    </p:bg>
-    <p:spTree>
-      <p:nvGrpSpPr>
-        <p:cNvPr id="1" name=""/>
-        <p:cNvGrpSpPr/>
-        <p:nvPr/>
-      </p:nvGrpSpPr>
-      <p:grpSpPr>
-        <a:xfrm>
-          <a:off x="0" y="0"/>
-          <a:ext cx="0" cy="0"/>
-          <a:chOff x="0" y="0"/>
-          <a:chExt cx="0" cy="0"/>
-        </a:xfrm>
-      </p:grpSpPr>
-      <p:sp useBgFill="1">
-        <p:nvSpPr>
-          <p:cNvPr id="13" name="Rectangle 12">
-            <a:extLst>
-              <a:ext uri="{FF2B5EF4-FFF2-40B4-BE49-F238E27FC236}">
-                <a16:creationId xmlns:a16="http://schemas.microsoft.com/office/drawing/2014/main" id="{DBDA151C-5770-45E4-AAFF-59E7F403866D}"/>
-              </a:ext>
-              <a:ext uri="{C183D7F6-B498-43B3-948B-1728B52AA6E4}">
-                <adec:decorative xmlns:adec="http://schemas.microsoft.com/office/drawing/2017/decorative" val="1"/>
-              </a:ext>
-            </a:extLst>
-          </p:cNvPr>
-          <p:cNvSpPr>
-            <a:spLocks noGrp="1" noRot="1" noChangeAspect="1" noMove="1" noResize="1" noEditPoints="1" noAdjustHandles="1" noChangeArrowheads="1" noChangeShapeType="1" noTextEdit="1"/>
-          </p:cNvSpPr>
-          <p:nvPr>
-            <p:extLst>
-              <p:ext uri="{386F3935-93C4-4BCD-93E2-E3B085C9AB24}">
-                <p16:designElem xmlns:p16="http://schemas.microsoft.com/office/powerpoint/2015/main" val="1"/>
-              </p:ext>
-            </p:extLst>
-          </p:nvPr>
-        </p:nvSpPr>
-        <p:spPr>
-          <a:xfrm>
-            <a:off x="0" y="0"/>
-            <a:ext cx="12192000" cy="6858000"/>
-          </a:xfrm>
-          <a:prstGeom prst="rect">
-            <a:avLst/>
-          </a:prstGeom>
-          <a:ln w="12700" cap="flat" cmpd="sng" algn="ctr">
-            <a:noFill/>
-            <a:prstDash val="solid"/>
-            <a:miter lim="800000"/>
-          </a:ln>
-          <a:effectLst/>
-          <a:extLst>
-            <a:ext uri="{91240B29-F687-4F45-9708-019B960494DF}">
-              <a14:hiddenLine xmlns:a14="http://schemas.microsoft.com/office/drawing/2010/main" w="12700" cap="flat" cmpd="sng" algn="ctr">
-                <a:solidFill>
-                  <a:schemeClr val="accent1">
-                    <a:shade val="50000"/>
-                  </a:schemeClr>
-                </a:solidFill>
-                <a:prstDash val="solid"/>
-                <a:miter lim="800000"/>
-              </a14:hiddenLine>
-            </a:ext>
-          </a:extLst>
-        </p:spPr>
-        <p:style>
-          <a:lnRef idx="2">
-            <a:schemeClr val="accent1">
-              <a:shade val="50000"/>
-            </a:schemeClr>
-          </a:lnRef>
-          <a:fillRef idx="1">
-            <a:schemeClr val="accent1"/>
-          </a:fillRef>
-          <a:effectRef idx="0">
-            <a:schemeClr val="accent1"/>
-          </a:effectRef>
-          <a:fontRef idx="minor">
-            <a:schemeClr val="lt1"/>
-          </a:fontRef>
-        </p:style>
-        <p:txBody>
-          <a:bodyPr rtlCol="0" anchor="ctr"/>
-          <a:lstStyle/>
-          <a:p>
-            <a:pPr algn="ctr"/>
-            <a:endParaRPr lang="en-US" dirty="0"/>
-          </a:p>
-        </p:txBody>
-      </p:sp>
-      <p:sp>
-        <p:nvSpPr>
-          <p:cNvPr id="2" name="Title 1">
-            <a:extLst>
-              <a:ext uri="{FF2B5EF4-FFF2-40B4-BE49-F238E27FC236}">
-                <a16:creationId xmlns:a16="http://schemas.microsoft.com/office/drawing/2014/main" id="{D99FDB15-0AA9-DEDB-C1ED-18264E35F707}"/>
-              </a:ext>
-            </a:extLst>
-          </p:cNvPr>
-          <p:cNvSpPr>
-            <a:spLocks noGrp="1"/>
-          </p:cNvSpPr>
-          <p:nvPr>
-            <p:ph type="title"/>
-          </p:nvPr>
-        </p:nvSpPr>
-        <p:spPr>
-          <a:xfrm>
-            <a:off x="672254" y="328865"/>
-            <a:ext cx="10847494" cy="1171069"/>
-          </a:xfrm>
-        </p:spPr>
-        <p:txBody>
-          <a:bodyPr anchor="t">
-            <a:normAutofit/>
-          </a:bodyPr>
-          <a:lstStyle/>
-          <a:p>
-            <a:r>
-              <a:rPr lang="en-GB" dirty="0"/>
-              <a:t>Advantages of Alternate Program Flow</a:t>
-            </a:r>
-            <a:endParaRPr lang="en-IN" dirty="0"/>
-          </a:p>
-        </p:txBody>
-      </p:sp>
-      <p:pic>
-        <p:nvPicPr>
-          <p:cNvPr id="8" name="Picture 7" descr="A diagram of calories in calories&#10;&#10;AI-generated content may be incorrect.">
-            <a:extLst>
-              <a:ext uri="{FF2B5EF4-FFF2-40B4-BE49-F238E27FC236}">
-                <a16:creationId xmlns:a16="http://schemas.microsoft.com/office/drawing/2014/main" id="{AE4CDE92-73EA-AAFF-D021-FE5003C0B7FF}"/>
-              </a:ext>
-            </a:extLst>
-          </p:cNvPr>
-          <p:cNvPicPr>
-            <a:picLocks noChangeAspect="1"/>
-          </p:cNvPicPr>
-          <p:nvPr/>
-        </p:nvPicPr>
-        <p:blipFill>
-          <a:blip r:embed="rId2">
-            <a:extLst>
-              <a:ext uri="{28A0092B-C50C-407E-A947-70E740481C1C}">
-                <a14:useLocalDpi xmlns:a14="http://schemas.microsoft.com/office/drawing/2010/main" val="0"/>
-              </a:ext>
-            </a:extLst>
-          </a:blip>
-          <a:stretch>
-            <a:fillRect/>
-          </a:stretch>
-        </p:blipFill>
-        <p:spPr>
-          <a:xfrm>
-            <a:off x="342710" y="1499934"/>
-            <a:ext cx="6663697" cy="3748329"/>
-          </a:xfrm>
-          <a:prstGeom prst="rect">
-            <a:avLst/>
-          </a:prstGeom>
-        </p:spPr>
-      </p:pic>
-      <p:sp>
-        <p:nvSpPr>
-          <p:cNvPr id="3" name="Content Placeholder 2">
-            <a:extLst>
-              <a:ext uri="{FF2B5EF4-FFF2-40B4-BE49-F238E27FC236}">
-                <a16:creationId xmlns:a16="http://schemas.microsoft.com/office/drawing/2014/main" id="{53E703B5-4B88-0123-8849-08B34853E86B}"/>
-              </a:ext>
-            </a:extLst>
-          </p:cNvPr>
-          <p:cNvSpPr>
-            <a:spLocks noGrp="1"/>
-          </p:cNvSpPr>
-          <p:nvPr>
-            <p:ph idx="1"/>
-          </p:nvPr>
-        </p:nvSpPr>
-        <p:spPr>
-          <a:xfrm>
-            <a:off x="6915149" y="1426869"/>
-            <a:ext cx="5012243" cy="4589878"/>
-          </a:xfrm>
-        </p:spPr>
-        <p:txBody>
-          <a:bodyPr anchor="t">
-            <a:normAutofit/>
-          </a:bodyPr>
-          <a:lstStyle/>
-          <a:p>
-            <a:r>
-              <a:rPr lang="en-GB" dirty="0"/>
-              <a:t>Reduction in LLM calls by a factor of 40%.</a:t>
-            </a:r>
-          </a:p>
-          <a:p>
-            <a:r>
-              <a:rPr lang="en-GB" dirty="0"/>
-              <a:t>Reduces cost and time.</a:t>
-            </a:r>
-          </a:p>
-          <a:p>
-            <a:r>
-              <a:rPr lang="en-GB" dirty="0"/>
-              <a:t>Making an LLM API call takes upwards of 45 seconds, whereas the current Calcite-based deterministic check requires less than 5 seconds.</a:t>
-            </a:r>
-          </a:p>
-          <a:p>
-            <a:r>
-              <a:rPr lang="en-GB" dirty="0"/>
-              <a:t>Lesser tokens are used.</a:t>
-            </a:r>
-            <a:endParaRPr lang="en-IN" dirty="0"/>
-          </a:p>
-        </p:txBody>
-      </p:sp>
-      <p:cxnSp>
-        <p:nvCxnSpPr>
-          <p:cNvPr id="15" name="Straight Connector 14">
-            <a:extLst>
-              <a:ext uri="{FF2B5EF4-FFF2-40B4-BE49-F238E27FC236}">
-                <a16:creationId xmlns:a16="http://schemas.microsoft.com/office/drawing/2014/main" id="{2EA0F4A6-3CC9-C9E2-BA02-58FA29F7DD8E}"/>
-              </a:ext>
-              <a:ext uri="{C183D7F6-B498-43B3-948B-1728B52AA6E4}">
-                <adec:decorative xmlns:adec="http://schemas.microsoft.com/office/drawing/2017/decorative" val="1"/>
-              </a:ext>
-            </a:extLst>
-          </p:cNvPr>
-          <p:cNvCxnSpPr>
-            <a:cxnSpLocks noGrp="1" noRot="1" noChangeAspect="1" noMove="1" noResize="1" noEditPoints="1" noAdjustHandles="1" noChangeArrowheads="1" noChangeShapeType="1"/>
-          </p:cNvCxnSpPr>
-          <p:nvPr>
-            <p:extLst>
-              <p:ext uri="{386F3935-93C4-4BCD-93E2-E3B085C9AB24}">
-                <p16:designElem xmlns:p16="http://schemas.microsoft.com/office/powerpoint/2015/main" val="1"/>
-              </p:ext>
-            </p:extLst>
-          </p:nvPr>
-        </p:nvCxnSpPr>
-        <p:spPr>
-          <a:xfrm>
-            <a:off x="672253" y="6272784"/>
-            <a:ext cx="10847495" cy="0"/>
-          </a:xfrm>
-          <a:prstGeom prst="line">
-            <a:avLst/>
-          </a:prstGeom>
-          <a:ln w="76200"/>
-        </p:spPr>
-        <p:style>
-          <a:lnRef idx="1">
-            <a:schemeClr val="accent1"/>
-          </a:lnRef>
-          <a:fillRef idx="0">
-            <a:schemeClr val="accent1"/>
-          </a:fillRef>
-          <a:effectRef idx="0">
-            <a:schemeClr val="accent1"/>
-          </a:effectRef>
-          <a:fontRef idx="minor">
-            <a:schemeClr val="tx1"/>
-          </a:fontRef>
-        </p:style>
-      </p:cxnSp>
-    </p:spTree>
-    <p:extLst>
-      <p:ext uri="{BB962C8B-B14F-4D97-AF65-F5344CB8AC3E}">
-        <p14:creationId xmlns:p14="http://schemas.microsoft.com/office/powerpoint/2010/main" val="4007177300"/>
       </p:ext>
     </p:extLst>
   </p:cSld>

--- a/reports/Tiwari_Kamath_Final.pptx
+++ b/reports/Tiwari_Kamath_Final.pptx
@@ -19857,6 +19857,42 @@
           <a:chExt cx="0" cy="0"/>
         </a:xfrm>
       </p:grpSpPr>
+      <p:pic>
+        <p:nvPicPr>
+          <p:cNvPr id="8" name="Picture 7" descr="A diagram of different colors&#10;&#10;AI-generated content may be incorrect.">
+            <a:extLst>
+              <a:ext uri="{FF2B5EF4-FFF2-40B4-BE49-F238E27FC236}">
+                <a16:creationId xmlns:a16="http://schemas.microsoft.com/office/drawing/2014/main" id="{606B3E59-B598-17B1-95B3-B898BEA14C60}"/>
+              </a:ext>
+            </a:extLst>
+          </p:cNvPr>
+          <p:cNvPicPr>
+            <a:picLocks noChangeAspect="1"/>
+          </p:cNvPicPr>
+          <p:nvPr/>
+        </p:nvPicPr>
+        <p:blipFill>
+          <a:blip r:embed="rId2">
+            <a:extLst>
+              <a:ext uri="{28A0092B-C50C-407E-A947-70E740481C1C}">
+                <a14:useLocalDpi xmlns:a14="http://schemas.microsoft.com/office/drawing/2010/main" val="0"/>
+              </a:ext>
+            </a:extLst>
+          </a:blip>
+          <a:stretch>
+            <a:fillRect/>
+          </a:stretch>
+        </p:blipFill>
+        <p:spPr>
+          <a:xfrm>
+            <a:off x="-1" y="1289010"/>
+            <a:ext cx="9900427" cy="5568990"/>
+          </a:xfrm>
+          <a:prstGeom prst="rect">
+            <a:avLst/>
+          </a:prstGeom>
+        </p:spPr>
+      </p:pic>
       <p:sp>
         <p:nvSpPr>
           <p:cNvPr id="2" name="Title 1">
@@ -19891,42 +19927,6 @@
           </a:p>
         </p:txBody>
       </p:sp>
-      <p:pic>
-        <p:nvPicPr>
-          <p:cNvPr id="6" name="Content Placeholder 4" descr="A comparison of different types of pregnancy test results&#10;&#10;AI-generated content may be incorrect.">
-            <a:extLst>
-              <a:ext uri="{FF2B5EF4-FFF2-40B4-BE49-F238E27FC236}">
-                <a16:creationId xmlns:a16="http://schemas.microsoft.com/office/drawing/2014/main" id="{1C43F736-9153-58CA-150C-9AC7BABAD6E8}"/>
-              </a:ext>
-            </a:extLst>
-          </p:cNvPr>
-          <p:cNvPicPr>
-            <a:picLocks noChangeAspect="1"/>
-          </p:cNvPicPr>
-          <p:nvPr/>
-        </p:nvPicPr>
-        <p:blipFill>
-          <a:blip r:embed="rId2">
-            <a:extLst>
-              <a:ext uri="{28A0092B-C50C-407E-A947-70E740481C1C}">
-                <a14:useLocalDpi xmlns:a14="http://schemas.microsoft.com/office/drawing/2010/main" val="0"/>
-              </a:ext>
-            </a:extLst>
-          </a:blip>
-          <a:stretch>
-            <a:fillRect/>
-          </a:stretch>
-        </p:blipFill>
-        <p:spPr>
-          <a:xfrm>
-            <a:off x="-1" y="1289010"/>
-            <a:ext cx="9900431" cy="5568990"/>
-          </a:xfrm>
-          <a:prstGeom prst="rect">
-            <a:avLst/>
-          </a:prstGeom>
-        </p:spPr>
-      </p:pic>
       <p:sp>
         <p:nvSpPr>
           <p:cNvPr id="3" name="Content Placeholder 2">
@@ -20063,7 +20063,11 @@
                                           </p:stCondLst>
                                         </p:cTn>
                                         <p:tgtEl>
-                                          <p:spTgt spid="6"/>
+                                          <p:spTgt spid="3">
+                                            <p:txEl>
+                                              <p:pRg st="0" end="0"/>
+                                            </p:txEl>
+                                          </p:spTgt>
                                         </p:tgtEl>
                                         <p:attrNameLst>
                                           <p:attrName>style.visibility</p:attrName>
@@ -20077,7 +20081,11 @@
                                       <p:cBhvr>
                                         <p:cTn id="12" dur="500"/>
                                         <p:tgtEl>
-                                          <p:spTgt spid="6"/>
+                                          <p:spTgt spid="3">
+                                            <p:txEl>
+                                              <p:pRg st="0" end="0"/>
+                                            </p:txEl>
+                                          </p:spTgt>
                                         </p:tgtEl>
                                       </p:cBhvr>
                                     </p:animEffect>
@@ -20118,7 +20126,7 @@
                                         <p:tgtEl>
                                           <p:spTgt spid="3">
                                             <p:txEl>
-                                              <p:pRg st="0" end="0"/>
+                                              <p:pRg st="1" end="1"/>
                                             </p:txEl>
                                           </p:spTgt>
                                         </p:tgtEl>
@@ -20133,67 +20141,6 @@
                                     <p:animEffect transition="in" filter="fade">
                                       <p:cBhvr>
                                         <p:cTn id="17" dur="500"/>
-                                        <p:tgtEl>
-                                          <p:spTgt spid="3">
-                                            <p:txEl>
-                                              <p:pRg st="0" end="0"/>
-                                            </p:txEl>
-                                          </p:spTgt>
-                                        </p:tgtEl>
-                                      </p:cBhvr>
-                                    </p:animEffect>
-                                  </p:childTnLst>
-                                </p:cTn>
-                              </p:par>
-                            </p:childTnLst>
-                          </p:cTn>
-                        </p:par>
-                      </p:childTnLst>
-                    </p:cTn>
-                  </p:par>
-                  <p:par>
-                    <p:cTn id="18" fill="hold">
-                      <p:stCondLst>
-                        <p:cond delay="indefinite"/>
-                      </p:stCondLst>
-                      <p:childTnLst>
-                        <p:par>
-                          <p:cTn id="19" fill="hold">
-                            <p:stCondLst>
-                              <p:cond delay="0"/>
-                            </p:stCondLst>
-                            <p:childTnLst>
-                              <p:par>
-                                <p:cTn id="20" presetID="10" presetClass="entr" presetSubtype="0" fill="hold" nodeType="clickEffect">
-                                  <p:stCondLst>
-                                    <p:cond delay="0"/>
-                                  </p:stCondLst>
-                                  <p:childTnLst>
-                                    <p:set>
-                                      <p:cBhvr>
-                                        <p:cTn id="21" dur="1" fill="hold">
-                                          <p:stCondLst>
-                                            <p:cond delay="0"/>
-                                          </p:stCondLst>
-                                        </p:cTn>
-                                        <p:tgtEl>
-                                          <p:spTgt spid="3">
-                                            <p:txEl>
-                                              <p:pRg st="1" end="1"/>
-                                            </p:txEl>
-                                          </p:spTgt>
-                                        </p:tgtEl>
-                                        <p:attrNameLst>
-                                          <p:attrName>style.visibility</p:attrName>
-                                        </p:attrNameLst>
-                                      </p:cBhvr>
-                                      <p:to>
-                                        <p:strVal val="visible"/>
-                                      </p:to>
-                                    </p:set>
-                                    <p:animEffect transition="in" filter="fade">
-                                      <p:cBhvr>
-                                        <p:cTn id="22" dur="500"/>
                                         <p:tgtEl>
                                           <p:spTgt spid="3">
                                             <p:txEl>
